--- a/PresentationSlides/New Aviation Fleet Acquisition Risk Analysis.pptx
+++ b/PresentationSlides/New Aviation Fleet Acquisition Risk Analysis.pptx
@@ -5,10 +5,10 @@
     <p:sldMasterId id="2147483648" r:id="rId4"/>
   </p:sldMasterIdLst>
   <p:notesMasterIdLst>
-    <p:notesMasterId r:id="rId25"/>
+    <p:notesMasterId r:id="rId19"/>
   </p:notesMasterIdLst>
   <p:handoutMasterIdLst>
-    <p:handoutMasterId r:id="rId26"/>
+    <p:handoutMasterId r:id="rId20"/>
   </p:handoutMasterIdLst>
   <p:sldIdLst>
     <p:sldId id="292" r:id="rId5"/>
@@ -25,12 +25,6 @@
     <p:sldId id="279" r:id="rId16"/>
     <p:sldId id="307" r:id="rId17"/>
     <p:sldId id="276" r:id="rId18"/>
-    <p:sldId id="293" r:id="rId19"/>
-    <p:sldId id="268" r:id="rId20"/>
-    <p:sldId id="269" r:id="rId21"/>
-    <p:sldId id="300" r:id="rId22"/>
-    <p:sldId id="295" r:id="rId23"/>
-    <p:sldId id="289" r:id="rId24"/>
   </p:sldIdLst>
   <p:sldSz cx="12192000" cy="6858000"/>
   <p:notesSz cx="6858000" cy="9144000"/>
@@ -1154,330 +1148,6 @@
     <p:extLst>
       <p:ext uri="{BB962C8B-B14F-4D97-AF65-F5344CB8AC3E}">
         <p14:creationId xmlns:p14="http://schemas.microsoft.com/office/powerpoint/2010/main" val="1377460931"/>
-      </p:ext>
-    </p:extLst>
-  </p:cSld>
-  <p:clrMapOvr>
-    <a:masterClrMapping/>
-  </p:clrMapOvr>
-</p:notes>
-</file>
-
-<file path=ppt/notesSlides/notesSlide5.xml><?xml version="1.0" encoding="utf-8"?>
-<p:notes xmlns:a="http://schemas.openxmlformats.org/drawingml/2006/main" xmlns:r="http://schemas.openxmlformats.org/officeDocument/2006/relationships" xmlns:p="http://schemas.openxmlformats.org/presentationml/2006/main">
-  <p:cSld>
-    <p:spTree>
-      <p:nvGrpSpPr>
-        <p:cNvPr id="1" name=""/>
-        <p:cNvGrpSpPr/>
-        <p:nvPr/>
-      </p:nvGrpSpPr>
-      <p:grpSpPr>
-        <a:xfrm>
-          <a:off x="0" y="0"/>
-          <a:ext cx="0" cy="0"/>
-          <a:chOff x="0" y="0"/>
-          <a:chExt cx="0" cy="0"/>
-        </a:xfrm>
-      </p:grpSpPr>
-      <p:sp>
-        <p:nvSpPr>
-          <p:cNvPr id="2" name="Slide Image Placeholder 1"/>
-          <p:cNvSpPr>
-            <a:spLocks noGrp="1" noRot="1" noChangeAspect="1"/>
-          </p:cNvSpPr>
-          <p:nvPr>
-            <p:ph type="sldImg"/>
-          </p:nvPr>
-        </p:nvSpPr>
-        <p:spPr>
-          <a:xfrm>
-            <a:off x="685800" y="1143000"/>
-            <a:ext cx="5486400" cy="3086100"/>
-          </a:xfrm>
-          <a:prstGeom prst="rect">
-            <a:avLst/>
-          </a:prstGeom>
-        </p:spPr>
-      </p:sp>
-      <p:sp>
-        <p:nvSpPr>
-          <p:cNvPr id="3" name="Notes Placeholder 2"/>
-          <p:cNvSpPr>
-            <a:spLocks noGrp="1"/>
-          </p:cNvSpPr>
-          <p:nvPr>
-            <p:ph type="body" idx="1"/>
-          </p:nvPr>
-        </p:nvSpPr>
-        <p:spPr>
-          <a:xfrm>
-            <a:off x="685800" y="4400550"/>
-            <a:ext cx="5486400" cy="3600450"/>
-          </a:xfrm>
-          <a:prstGeom prst="rect">
-            <a:avLst/>
-          </a:prstGeom>
-        </p:spPr>
-        <p:txBody>
-          <a:bodyPr/>
-          <a:lstStyle/>
-          <a:p>
-            <a:endParaRPr lang="en-US" dirty="0"/>
-          </a:p>
-        </p:txBody>
-      </p:sp>
-      <p:sp>
-        <p:nvSpPr>
-          <p:cNvPr id="4" name="Slide Number Placeholder 3"/>
-          <p:cNvSpPr>
-            <a:spLocks noGrp="1"/>
-          </p:cNvSpPr>
-          <p:nvPr>
-            <p:ph type="sldNum" sz="quarter" idx="5"/>
-          </p:nvPr>
-        </p:nvSpPr>
-        <p:spPr>
-          <a:xfrm>
-            <a:off x="3884613" y="8685213"/>
-            <a:ext cx="2971800" cy="458787"/>
-          </a:xfrm>
-          <a:prstGeom prst="rect">
-            <a:avLst/>
-          </a:prstGeom>
-        </p:spPr>
-        <p:txBody>
-          <a:bodyPr/>
-          <a:lstStyle/>
-          <a:p>
-            <a:fld id="{017105BD-6D6F-49DB-9DE4-D4A6452D7E5F}" type="slidenum">
-              <a:rPr lang="en-US" altLang="zh-CN" noProof="0" smtClean="0"/>
-              <a:t>15</a:t>
-            </a:fld>
-            <a:endParaRPr lang="en-US" altLang="zh-CN" noProof="0" dirty="0"/>
-          </a:p>
-        </p:txBody>
-      </p:sp>
-    </p:spTree>
-    <p:extLst>
-      <p:ext uri="{BB962C8B-B14F-4D97-AF65-F5344CB8AC3E}">
-        <p14:creationId xmlns:p14="http://schemas.microsoft.com/office/powerpoint/2010/main" val="2093800316"/>
-      </p:ext>
-    </p:extLst>
-  </p:cSld>
-  <p:clrMapOvr>
-    <a:masterClrMapping/>
-  </p:clrMapOvr>
-</p:notes>
-</file>
-
-<file path=ppt/notesSlides/notesSlide6.xml><?xml version="1.0" encoding="utf-8"?>
-<p:notes xmlns:a="http://schemas.openxmlformats.org/drawingml/2006/main" xmlns:r="http://schemas.openxmlformats.org/officeDocument/2006/relationships" xmlns:p="http://schemas.openxmlformats.org/presentationml/2006/main">
-  <p:cSld>
-    <p:spTree>
-      <p:nvGrpSpPr>
-        <p:cNvPr id="1" name=""/>
-        <p:cNvGrpSpPr/>
-        <p:nvPr/>
-      </p:nvGrpSpPr>
-      <p:grpSpPr>
-        <a:xfrm>
-          <a:off x="0" y="0"/>
-          <a:ext cx="0" cy="0"/>
-          <a:chOff x="0" y="0"/>
-          <a:chExt cx="0" cy="0"/>
-        </a:xfrm>
-      </p:grpSpPr>
-      <p:sp>
-        <p:nvSpPr>
-          <p:cNvPr id="2" name="Slide Image Placeholder 1"/>
-          <p:cNvSpPr>
-            <a:spLocks noGrp="1" noRot="1" noChangeAspect="1"/>
-          </p:cNvSpPr>
-          <p:nvPr>
-            <p:ph type="sldImg"/>
-          </p:nvPr>
-        </p:nvSpPr>
-        <p:spPr>
-          <a:xfrm>
-            <a:off x="685800" y="1143000"/>
-            <a:ext cx="5486400" cy="3086100"/>
-          </a:xfrm>
-          <a:prstGeom prst="rect">
-            <a:avLst/>
-          </a:prstGeom>
-        </p:spPr>
-      </p:sp>
-      <p:sp>
-        <p:nvSpPr>
-          <p:cNvPr id="3" name="Notes Placeholder 2"/>
-          <p:cNvSpPr>
-            <a:spLocks noGrp="1"/>
-          </p:cNvSpPr>
-          <p:nvPr>
-            <p:ph type="body" idx="1"/>
-          </p:nvPr>
-        </p:nvSpPr>
-        <p:spPr>
-          <a:xfrm>
-            <a:off x="685800" y="4400550"/>
-            <a:ext cx="5486400" cy="3600450"/>
-          </a:xfrm>
-          <a:prstGeom prst="rect">
-            <a:avLst/>
-          </a:prstGeom>
-        </p:spPr>
-        <p:txBody>
-          <a:bodyPr/>
-          <a:lstStyle/>
-          <a:p>
-            <a:endParaRPr lang="en-US" dirty="0"/>
-          </a:p>
-        </p:txBody>
-      </p:sp>
-      <p:sp>
-        <p:nvSpPr>
-          <p:cNvPr id="4" name="Slide Number Placeholder 3"/>
-          <p:cNvSpPr>
-            <a:spLocks noGrp="1"/>
-          </p:cNvSpPr>
-          <p:nvPr>
-            <p:ph type="sldNum" sz="quarter" idx="5"/>
-          </p:nvPr>
-        </p:nvSpPr>
-        <p:spPr>
-          <a:xfrm>
-            <a:off x="3884613" y="8685213"/>
-            <a:ext cx="2971800" cy="458787"/>
-          </a:xfrm>
-          <a:prstGeom prst="rect">
-            <a:avLst/>
-          </a:prstGeom>
-        </p:spPr>
-        <p:txBody>
-          <a:bodyPr/>
-          <a:lstStyle/>
-          <a:p>
-            <a:fld id="{017105BD-6D6F-49DB-9DE4-D4A6452D7E5F}" type="slidenum">
-              <a:rPr lang="en-US" altLang="zh-CN" smtClean="0"/>
-              <a:t>19</a:t>
-            </a:fld>
-            <a:endParaRPr lang="en-US" altLang="zh-CN" dirty="0"/>
-          </a:p>
-        </p:txBody>
-      </p:sp>
-    </p:spTree>
-    <p:extLst>
-      <p:ext uri="{BB962C8B-B14F-4D97-AF65-F5344CB8AC3E}">
-        <p14:creationId xmlns:p14="http://schemas.microsoft.com/office/powerpoint/2010/main" val="2424331431"/>
-      </p:ext>
-    </p:extLst>
-  </p:cSld>
-  <p:clrMapOvr>
-    <a:masterClrMapping/>
-  </p:clrMapOvr>
-</p:notes>
-</file>
-
-<file path=ppt/notesSlides/notesSlide7.xml><?xml version="1.0" encoding="utf-8"?>
-<p:notes xmlns:a="http://schemas.openxmlformats.org/drawingml/2006/main" xmlns:r="http://schemas.openxmlformats.org/officeDocument/2006/relationships" xmlns:p="http://schemas.openxmlformats.org/presentationml/2006/main">
-  <p:cSld>
-    <p:spTree>
-      <p:nvGrpSpPr>
-        <p:cNvPr id="1" name=""/>
-        <p:cNvGrpSpPr/>
-        <p:nvPr/>
-      </p:nvGrpSpPr>
-      <p:grpSpPr>
-        <a:xfrm>
-          <a:off x="0" y="0"/>
-          <a:ext cx="0" cy="0"/>
-          <a:chOff x="0" y="0"/>
-          <a:chExt cx="0" cy="0"/>
-        </a:xfrm>
-      </p:grpSpPr>
-      <p:sp>
-        <p:nvSpPr>
-          <p:cNvPr id="2" name="Slide Image Placeholder 1"/>
-          <p:cNvSpPr>
-            <a:spLocks noGrp="1" noRot="1" noChangeAspect="1"/>
-          </p:cNvSpPr>
-          <p:nvPr>
-            <p:ph type="sldImg"/>
-          </p:nvPr>
-        </p:nvSpPr>
-        <p:spPr>
-          <a:xfrm>
-            <a:off x="685800" y="1143000"/>
-            <a:ext cx="5486400" cy="3086100"/>
-          </a:xfrm>
-          <a:prstGeom prst="rect">
-            <a:avLst/>
-          </a:prstGeom>
-        </p:spPr>
-      </p:sp>
-      <p:sp>
-        <p:nvSpPr>
-          <p:cNvPr id="3" name="Notes Placeholder 2"/>
-          <p:cNvSpPr>
-            <a:spLocks noGrp="1"/>
-          </p:cNvSpPr>
-          <p:nvPr>
-            <p:ph type="body" idx="1"/>
-          </p:nvPr>
-        </p:nvSpPr>
-        <p:spPr>
-          <a:xfrm>
-            <a:off x="685800" y="4400550"/>
-            <a:ext cx="5486400" cy="3600450"/>
-          </a:xfrm>
-          <a:prstGeom prst="rect">
-            <a:avLst/>
-          </a:prstGeom>
-        </p:spPr>
-        <p:txBody>
-          <a:bodyPr/>
-          <a:lstStyle/>
-          <a:p>
-            <a:endParaRPr lang="en-US" dirty="0"/>
-          </a:p>
-        </p:txBody>
-      </p:sp>
-      <p:sp>
-        <p:nvSpPr>
-          <p:cNvPr id="4" name="Slide Number Placeholder 3"/>
-          <p:cNvSpPr>
-            <a:spLocks noGrp="1"/>
-          </p:cNvSpPr>
-          <p:nvPr>
-            <p:ph type="sldNum" sz="quarter" idx="5"/>
-          </p:nvPr>
-        </p:nvSpPr>
-        <p:spPr>
-          <a:xfrm>
-            <a:off x="3884613" y="8685213"/>
-            <a:ext cx="2971800" cy="458787"/>
-          </a:xfrm>
-          <a:prstGeom prst="rect">
-            <a:avLst/>
-          </a:prstGeom>
-        </p:spPr>
-        <p:txBody>
-          <a:bodyPr/>
-          <a:lstStyle/>
-          <a:p>
-            <a:fld id="{017105BD-6D6F-49DB-9DE4-D4A6452D7E5F}" type="slidenum">
-              <a:rPr lang="en-US" altLang="zh-CN" noProof="0" smtClean="0"/>
-              <a:t>20</a:t>
-            </a:fld>
-            <a:endParaRPr lang="en-US" altLang="zh-CN" noProof="0" dirty="0"/>
-          </a:p>
-        </p:txBody>
-      </p:sp>
-    </p:spTree>
-    <p:extLst>
-      <p:ext uri="{BB962C8B-B14F-4D97-AF65-F5344CB8AC3E}">
-        <p14:creationId xmlns:p14="http://schemas.microsoft.com/office/powerpoint/2010/main" val="1181820075"/>
       </p:ext>
     </p:extLst>
   </p:cSld>
@@ -2485,1911 +2155,6 @@
 </file>
 
 <file path=ppt/slideLayouts/slideLayout10.xml><?xml version="1.0" encoding="utf-8"?>
-<p:sldLayout xmlns:a="http://schemas.openxmlformats.org/drawingml/2006/main" xmlns:r="http://schemas.openxmlformats.org/officeDocument/2006/relationships" xmlns:p="http://schemas.openxmlformats.org/presentationml/2006/main" userDrawn="1">
-  <p:cSld name="Title and content 02">
-    <p:spTree>
-      <p:nvGrpSpPr>
-        <p:cNvPr id="1" name=""/>
-        <p:cNvGrpSpPr/>
-        <p:nvPr/>
-      </p:nvGrpSpPr>
-      <p:grpSpPr>
-        <a:xfrm>
-          <a:off x="0" y="0"/>
-          <a:ext cx="0" cy="0"/>
-          <a:chOff x="0" y="0"/>
-          <a:chExt cx="0" cy="0"/>
-        </a:xfrm>
-      </p:grpSpPr>
-      <p:sp>
-        <p:nvSpPr>
-          <p:cNvPr id="2" name="Title 1">
-            <a:extLst>
-              <a:ext uri="{FF2B5EF4-FFF2-40B4-BE49-F238E27FC236}">
-                <a16:creationId xmlns:a16="http://schemas.microsoft.com/office/drawing/2014/main" id="{F657BD59-35CC-9BB3-8621-6FA3356F81AA}"/>
-              </a:ext>
-            </a:extLst>
-          </p:cNvPr>
-          <p:cNvSpPr>
-            <a:spLocks noGrp="1"/>
-          </p:cNvSpPr>
-          <p:nvPr>
-            <p:ph type="title"/>
-          </p:nvPr>
-        </p:nvSpPr>
-        <p:spPr>
-          <a:xfrm>
-            <a:off x="914400" y="731520"/>
-            <a:ext cx="7671816" cy="2103120"/>
-          </a:xfrm>
-        </p:spPr>
-        <p:txBody>
-          <a:bodyPr anchor="b" anchorCtr="0">
-            <a:normAutofit/>
-          </a:bodyPr>
-          <a:lstStyle/>
-          <a:p>
-            <a:r>
-              <a:rPr lang="en-US"/>
-              <a:t>Click to edit Master title style</a:t>
-            </a:r>
-            <a:endParaRPr lang="en-US" dirty="0"/>
-          </a:p>
-        </p:txBody>
-      </p:sp>
-      <p:sp>
-        <p:nvSpPr>
-          <p:cNvPr id="15" name="Content Placeholder 2">
-            <a:extLst>
-              <a:ext uri="{FF2B5EF4-FFF2-40B4-BE49-F238E27FC236}">
-                <a16:creationId xmlns:a16="http://schemas.microsoft.com/office/drawing/2014/main" id="{F9296AFE-5FB8-52A4-3111-3B53DBE4DB3E}"/>
-              </a:ext>
-            </a:extLst>
-          </p:cNvPr>
-          <p:cNvSpPr>
-            <a:spLocks noGrp="1"/>
-          </p:cNvSpPr>
-          <p:nvPr>
-            <p:ph idx="14"/>
-          </p:nvPr>
-        </p:nvSpPr>
-        <p:spPr>
-          <a:xfrm>
-            <a:off x="914400" y="3200400"/>
-            <a:ext cx="10149840" cy="2834640"/>
-          </a:xfrm>
-        </p:spPr>
-        <p:txBody>
-          <a:bodyPr>
-            <a:normAutofit/>
-          </a:bodyPr>
-          <a:lstStyle>
-            <a:lvl1pPr>
-              <a:defRPr sz="1800"/>
-            </a:lvl1pPr>
-            <a:lvl2pPr>
-              <a:defRPr sz="1800"/>
-            </a:lvl2pPr>
-            <a:lvl3pPr>
-              <a:defRPr sz="1800"/>
-            </a:lvl3pPr>
-            <a:lvl4pPr>
-              <a:defRPr sz="1800"/>
-            </a:lvl4pPr>
-            <a:lvl5pPr>
-              <a:defRPr sz="1800"/>
-            </a:lvl5pPr>
-          </a:lstStyle>
-          <a:p>
-            <a:pPr lvl="0"/>
-            <a:r>
-              <a:rPr lang="en-US"/>
-              <a:t>Click to edit Master text styles</a:t>
-            </a:r>
-          </a:p>
-          <a:p>
-            <a:pPr lvl="1"/>
-            <a:r>
-              <a:rPr lang="en-US"/>
-              <a:t>Second level</a:t>
-            </a:r>
-          </a:p>
-          <a:p>
-            <a:pPr lvl="2"/>
-            <a:r>
-              <a:rPr lang="en-US"/>
-              <a:t>Third level</a:t>
-            </a:r>
-          </a:p>
-          <a:p>
-            <a:pPr lvl="3"/>
-            <a:r>
-              <a:rPr lang="en-US"/>
-              <a:t>Fourth level</a:t>
-            </a:r>
-          </a:p>
-        </p:txBody>
-      </p:sp>
-      <p:sp>
-        <p:nvSpPr>
-          <p:cNvPr id="5" name="Footer Placeholder 4">
-            <a:extLst>
-              <a:ext uri="{FF2B5EF4-FFF2-40B4-BE49-F238E27FC236}">
-                <a16:creationId xmlns:a16="http://schemas.microsoft.com/office/drawing/2014/main" id="{4D4DE333-25B4-E092-1CC4-C3D20BA25168}"/>
-              </a:ext>
-            </a:extLst>
-          </p:cNvPr>
-          <p:cNvSpPr>
-            <a:spLocks noGrp="1"/>
-          </p:cNvSpPr>
-          <p:nvPr>
-            <p:ph type="ftr" sz="quarter" idx="11"/>
-          </p:nvPr>
-        </p:nvSpPr>
-        <p:spPr/>
-        <p:txBody>
-          <a:bodyPr/>
-          <a:lstStyle/>
-          <a:p>
-            <a:endParaRPr lang="en-US" dirty="0"/>
-          </a:p>
-        </p:txBody>
-      </p:sp>
-      <p:sp>
-        <p:nvSpPr>
-          <p:cNvPr id="6" name="Slide Number Placeholder 5">
-            <a:extLst>
-              <a:ext uri="{FF2B5EF4-FFF2-40B4-BE49-F238E27FC236}">
-                <a16:creationId xmlns:a16="http://schemas.microsoft.com/office/drawing/2014/main" id="{8F1AF200-E81F-A326-0EDB-4B93C71D9BF4}"/>
-              </a:ext>
-            </a:extLst>
-          </p:cNvPr>
-          <p:cNvSpPr>
-            <a:spLocks noGrp="1"/>
-          </p:cNvSpPr>
-          <p:nvPr>
-            <p:ph type="sldNum" sz="quarter" idx="12"/>
-          </p:nvPr>
-        </p:nvSpPr>
-        <p:spPr/>
-        <p:txBody>
-          <a:bodyPr/>
-          <a:lstStyle/>
-          <a:p>
-            <a:fld id="{CBD12358-51D2-46B3-9BDE-DF29528B9454}" type="slidenum">
-              <a:rPr lang="en-US" smtClean="0"/>
-              <a:t>‹#›</a:t>
-            </a:fld>
-            <a:endParaRPr lang="en-US" dirty="0"/>
-          </a:p>
-        </p:txBody>
-      </p:sp>
-      <p:sp>
-        <p:nvSpPr>
-          <p:cNvPr id="3" name="Freeform: Shape 12">
-            <a:extLst>
-              <a:ext uri="{FF2B5EF4-FFF2-40B4-BE49-F238E27FC236}">
-                <a16:creationId xmlns:a16="http://schemas.microsoft.com/office/drawing/2014/main" id="{809C5320-0161-C582-141C-55F06D4F3BAE}"/>
-              </a:ext>
-            </a:extLst>
-          </p:cNvPr>
-          <p:cNvSpPr/>
-          <p:nvPr userDrawn="1"/>
-        </p:nvSpPr>
-        <p:spPr>
-          <a:xfrm>
-            <a:off x="8893126" y="351937"/>
-            <a:ext cx="1331054" cy="1502495"/>
-          </a:xfrm>
-          <a:custGeom>
-            <a:avLst/>
-            <a:gdLst>
-              <a:gd name="connsiteX0" fmla="*/ 2187388 w 4398682"/>
-              <a:gd name="connsiteY0" fmla="*/ 0 h 5032188"/>
-              <a:gd name="connsiteX1" fmla="*/ 4386729 w 4398682"/>
-              <a:gd name="connsiteY1" fmla="*/ 1261035 h 5032188"/>
-              <a:gd name="connsiteX2" fmla="*/ 4398682 w 4398682"/>
-              <a:gd name="connsiteY2" fmla="*/ 3789083 h 5032188"/>
-              <a:gd name="connsiteX3" fmla="*/ 2193365 w 4398682"/>
-              <a:gd name="connsiteY3" fmla="*/ 5032188 h 5032188"/>
-              <a:gd name="connsiteX4" fmla="*/ 0 w 4398682"/>
-              <a:gd name="connsiteY4" fmla="*/ 3783106 h 5032188"/>
-              <a:gd name="connsiteX5" fmla="*/ 0 w 4398682"/>
-              <a:gd name="connsiteY5" fmla="*/ 1267012 h 5032188"/>
-              <a:gd name="connsiteX6" fmla="*/ 2187388 w 4398682"/>
-              <a:gd name="connsiteY6" fmla="*/ 0 h 5032188"/>
-              <a:gd name="connsiteX0" fmla="*/ 2187388 w 4387647"/>
-              <a:gd name="connsiteY0" fmla="*/ 0 h 5032188"/>
-              <a:gd name="connsiteX1" fmla="*/ 4386729 w 4387647"/>
-              <a:gd name="connsiteY1" fmla="*/ 1261035 h 5032188"/>
-              <a:gd name="connsiteX2" fmla="*/ 4384192 w 4387647"/>
-              <a:gd name="connsiteY2" fmla="*/ 3783287 h 5032188"/>
-              <a:gd name="connsiteX3" fmla="*/ 2193365 w 4387647"/>
-              <a:gd name="connsiteY3" fmla="*/ 5032188 h 5032188"/>
-              <a:gd name="connsiteX4" fmla="*/ 0 w 4387647"/>
-              <a:gd name="connsiteY4" fmla="*/ 3783106 h 5032188"/>
-              <a:gd name="connsiteX5" fmla="*/ 0 w 4387647"/>
-              <a:gd name="connsiteY5" fmla="*/ 1267012 h 5032188"/>
-              <a:gd name="connsiteX6" fmla="*/ 2187388 w 4387647"/>
-              <a:gd name="connsiteY6" fmla="*/ 0 h 5032188"/>
-            </a:gdLst>
-            <a:ahLst/>
-            <a:cxnLst>
-              <a:cxn ang="0">
-                <a:pos x="connsiteX0" y="connsiteY0"/>
-              </a:cxn>
-              <a:cxn ang="0">
-                <a:pos x="connsiteX1" y="connsiteY1"/>
-              </a:cxn>
-              <a:cxn ang="0">
-                <a:pos x="connsiteX2" y="connsiteY2"/>
-              </a:cxn>
-              <a:cxn ang="0">
-                <a:pos x="connsiteX3" y="connsiteY3"/>
-              </a:cxn>
-              <a:cxn ang="0">
-                <a:pos x="connsiteX4" y="connsiteY4"/>
-              </a:cxn>
-              <a:cxn ang="0">
-                <a:pos x="connsiteX5" y="connsiteY5"/>
-              </a:cxn>
-              <a:cxn ang="0">
-                <a:pos x="connsiteX6" y="connsiteY6"/>
-              </a:cxn>
-            </a:cxnLst>
-            <a:rect l="l" t="t" r="r" b="b"/>
-            <a:pathLst>
-              <a:path w="4387647" h="5032188">
-                <a:moveTo>
-                  <a:pt x="2187388" y="0"/>
-                </a:moveTo>
-                <a:lnTo>
-                  <a:pt x="4386729" y="1261035"/>
-                </a:lnTo>
-                <a:cubicBezTo>
-                  <a:pt x="4390713" y="2103718"/>
-                  <a:pt x="4380208" y="2940604"/>
-                  <a:pt x="4384192" y="3783287"/>
-                </a:cubicBezTo>
-                <a:lnTo>
-                  <a:pt x="2193365" y="5032188"/>
-                </a:lnTo>
-                <a:lnTo>
-                  <a:pt x="0" y="3783106"/>
-                </a:lnTo>
-                <a:lnTo>
-                  <a:pt x="0" y="1267012"/>
-                </a:lnTo>
-                <a:lnTo>
-                  <a:pt x="2187388" y="0"/>
-                </a:lnTo>
-                <a:close/>
-              </a:path>
-            </a:pathLst>
-          </a:custGeom>
-          <a:noFill/>
-          <a:ln>
-            <a:solidFill>
-              <a:schemeClr val="bg2">
-                <a:lumMod val="75000"/>
-              </a:schemeClr>
-            </a:solidFill>
-          </a:ln>
-        </p:spPr>
-        <p:style>
-          <a:lnRef idx="2">
-            <a:schemeClr val="accent1">
-              <a:shade val="50000"/>
-            </a:schemeClr>
-          </a:lnRef>
-          <a:fillRef idx="1">
-            <a:schemeClr val="accent1"/>
-          </a:fillRef>
-          <a:effectRef idx="0">
-            <a:schemeClr val="accent1"/>
-          </a:effectRef>
-          <a:fontRef idx="minor">
-            <a:schemeClr val="lt1"/>
-          </a:fontRef>
-        </p:style>
-        <p:txBody>
-          <a:bodyPr rtlCol="0" anchor="ctr">
-            <a:noAutofit/>
-          </a:bodyPr>
-          <a:lstStyle/>
-          <a:p>
-            <a:pPr algn="ctr"/>
-            <a:endParaRPr lang="en-US" sz="1800" noProof="0" dirty="0"/>
-          </a:p>
-        </p:txBody>
-      </p:sp>
-      <p:sp>
-        <p:nvSpPr>
-          <p:cNvPr id="7" name="Freeform 6">
-            <a:extLst>
-              <a:ext uri="{FF2B5EF4-FFF2-40B4-BE49-F238E27FC236}">
-                <a16:creationId xmlns:a16="http://schemas.microsoft.com/office/drawing/2014/main" id="{29C982F3-4477-76AC-0429-350585A39FFA}"/>
-              </a:ext>
-            </a:extLst>
-          </p:cNvPr>
-          <p:cNvSpPr/>
-          <p:nvPr userDrawn="1"/>
-        </p:nvSpPr>
-        <p:spPr>
-          <a:xfrm>
-            <a:off x="5255120" y="0"/>
-            <a:ext cx="1330247" cy="603188"/>
-          </a:xfrm>
-          <a:custGeom>
-            <a:avLst/>
-            <a:gdLst>
-              <a:gd name="connsiteX0" fmla="*/ 0 w 1911968"/>
-              <a:gd name="connsiteY0" fmla="*/ 0 h 866964"/>
-              <a:gd name="connsiteX1" fmla="*/ 1911968 w 1911968"/>
-              <a:gd name="connsiteY1" fmla="*/ 0 h 866964"/>
-              <a:gd name="connsiteX2" fmla="*/ 1911621 w 1911968"/>
-              <a:gd name="connsiteY2" fmla="*/ 335832 h 866964"/>
-              <a:gd name="connsiteX3" fmla="*/ 956364 w 1911968"/>
-              <a:gd name="connsiteY3" fmla="*/ 866964 h 866964"/>
-              <a:gd name="connsiteX4" fmla="*/ 0 w 1911968"/>
-              <a:gd name="connsiteY4" fmla="*/ 335755 h 866964"/>
-            </a:gdLst>
-            <a:ahLst/>
-            <a:cxnLst>
-              <a:cxn ang="0">
-                <a:pos x="connsiteX0" y="connsiteY0"/>
-              </a:cxn>
-              <a:cxn ang="0">
-                <a:pos x="connsiteX1" y="connsiteY1"/>
-              </a:cxn>
-              <a:cxn ang="0">
-                <a:pos x="connsiteX2" y="connsiteY2"/>
-              </a:cxn>
-              <a:cxn ang="0">
-                <a:pos x="connsiteX3" y="connsiteY3"/>
-              </a:cxn>
-              <a:cxn ang="0">
-                <a:pos x="connsiteX4" y="connsiteY4"/>
-              </a:cxn>
-            </a:cxnLst>
-            <a:rect l="l" t="t" r="r" b="b"/>
-            <a:pathLst>
-              <a:path w="1911968" h="866964">
-                <a:moveTo>
-                  <a:pt x="0" y="0"/>
-                </a:moveTo>
-                <a:lnTo>
-                  <a:pt x="1911968" y="0"/>
-                </a:lnTo>
-                <a:lnTo>
-                  <a:pt x="1911621" y="335832"/>
-                </a:lnTo>
-                <a:lnTo>
-                  <a:pt x="956364" y="866964"/>
-                </a:lnTo>
-                <a:lnTo>
-                  <a:pt x="0" y="335755"/>
-                </a:lnTo>
-                <a:close/>
-              </a:path>
-            </a:pathLst>
-          </a:custGeom>
-          <a:solidFill>
-            <a:schemeClr val="accent5">
-              <a:lumMod val="75000"/>
-            </a:schemeClr>
-          </a:solidFill>
-          <a:ln w="19050">
-            <a:noFill/>
-          </a:ln>
-        </p:spPr>
-        <p:style>
-          <a:lnRef idx="2">
-            <a:schemeClr val="accent1">
-              <a:shade val="15000"/>
-            </a:schemeClr>
-          </a:lnRef>
-          <a:fillRef idx="1">
-            <a:schemeClr val="accent1"/>
-          </a:fillRef>
-          <a:effectRef idx="0">
-            <a:schemeClr val="accent1"/>
-          </a:effectRef>
-          <a:fontRef idx="minor">
-            <a:schemeClr val="lt1"/>
-          </a:fontRef>
-        </p:style>
-        <p:txBody>
-          <a:bodyPr wrap="square" rtlCol="0" anchor="ctr">
-            <a:noAutofit/>
-          </a:bodyPr>
-          <a:lstStyle/>
-          <a:p>
-            <a:pPr algn="ctr"/>
-            <a:endParaRPr lang="en-US" dirty="0"/>
-          </a:p>
-        </p:txBody>
-      </p:sp>
-      <p:sp>
-        <p:nvSpPr>
-          <p:cNvPr id="9" name="Freeform 7">
-            <a:extLst>
-              <a:ext uri="{FF2B5EF4-FFF2-40B4-BE49-F238E27FC236}">
-                <a16:creationId xmlns:a16="http://schemas.microsoft.com/office/drawing/2014/main" id="{87A8F7B2-0552-AAD4-9DE2-845DE10CA10A}"/>
-              </a:ext>
-            </a:extLst>
-          </p:cNvPr>
-          <p:cNvSpPr/>
-          <p:nvPr userDrawn="1"/>
-        </p:nvSpPr>
-        <p:spPr>
-          <a:xfrm>
-            <a:off x="6710252" y="0"/>
-            <a:ext cx="1330247" cy="603188"/>
-          </a:xfrm>
-          <a:custGeom>
-            <a:avLst/>
-            <a:gdLst>
-              <a:gd name="connsiteX0" fmla="*/ 0 w 1911968"/>
-              <a:gd name="connsiteY0" fmla="*/ 0 h 866964"/>
-              <a:gd name="connsiteX1" fmla="*/ 1911968 w 1911968"/>
-              <a:gd name="connsiteY1" fmla="*/ 0 h 866964"/>
-              <a:gd name="connsiteX2" fmla="*/ 1911621 w 1911968"/>
-              <a:gd name="connsiteY2" fmla="*/ 335832 h 866964"/>
-              <a:gd name="connsiteX3" fmla="*/ 956364 w 1911968"/>
-              <a:gd name="connsiteY3" fmla="*/ 866964 h 866964"/>
-              <a:gd name="connsiteX4" fmla="*/ 0 w 1911968"/>
-              <a:gd name="connsiteY4" fmla="*/ 335755 h 866964"/>
-            </a:gdLst>
-            <a:ahLst/>
-            <a:cxnLst>
-              <a:cxn ang="0">
-                <a:pos x="connsiteX0" y="connsiteY0"/>
-              </a:cxn>
-              <a:cxn ang="0">
-                <a:pos x="connsiteX1" y="connsiteY1"/>
-              </a:cxn>
-              <a:cxn ang="0">
-                <a:pos x="connsiteX2" y="connsiteY2"/>
-              </a:cxn>
-              <a:cxn ang="0">
-                <a:pos x="connsiteX3" y="connsiteY3"/>
-              </a:cxn>
-              <a:cxn ang="0">
-                <a:pos x="connsiteX4" y="connsiteY4"/>
-              </a:cxn>
-            </a:cxnLst>
-            <a:rect l="l" t="t" r="r" b="b"/>
-            <a:pathLst>
-              <a:path w="1911968" h="866964">
-                <a:moveTo>
-                  <a:pt x="0" y="0"/>
-                </a:moveTo>
-                <a:lnTo>
-                  <a:pt x="1911968" y="0"/>
-                </a:lnTo>
-                <a:lnTo>
-                  <a:pt x="1911621" y="335832"/>
-                </a:lnTo>
-                <a:lnTo>
-                  <a:pt x="956364" y="866964"/>
-                </a:lnTo>
-                <a:lnTo>
-                  <a:pt x="0" y="335755"/>
-                </a:lnTo>
-                <a:close/>
-              </a:path>
-            </a:pathLst>
-          </a:custGeom>
-          <a:solidFill>
-            <a:schemeClr val="bg1"/>
-          </a:solidFill>
-          <a:ln>
-            <a:noFill/>
-          </a:ln>
-        </p:spPr>
-        <p:style>
-          <a:lnRef idx="2">
-            <a:schemeClr val="accent1">
-              <a:shade val="15000"/>
-            </a:schemeClr>
-          </a:lnRef>
-          <a:fillRef idx="1">
-            <a:schemeClr val="accent1"/>
-          </a:fillRef>
-          <a:effectRef idx="0">
-            <a:schemeClr val="accent1"/>
-          </a:effectRef>
-          <a:fontRef idx="minor">
-            <a:schemeClr val="lt1"/>
-          </a:fontRef>
-        </p:style>
-        <p:txBody>
-          <a:bodyPr wrap="square" rtlCol="0" anchor="ctr">
-            <a:noAutofit/>
-          </a:bodyPr>
-          <a:lstStyle/>
-          <a:p>
-            <a:pPr algn="ctr"/>
-            <a:endParaRPr lang="en-US" dirty="0"/>
-          </a:p>
-        </p:txBody>
-      </p:sp>
-      <p:sp>
-        <p:nvSpPr>
-          <p:cNvPr id="10" name="Freeform 9">
-            <a:extLst>
-              <a:ext uri="{FF2B5EF4-FFF2-40B4-BE49-F238E27FC236}">
-                <a16:creationId xmlns:a16="http://schemas.microsoft.com/office/drawing/2014/main" id="{395DA7FF-BAA0-F04C-CA6C-16E9C2D55593}"/>
-              </a:ext>
-            </a:extLst>
-          </p:cNvPr>
-          <p:cNvSpPr/>
-          <p:nvPr userDrawn="1"/>
-        </p:nvSpPr>
-        <p:spPr>
-          <a:xfrm>
-            <a:off x="879765" y="0"/>
-            <a:ext cx="1330247" cy="603188"/>
-          </a:xfrm>
-          <a:custGeom>
-            <a:avLst/>
-            <a:gdLst>
-              <a:gd name="connsiteX0" fmla="*/ 0 w 1911968"/>
-              <a:gd name="connsiteY0" fmla="*/ 0 h 866964"/>
-              <a:gd name="connsiteX1" fmla="*/ 1911968 w 1911968"/>
-              <a:gd name="connsiteY1" fmla="*/ 0 h 866964"/>
-              <a:gd name="connsiteX2" fmla="*/ 1911621 w 1911968"/>
-              <a:gd name="connsiteY2" fmla="*/ 335832 h 866964"/>
-              <a:gd name="connsiteX3" fmla="*/ 956364 w 1911968"/>
-              <a:gd name="connsiteY3" fmla="*/ 866964 h 866964"/>
-              <a:gd name="connsiteX4" fmla="*/ 0 w 1911968"/>
-              <a:gd name="connsiteY4" fmla="*/ 335755 h 866964"/>
-            </a:gdLst>
-            <a:ahLst/>
-            <a:cxnLst>
-              <a:cxn ang="0">
-                <a:pos x="connsiteX0" y="connsiteY0"/>
-              </a:cxn>
-              <a:cxn ang="0">
-                <a:pos x="connsiteX1" y="connsiteY1"/>
-              </a:cxn>
-              <a:cxn ang="0">
-                <a:pos x="connsiteX2" y="connsiteY2"/>
-              </a:cxn>
-              <a:cxn ang="0">
-                <a:pos x="connsiteX3" y="connsiteY3"/>
-              </a:cxn>
-              <a:cxn ang="0">
-                <a:pos x="connsiteX4" y="connsiteY4"/>
-              </a:cxn>
-            </a:cxnLst>
-            <a:rect l="l" t="t" r="r" b="b"/>
-            <a:pathLst>
-              <a:path w="1911968" h="866964">
-                <a:moveTo>
-                  <a:pt x="0" y="0"/>
-                </a:moveTo>
-                <a:lnTo>
-                  <a:pt x="1911968" y="0"/>
-                </a:lnTo>
-                <a:lnTo>
-                  <a:pt x="1911621" y="335832"/>
-                </a:lnTo>
-                <a:lnTo>
-                  <a:pt x="956364" y="866964"/>
-                </a:lnTo>
-                <a:lnTo>
-                  <a:pt x="0" y="335755"/>
-                </a:lnTo>
-                <a:close/>
-              </a:path>
-            </a:pathLst>
-          </a:custGeom>
-          <a:solidFill>
-            <a:schemeClr val="accent1">
-              <a:lumMod val="60000"/>
-              <a:lumOff val="40000"/>
-            </a:schemeClr>
-          </a:solidFill>
-          <a:ln w="19050">
-            <a:noFill/>
-          </a:ln>
-        </p:spPr>
-        <p:style>
-          <a:lnRef idx="2">
-            <a:schemeClr val="accent1">
-              <a:shade val="15000"/>
-            </a:schemeClr>
-          </a:lnRef>
-          <a:fillRef idx="1">
-            <a:schemeClr val="accent1"/>
-          </a:fillRef>
-          <a:effectRef idx="0">
-            <a:schemeClr val="accent1"/>
-          </a:effectRef>
-          <a:fontRef idx="minor">
-            <a:schemeClr val="lt1"/>
-          </a:fontRef>
-        </p:style>
-        <p:txBody>
-          <a:bodyPr wrap="square" rtlCol="0" anchor="ctr">
-            <a:noAutofit/>
-          </a:bodyPr>
-          <a:lstStyle/>
-          <a:p>
-            <a:pPr algn="ctr"/>
-            <a:endParaRPr lang="en-US" dirty="0"/>
-          </a:p>
-        </p:txBody>
-      </p:sp>
-      <p:sp>
-        <p:nvSpPr>
-          <p:cNvPr id="11" name="Freeform 10">
-            <a:extLst>
-              <a:ext uri="{FF2B5EF4-FFF2-40B4-BE49-F238E27FC236}">
-                <a16:creationId xmlns:a16="http://schemas.microsoft.com/office/drawing/2014/main" id="{468D9CEC-53B7-B8DC-B77E-E3F86681879C}"/>
-              </a:ext>
-            </a:extLst>
-          </p:cNvPr>
-          <p:cNvSpPr/>
-          <p:nvPr userDrawn="1"/>
-        </p:nvSpPr>
-        <p:spPr>
-          <a:xfrm>
-            <a:off x="2336512" y="-9525"/>
-            <a:ext cx="1330247" cy="603188"/>
-          </a:xfrm>
-          <a:custGeom>
-            <a:avLst/>
-            <a:gdLst>
-              <a:gd name="connsiteX0" fmla="*/ 0 w 1911968"/>
-              <a:gd name="connsiteY0" fmla="*/ 0 h 866964"/>
-              <a:gd name="connsiteX1" fmla="*/ 1911968 w 1911968"/>
-              <a:gd name="connsiteY1" fmla="*/ 0 h 866964"/>
-              <a:gd name="connsiteX2" fmla="*/ 1911621 w 1911968"/>
-              <a:gd name="connsiteY2" fmla="*/ 335832 h 866964"/>
-              <a:gd name="connsiteX3" fmla="*/ 956364 w 1911968"/>
-              <a:gd name="connsiteY3" fmla="*/ 866964 h 866964"/>
-              <a:gd name="connsiteX4" fmla="*/ 0 w 1911968"/>
-              <a:gd name="connsiteY4" fmla="*/ 335755 h 866964"/>
-            </a:gdLst>
-            <a:ahLst/>
-            <a:cxnLst>
-              <a:cxn ang="0">
-                <a:pos x="connsiteX0" y="connsiteY0"/>
-              </a:cxn>
-              <a:cxn ang="0">
-                <a:pos x="connsiteX1" y="connsiteY1"/>
-              </a:cxn>
-              <a:cxn ang="0">
-                <a:pos x="connsiteX2" y="connsiteY2"/>
-              </a:cxn>
-              <a:cxn ang="0">
-                <a:pos x="connsiteX3" y="connsiteY3"/>
-              </a:cxn>
-              <a:cxn ang="0">
-                <a:pos x="connsiteX4" y="connsiteY4"/>
-              </a:cxn>
-            </a:cxnLst>
-            <a:rect l="l" t="t" r="r" b="b"/>
-            <a:pathLst>
-              <a:path w="1911968" h="866964">
-                <a:moveTo>
-                  <a:pt x="0" y="0"/>
-                </a:moveTo>
-                <a:lnTo>
-                  <a:pt x="1911968" y="0"/>
-                </a:lnTo>
-                <a:lnTo>
-                  <a:pt x="1911621" y="335832"/>
-                </a:lnTo>
-                <a:lnTo>
-                  <a:pt x="956364" y="866964"/>
-                </a:lnTo>
-                <a:lnTo>
-                  <a:pt x="0" y="335755"/>
-                </a:lnTo>
-                <a:close/>
-              </a:path>
-            </a:pathLst>
-          </a:custGeom>
-          <a:noFill/>
-          <a:ln w="19050">
-            <a:solidFill>
-              <a:schemeClr val="accent2"/>
-            </a:solidFill>
-          </a:ln>
-        </p:spPr>
-        <p:style>
-          <a:lnRef idx="2">
-            <a:schemeClr val="accent1">
-              <a:shade val="15000"/>
-            </a:schemeClr>
-          </a:lnRef>
-          <a:fillRef idx="1">
-            <a:schemeClr val="accent1"/>
-          </a:fillRef>
-          <a:effectRef idx="0">
-            <a:schemeClr val="accent1"/>
-          </a:effectRef>
-          <a:fontRef idx="minor">
-            <a:schemeClr val="lt1"/>
-          </a:fontRef>
-        </p:style>
-        <p:txBody>
-          <a:bodyPr wrap="square" rtlCol="0" anchor="ctr">
-            <a:noAutofit/>
-          </a:bodyPr>
-          <a:lstStyle/>
-          <a:p>
-            <a:pPr algn="ctr"/>
-            <a:endParaRPr lang="en-US" dirty="0"/>
-          </a:p>
-        </p:txBody>
-      </p:sp>
-      <p:sp>
-        <p:nvSpPr>
-          <p:cNvPr id="12" name="Freeform 11">
-            <a:extLst>
-              <a:ext uri="{FF2B5EF4-FFF2-40B4-BE49-F238E27FC236}">
-                <a16:creationId xmlns:a16="http://schemas.microsoft.com/office/drawing/2014/main" id="{9222D4D6-56B1-C4C3-0E51-FB22F0CD902B}"/>
-              </a:ext>
-            </a:extLst>
-          </p:cNvPr>
-          <p:cNvSpPr/>
-          <p:nvPr userDrawn="1"/>
-        </p:nvSpPr>
-        <p:spPr>
-          <a:xfrm>
-            <a:off x="8160084" y="-10376"/>
-            <a:ext cx="1330247" cy="603188"/>
-          </a:xfrm>
-          <a:custGeom>
-            <a:avLst/>
-            <a:gdLst>
-              <a:gd name="connsiteX0" fmla="*/ 0 w 1911968"/>
-              <a:gd name="connsiteY0" fmla="*/ 0 h 866964"/>
-              <a:gd name="connsiteX1" fmla="*/ 1911968 w 1911968"/>
-              <a:gd name="connsiteY1" fmla="*/ 0 h 866964"/>
-              <a:gd name="connsiteX2" fmla="*/ 1911621 w 1911968"/>
-              <a:gd name="connsiteY2" fmla="*/ 335832 h 866964"/>
-              <a:gd name="connsiteX3" fmla="*/ 956364 w 1911968"/>
-              <a:gd name="connsiteY3" fmla="*/ 866964 h 866964"/>
-              <a:gd name="connsiteX4" fmla="*/ 0 w 1911968"/>
-              <a:gd name="connsiteY4" fmla="*/ 335755 h 866964"/>
-            </a:gdLst>
-            <a:ahLst/>
-            <a:cxnLst>
-              <a:cxn ang="0">
-                <a:pos x="connsiteX0" y="connsiteY0"/>
-              </a:cxn>
-              <a:cxn ang="0">
-                <a:pos x="connsiteX1" y="connsiteY1"/>
-              </a:cxn>
-              <a:cxn ang="0">
-                <a:pos x="connsiteX2" y="connsiteY2"/>
-              </a:cxn>
-              <a:cxn ang="0">
-                <a:pos x="connsiteX3" y="connsiteY3"/>
-              </a:cxn>
-              <a:cxn ang="0">
-                <a:pos x="connsiteX4" y="connsiteY4"/>
-              </a:cxn>
-            </a:cxnLst>
-            <a:rect l="l" t="t" r="r" b="b"/>
-            <a:pathLst>
-              <a:path w="1911968" h="866964">
-                <a:moveTo>
-                  <a:pt x="0" y="0"/>
-                </a:moveTo>
-                <a:lnTo>
-                  <a:pt x="1911968" y="0"/>
-                </a:lnTo>
-                <a:lnTo>
-                  <a:pt x="1911621" y="335832"/>
-                </a:lnTo>
-                <a:lnTo>
-                  <a:pt x="956364" y="866964"/>
-                </a:lnTo>
-                <a:lnTo>
-                  <a:pt x="0" y="335755"/>
-                </a:lnTo>
-                <a:close/>
-              </a:path>
-            </a:pathLst>
-          </a:custGeom>
-          <a:noFill/>
-          <a:ln w="19050">
-            <a:solidFill>
-              <a:schemeClr val="accent2"/>
-            </a:solidFill>
-          </a:ln>
-        </p:spPr>
-        <p:style>
-          <a:lnRef idx="2">
-            <a:schemeClr val="accent1">
-              <a:shade val="15000"/>
-            </a:schemeClr>
-          </a:lnRef>
-          <a:fillRef idx="1">
-            <a:schemeClr val="accent1"/>
-          </a:fillRef>
-          <a:effectRef idx="0">
-            <a:schemeClr val="accent1"/>
-          </a:effectRef>
-          <a:fontRef idx="minor">
-            <a:schemeClr val="lt1"/>
-          </a:fontRef>
-        </p:style>
-        <p:txBody>
-          <a:bodyPr wrap="square" rtlCol="0" anchor="ctr">
-            <a:noAutofit/>
-          </a:bodyPr>
-          <a:lstStyle/>
-          <a:p>
-            <a:pPr algn="ctr"/>
-            <a:endParaRPr lang="en-US" dirty="0"/>
-          </a:p>
-        </p:txBody>
-      </p:sp>
-      <p:sp>
-        <p:nvSpPr>
-          <p:cNvPr id="13" name="Freeform 12">
-            <a:extLst>
-              <a:ext uri="{FF2B5EF4-FFF2-40B4-BE49-F238E27FC236}">
-                <a16:creationId xmlns:a16="http://schemas.microsoft.com/office/drawing/2014/main" id="{0E6292F0-9E78-C98C-097B-30DEBBC1B179}"/>
-              </a:ext>
-            </a:extLst>
-          </p:cNvPr>
-          <p:cNvSpPr/>
-          <p:nvPr userDrawn="1"/>
-        </p:nvSpPr>
-        <p:spPr>
-          <a:xfrm>
-            <a:off x="9615216" y="0"/>
-            <a:ext cx="1330247" cy="603188"/>
-          </a:xfrm>
-          <a:custGeom>
-            <a:avLst/>
-            <a:gdLst>
-              <a:gd name="connsiteX0" fmla="*/ 0 w 1911968"/>
-              <a:gd name="connsiteY0" fmla="*/ 0 h 866964"/>
-              <a:gd name="connsiteX1" fmla="*/ 1911968 w 1911968"/>
-              <a:gd name="connsiteY1" fmla="*/ 0 h 866964"/>
-              <a:gd name="connsiteX2" fmla="*/ 1911621 w 1911968"/>
-              <a:gd name="connsiteY2" fmla="*/ 335832 h 866964"/>
-              <a:gd name="connsiteX3" fmla="*/ 956364 w 1911968"/>
-              <a:gd name="connsiteY3" fmla="*/ 866964 h 866964"/>
-              <a:gd name="connsiteX4" fmla="*/ 0 w 1911968"/>
-              <a:gd name="connsiteY4" fmla="*/ 335755 h 866964"/>
-            </a:gdLst>
-            <a:ahLst/>
-            <a:cxnLst>
-              <a:cxn ang="0">
-                <a:pos x="connsiteX0" y="connsiteY0"/>
-              </a:cxn>
-              <a:cxn ang="0">
-                <a:pos x="connsiteX1" y="connsiteY1"/>
-              </a:cxn>
-              <a:cxn ang="0">
-                <a:pos x="connsiteX2" y="connsiteY2"/>
-              </a:cxn>
-              <a:cxn ang="0">
-                <a:pos x="connsiteX3" y="connsiteY3"/>
-              </a:cxn>
-              <a:cxn ang="0">
-                <a:pos x="connsiteX4" y="connsiteY4"/>
-              </a:cxn>
-            </a:cxnLst>
-            <a:rect l="l" t="t" r="r" b="b"/>
-            <a:pathLst>
-              <a:path w="1911968" h="866964">
-                <a:moveTo>
-                  <a:pt x="0" y="0"/>
-                </a:moveTo>
-                <a:lnTo>
-                  <a:pt x="1911968" y="0"/>
-                </a:lnTo>
-                <a:lnTo>
-                  <a:pt x="1911621" y="335832"/>
-                </a:lnTo>
-                <a:lnTo>
-                  <a:pt x="956364" y="866964"/>
-                </a:lnTo>
-                <a:lnTo>
-                  <a:pt x="0" y="335755"/>
-                </a:lnTo>
-                <a:close/>
-              </a:path>
-            </a:pathLst>
-          </a:custGeom>
-          <a:solidFill>
-            <a:schemeClr val="accent1">
-              <a:lumMod val="60000"/>
-              <a:lumOff val="40000"/>
-            </a:schemeClr>
-          </a:solidFill>
-          <a:ln>
-            <a:noFill/>
-          </a:ln>
-        </p:spPr>
-        <p:style>
-          <a:lnRef idx="2">
-            <a:schemeClr val="accent1">
-              <a:shade val="15000"/>
-            </a:schemeClr>
-          </a:lnRef>
-          <a:fillRef idx="1">
-            <a:schemeClr val="accent1"/>
-          </a:fillRef>
-          <a:effectRef idx="0">
-            <a:schemeClr val="accent1"/>
-          </a:effectRef>
-          <a:fontRef idx="minor">
-            <a:schemeClr val="lt1"/>
-          </a:fontRef>
-        </p:style>
-        <p:txBody>
-          <a:bodyPr wrap="square" rtlCol="0" anchor="ctr">
-            <a:noAutofit/>
-          </a:bodyPr>
-          <a:lstStyle/>
-          <a:p>
-            <a:pPr algn="ctr"/>
-            <a:endParaRPr lang="en-US" dirty="0"/>
-          </a:p>
-        </p:txBody>
-      </p:sp>
-      <p:sp>
-        <p:nvSpPr>
-          <p:cNvPr id="14" name="Freeform: Shape 12">
-            <a:extLst>
-              <a:ext uri="{FF2B5EF4-FFF2-40B4-BE49-F238E27FC236}">
-                <a16:creationId xmlns:a16="http://schemas.microsoft.com/office/drawing/2014/main" id="{315817B3-76DB-FDD0-60F7-E385C0E84F58}"/>
-              </a:ext>
-            </a:extLst>
-          </p:cNvPr>
-          <p:cNvSpPr/>
-          <p:nvPr userDrawn="1"/>
-        </p:nvSpPr>
-        <p:spPr>
-          <a:xfrm>
-            <a:off x="10342958" y="320527"/>
-            <a:ext cx="1331054" cy="1502495"/>
-          </a:xfrm>
-          <a:custGeom>
-            <a:avLst/>
-            <a:gdLst>
-              <a:gd name="connsiteX0" fmla="*/ 2187388 w 4398682"/>
-              <a:gd name="connsiteY0" fmla="*/ 0 h 5032188"/>
-              <a:gd name="connsiteX1" fmla="*/ 4386729 w 4398682"/>
-              <a:gd name="connsiteY1" fmla="*/ 1261035 h 5032188"/>
-              <a:gd name="connsiteX2" fmla="*/ 4398682 w 4398682"/>
-              <a:gd name="connsiteY2" fmla="*/ 3789083 h 5032188"/>
-              <a:gd name="connsiteX3" fmla="*/ 2193365 w 4398682"/>
-              <a:gd name="connsiteY3" fmla="*/ 5032188 h 5032188"/>
-              <a:gd name="connsiteX4" fmla="*/ 0 w 4398682"/>
-              <a:gd name="connsiteY4" fmla="*/ 3783106 h 5032188"/>
-              <a:gd name="connsiteX5" fmla="*/ 0 w 4398682"/>
-              <a:gd name="connsiteY5" fmla="*/ 1267012 h 5032188"/>
-              <a:gd name="connsiteX6" fmla="*/ 2187388 w 4398682"/>
-              <a:gd name="connsiteY6" fmla="*/ 0 h 5032188"/>
-              <a:gd name="connsiteX0" fmla="*/ 2187388 w 4387647"/>
-              <a:gd name="connsiteY0" fmla="*/ 0 h 5032188"/>
-              <a:gd name="connsiteX1" fmla="*/ 4386729 w 4387647"/>
-              <a:gd name="connsiteY1" fmla="*/ 1261035 h 5032188"/>
-              <a:gd name="connsiteX2" fmla="*/ 4384192 w 4387647"/>
-              <a:gd name="connsiteY2" fmla="*/ 3783287 h 5032188"/>
-              <a:gd name="connsiteX3" fmla="*/ 2193365 w 4387647"/>
-              <a:gd name="connsiteY3" fmla="*/ 5032188 h 5032188"/>
-              <a:gd name="connsiteX4" fmla="*/ 0 w 4387647"/>
-              <a:gd name="connsiteY4" fmla="*/ 3783106 h 5032188"/>
-              <a:gd name="connsiteX5" fmla="*/ 0 w 4387647"/>
-              <a:gd name="connsiteY5" fmla="*/ 1267012 h 5032188"/>
-              <a:gd name="connsiteX6" fmla="*/ 2187388 w 4387647"/>
-              <a:gd name="connsiteY6" fmla="*/ 0 h 5032188"/>
-            </a:gdLst>
-            <a:ahLst/>
-            <a:cxnLst>
-              <a:cxn ang="0">
-                <a:pos x="connsiteX0" y="connsiteY0"/>
-              </a:cxn>
-              <a:cxn ang="0">
-                <a:pos x="connsiteX1" y="connsiteY1"/>
-              </a:cxn>
-              <a:cxn ang="0">
-                <a:pos x="connsiteX2" y="connsiteY2"/>
-              </a:cxn>
-              <a:cxn ang="0">
-                <a:pos x="connsiteX3" y="connsiteY3"/>
-              </a:cxn>
-              <a:cxn ang="0">
-                <a:pos x="connsiteX4" y="connsiteY4"/>
-              </a:cxn>
-              <a:cxn ang="0">
-                <a:pos x="connsiteX5" y="connsiteY5"/>
-              </a:cxn>
-              <a:cxn ang="0">
-                <a:pos x="connsiteX6" y="connsiteY6"/>
-              </a:cxn>
-            </a:cxnLst>
-            <a:rect l="l" t="t" r="r" b="b"/>
-            <a:pathLst>
-              <a:path w="4387647" h="5032188">
-                <a:moveTo>
-                  <a:pt x="2187388" y="0"/>
-                </a:moveTo>
-                <a:lnTo>
-                  <a:pt x="4386729" y="1261035"/>
-                </a:lnTo>
-                <a:cubicBezTo>
-                  <a:pt x="4390713" y="2103718"/>
-                  <a:pt x="4380208" y="2940604"/>
-                  <a:pt x="4384192" y="3783287"/>
-                </a:cubicBezTo>
-                <a:lnTo>
-                  <a:pt x="2193365" y="5032188"/>
-                </a:lnTo>
-                <a:lnTo>
-                  <a:pt x="0" y="3783106"/>
-                </a:lnTo>
-                <a:lnTo>
-                  <a:pt x="0" y="1267012"/>
-                </a:lnTo>
-                <a:lnTo>
-                  <a:pt x="2187388" y="0"/>
-                </a:lnTo>
-                <a:close/>
-              </a:path>
-            </a:pathLst>
-          </a:custGeom>
-          <a:solidFill>
-            <a:schemeClr val="accent2"/>
-          </a:solidFill>
-          <a:ln>
-            <a:noFill/>
-          </a:ln>
-        </p:spPr>
-        <p:style>
-          <a:lnRef idx="2">
-            <a:schemeClr val="accent1">
-              <a:shade val="50000"/>
-            </a:schemeClr>
-          </a:lnRef>
-          <a:fillRef idx="1">
-            <a:schemeClr val="accent1"/>
-          </a:fillRef>
-          <a:effectRef idx="0">
-            <a:schemeClr val="accent1"/>
-          </a:effectRef>
-          <a:fontRef idx="minor">
-            <a:schemeClr val="lt1"/>
-          </a:fontRef>
-        </p:style>
-        <p:txBody>
-          <a:bodyPr rtlCol="0" anchor="ctr">
-            <a:noAutofit/>
-          </a:bodyPr>
-          <a:lstStyle/>
-          <a:p>
-            <a:pPr algn="ctr"/>
-            <a:endParaRPr lang="en-US" sz="1800" noProof="0" dirty="0"/>
-          </a:p>
-        </p:txBody>
-      </p:sp>
-    </p:spTree>
-    <p:extLst>
-      <p:ext uri="{BB962C8B-B14F-4D97-AF65-F5344CB8AC3E}">
-        <p14:creationId xmlns:p14="http://schemas.microsoft.com/office/powerpoint/2010/main" val="389171272"/>
-      </p:ext>
-    </p:extLst>
-  </p:cSld>
-  <p:clrMapOvr>
-    <a:masterClrMapping/>
-  </p:clrMapOvr>
-</p:sldLayout>
-</file>
-
-<file path=ppt/slideLayouts/slideLayout11.xml><?xml version="1.0" encoding="utf-8"?>
-<p:sldLayout xmlns:a="http://schemas.openxmlformats.org/drawingml/2006/main" xmlns:r="http://schemas.openxmlformats.org/officeDocument/2006/relationships" xmlns:p="http://schemas.openxmlformats.org/presentationml/2006/main" preserve="1" userDrawn="1">
-  <p:cSld name="Title and image">
-    <p:spTree>
-      <p:nvGrpSpPr>
-        <p:cNvPr id="1" name=""/>
-        <p:cNvGrpSpPr/>
-        <p:nvPr/>
-      </p:nvGrpSpPr>
-      <p:grpSpPr>
-        <a:xfrm>
-          <a:off x="0" y="0"/>
-          <a:ext cx="0" cy="0"/>
-          <a:chOff x="0" y="0"/>
-          <a:chExt cx="0" cy="0"/>
-        </a:xfrm>
-      </p:grpSpPr>
-      <p:sp>
-        <p:nvSpPr>
-          <p:cNvPr id="8" name="Title Placeholder 4">
-            <a:extLst>
-              <a:ext uri="{FF2B5EF4-FFF2-40B4-BE49-F238E27FC236}">
-                <a16:creationId xmlns:a16="http://schemas.microsoft.com/office/drawing/2014/main" id="{F73BF8E3-2426-5D65-6582-D4B03C765A5D}"/>
-              </a:ext>
-            </a:extLst>
-          </p:cNvPr>
-          <p:cNvSpPr>
-            <a:spLocks noGrp="1"/>
-          </p:cNvSpPr>
-          <p:nvPr>
-            <p:ph type="title"/>
-          </p:nvPr>
-        </p:nvSpPr>
-        <p:spPr>
-          <a:xfrm>
-            <a:off x="6710510" y="2016579"/>
-            <a:ext cx="4441188" cy="2775857"/>
-          </a:xfrm>
-          <a:prstGeom prst="rect">
-            <a:avLst/>
-          </a:prstGeom>
-        </p:spPr>
-        <p:txBody>
-          <a:bodyPr vert="horz" lIns="91440" tIns="45720" rIns="91440" bIns="45720" rtlCol="0" anchor="ctr">
-            <a:normAutofit/>
-          </a:bodyPr>
-          <a:lstStyle/>
-          <a:p>
-            <a:r>
-              <a:rPr lang="en-US"/>
-              <a:t>Click to edit Master title style</a:t>
-            </a:r>
-            <a:endParaRPr lang="en-US" dirty="0"/>
-          </a:p>
-        </p:txBody>
-      </p:sp>
-      <p:sp>
-        <p:nvSpPr>
-          <p:cNvPr id="2" name="Content placeholder 47">
-            <a:extLst>
-              <a:ext uri="{FF2B5EF4-FFF2-40B4-BE49-F238E27FC236}">
-                <a16:creationId xmlns:a16="http://schemas.microsoft.com/office/drawing/2014/main" id="{117BCD91-6BBA-AACD-3424-C3A4E5C1AB1D}"/>
-              </a:ext>
-            </a:extLst>
-          </p:cNvPr>
-          <p:cNvSpPr>
-            <a:spLocks noGrp="1" noChangeAspect="1"/>
-          </p:cNvSpPr>
-          <p:nvPr>
-            <p:ph type="pic" sz="quarter" idx="48"/>
-          </p:nvPr>
-        </p:nvSpPr>
-        <p:spPr>
-          <a:xfrm>
-            <a:off x="914400" y="539496"/>
-            <a:ext cx="5025207" cy="5779008"/>
-          </a:xfrm>
-          <a:custGeom>
-            <a:avLst/>
-            <a:gdLst>
-              <a:gd name="connsiteX0" fmla="*/ 0 w 4816475"/>
-              <a:gd name="connsiteY0" fmla="*/ 2407444 h 4814888"/>
-              <a:gd name="connsiteX1" fmla="*/ 1203722 w 4816475"/>
-              <a:gd name="connsiteY1" fmla="*/ 1 h 4814888"/>
-              <a:gd name="connsiteX2" fmla="*/ 3612753 w 4816475"/>
-              <a:gd name="connsiteY2" fmla="*/ 1 h 4814888"/>
-              <a:gd name="connsiteX3" fmla="*/ 4816475 w 4816475"/>
-              <a:gd name="connsiteY3" fmla="*/ 2407444 h 4814888"/>
-              <a:gd name="connsiteX4" fmla="*/ 3612753 w 4816475"/>
-              <a:gd name="connsiteY4" fmla="*/ 4814887 h 4814888"/>
-              <a:gd name="connsiteX5" fmla="*/ 1203722 w 4816475"/>
-              <a:gd name="connsiteY5" fmla="*/ 4814887 h 4814888"/>
-              <a:gd name="connsiteX6" fmla="*/ 0 w 4816475"/>
-              <a:gd name="connsiteY6" fmla="*/ 2407444 h 4814888"/>
-              <a:gd name="connsiteX0" fmla="*/ 0 w 4816475"/>
-              <a:gd name="connsiteY0" fmla="*/ 2407443 h 4814886"/>
-              <a:gd name="connsiteX1" fmla="*/ 2199402 w 4816475"/>
-              <a:gd name="connsiteY1" fmla="*/ 243840 h 4814886"/>
-              <a:gd name="connsiteX2" fmla="*/ 3612753 w 4816475"/>
-              <a:gd name="connsiteY2" fmla="*/ 0 h 4814886"/>
-              <a:gd name="connsiteX3" fmla="*/ 4816475 w 4816475"/>
-              <a:gd name="connsiteY3" fmla="*/ 2407443 h 4814886"/>
-              <a:gd name="connsiteX4" fmla="*/ 3612753 w 4816475"/>
-              <a:gd name="connsiteY4" fmla="*/ 4814886 h 4814886"/>
-              <a:gd name="connsiteX5" fmla="*/ 1203722 w 4816475"/>
-              <a:gd name="connsiteY5" fmla="*/ 4814886 h 4814886"/>
-              <a:gd name="connsiteX6" fmla="*/ 0 w 4816475"/>
-              <a:gd name="connsiteY6" fmla="*/ 2407443 h 4814886"/>
-              <a:gd name="connsiteX0" fmla="*/ 0 w 4816475"/>
-              <a:gd name="connsiteY0" fmla="*/ 2163603 h 4571046"/>
-              <a:gd name="connsiteX1" fmla="*/ 2199402 w 4816475"/>
-              <a:gd name="connsiteY1" fmla="*/ 0 h 4571046"/>
-              <a:gd name="connsiteX2" fmla="*/ 4608433 w 4816475"/>
-              <a:gd name="connsiteY2" fmla="*/ 721360 h 4571046"/>
-              <a:gd name="connsiteX3" fmla="*/ 4816475 w 4816475"/>
-              <a:gd name="connsiteY3" fmla="*/ 2163603 h 4571046"/>
-              <a:gd name="connsiteX4" fmla="*/ 3612753 w 4816475"/>
-              <a:gd name="connsiteY4" fmla="*/ 4571046 h 4571046"/>
-              <a:gd name="connsiteX5" fmla="*/ 1203722 w 4816475"/>
-              <a:gd name="connsiteY5" fmla="*/ 4571046 h 4571046"/>
-              <a:gd name="connsiteX6" fmla="*/ 0 w 4816475"/>
-              <a:gd name="connsiteY6" fmla="*/ 2163603 h 4571046"/>
-              <a:gd name="connsiteX0" fmla="*/ 0 w 4958715"/>
-              <a:gd name="connsiteY0" fmla="*/ 2163603 h 4571046"/>
-              <a:gd name="connsiteX1" fmla="*/ 2199402 w 4958715"/>
-              <a:gd name="connsiteY1" fmla="*/ 0 h 4571046"/>
-              <a:gd name="connsiteX2" fmla="*/ 4608433 w 4958715"/>
-              <a:gd name="connsiteY2" fmla="*/ 721360 h 4571046"/>
-              <a:gd name="connsiteX3" fmla="*/ 4958715 w 4958715"/>
-              <a:gd name="connsiteY3" fmla="*/ 2803683 h 4571046"/>
-              <a:gd name="connsiteX4" fmla="*/ 3612753 w 4958715"/>
-              <a:gd name="connsiteY4" fmla="*/ 4571046 h 4571046"/>
-              <a:gd name="connsiteX5" fmla="*/ 1203722 w 4958715"/>
-              <a:gd name="connsiteY5" fmla="*/ 4571046 h 4571046"/>
-              <a:gd name="connsiteX6" fmla="*/ 0 w 4958715"/>
-              <a:gd name="connsiteY6" fmla="*/ 2163603 h 4571046"/>
-              <a:gd name="connsiteX0" fmla="*/ 0 w 4916043"/>
-              <a:gd name="connsiteY0" fmla="*/ 1273587 h 4571046"/>
-              <a:gd name="connsiteX1" fmla="*/ 2156730 w 4916043"/>
-              <a:gd name="connsiteY1" fmla="*/ 0 h 4571046"/>
-              <a:gd name="connsiteX2" fmla="*/ 4565761 w 4916043"/>
-              <a:gd name="connsiteY2" fmla="*/ 721360 h 4571046"/>
-              <a:gd name="connsiteX3" fmla="*/ 4916043 w 4916043"/>
-              <a:gd name="connsiteY3" fmla="*/ 2803683 h 4571046"/>
-              <a:gd name="connsiteX4" fmla="*/ 3570081 w 4916043"/>
-              <a:gd name="connsiteY4" fmla="*/ 4571046 h 4571046"/>
-              <a:gd name="connsiteX5" fmla="*/ 1161050 w 4916043"/>
-              <a:gd name="connsiteY5" fmla="*/ 4571046 h 4571046"/>
-              <a:gd name="connsiteX6" fmla="*/ 0 w 4916043"/>
-              <a:gd name="connsiteY6" fmla="*/ 1273587 h 4571046"/>
-              <a:gd name="connsiteX0" fmla="*/ 0 w 4916043"/>
-              <a:gd name="connsiteY0" fmla="*/ 1273587 h 4571046"/>
-              <a:gd name="connsiteX1" fmla="*/ 2156730 w 4916043"/>
-              <a:gd name="connsiteY1" fmla="*/ 0 h 4571046"/>
-              <a:gd name="connsiteX2" fmla="*/ 4565761 w 4916043"/>
-              <a:gd name="connsiteY2" fmla="*/ 721360 h 4571046"/>
-              <a:gd name="connsiteX3" fmla="*/ 4916043 w 4916043"/>
-              <a:gd name="connsiteY3" fmla="*/ 2803683 h 4571046"/>
-              <a:gd name="connsiteX4" fmla="*/ 3570081 w 4916043"/>
-              <a:gd name="connsiteY4" fmla="*/ 4571046 h 4571046"/>
-              <a:gd name="connsiteX5" fmla="*/ 21098 w 4916043"/>
-              <a:gd name="connsiteY5" fmla="*/ 3815142 h 4571046"/>
-              <a:gd name="connsiteX6" fmla="*/ 0 w 4916043"/>
-              <a:gd name="connsiteY6" fmla="*/ 1273587 h 4571046"/>
-              <a:gd name="connsiteX0" fmla="*/ 0 w 4916043"/>
-              <a:gd name="connsiteY0" fmla="*/ 1273587 h 5066346"/>
-              <a:gd name="connsiteX1" fmla="*/ 2156730 w 4916043"/>
-              <a:gd name="connsiteY1" fmla="*/ 0 h 5066346"/>
-              <a:gd name="connsiteX2" fmla="*/ 4565761 w 4916043"/>
-              <a:gd name="connsiteY2" fmla="*/ 721360 h 5066346"/>
-              <a:gd name="connsiteX3" fmla="*/ 4916043 w 4916043"/>
-              <a:gd name="connsiteY3" fmla="*/ 2803683 h 5066346"/>
-              <a:gd name="connsiteX4" fmla="*/ 2236581 w 4916043"/>
-              <a:gd name="connsiteY4" fmla="*/ 5066346 h 5066346"/>
-              <a:gd name="connsiteX5" fmla="*/ 21098 w 4916043"/>
-              <a:gd name="connsiteY5" fmla="*/ 3815142 h 5066346"/>
-              <a:gd name="connsiteX6" fmla="*/ 0 w 4916043"/>
-              <a:gd name="connsiteY6" fmla="*/ 1273587 h 5066346"/>
-              <a:gd name="connsiteX0" fmla="*/ 0 w 4565761"/>
-              <a:gd name="connsiteY0" fmla="*/ 1273587 h 5066346"/>
-              <a:gd name="connsiteX1" fmla="*/ 2156730 w 4565761"/>
-              <a:gd name="connsiteY1" fmla="*/ 0 h 5066346"/>
-              <a:gd name="connsiteX2" fmla="*/ 4565761 w 4565761"/>
-              <a:gd name="connsiteY2" fmla="*/ 721360 h 5066346"/>
-              <a:gd name="connsiteX3" fmla="*/ 4405503 w 4565761"/>
-              <a:gd name="connsiteY3" fmla="*/ 3801903 h 5066346"/>
-              <a:gd name="connsiteX4" fmla="*/ 2236581 w 4565761"/>
-              <a:gd name="connsiteY4" fmla="*/ 5066346 h 5066346"/>
-              <a:gd name="connsiteX5" fmla="*/ 21098 w 4565761"/>
-              <a:gd name="connsiteY5" fmla="*/ 3815142 h 5066346"/>
-              <a:gd name="connsiteX6" fmla="*/ 0 w 4565761"/>
-              <a:gd name="connsiteY6" fmla="*/ 1273587 h 5066346"/>
-              <a:gd name="connsiteX0" fmla="*/ 0 w 4405503"/>
-              <a:gd name="connsiteY0" fmla="*/ 1273587 h 5066346"/>
-              <a:gd name="connsiteX1" fmla="*/ 2156730 w 4405503"/>
-              <a:gd name="connsiteY1" fmla="*/ 0 h 5066346"/>
-              <a:gd name="connsiteX2" fmla="*/ 4398121 w 4405503"/>
-              <a:gd name="connsiteY2" fmla="*/ 1277620 h 5066346"/>
-              <a:gd name="connsiteX3" fmla="*/ 4405503 w 4405503"/>
-              <a:gd name="connsiteY3" fmla="*/ 3801903 h 5066346"/>
-              <a:gd name="connsiteX4" fmla="*/ 2236581 w 4405503"/>
-              <a:gd name="connsiteY4" fmla="*/ 5066346 h 5066346"/>
-              <a:gd name="connsiteX5" fmla="*/ 21098 w 4405503"/>
-              <a:gd name="connsiteY5" fmla="*/ 3815142 h 5066346"/>
-              <a:gd name="connsiteX6" fmla="*/ 0 w 4405503"/>
-              <a:gd name="connsiteY6" fmla="*/ 1273587 h 5066346"/>
-            </a:gdLst>
-            <a:ahLst/>
-            <a:cxnLst>
-              <a:cxn ang="0">
-                <a:pos x="connsiteX0" y="connsiteY0"/>
-              </a:cxn>
-              <a:cxn ang="0">
-                <a:pos x="connsiteX1" y="connsiteY1"/>
-              </a:cxn>
-              <a:cxn ang="0">
-                <a:pos x="connsiteX2" y="connsiteY2"/>
-              </a:cxn>
-              <a:cxn ang="0">
-                <a:pos x="connsiteX3" y="connsiteY3"/>
-              </a:cxn>
-              <a:cxn ang="0">
-                <a:pos x="connsiteX4" y="connsiteY4"/>
-              </a:cxn>
-              <a:cxn ang="0">
-                <a:pos x="connsiteX5" y="connsiteY5"/>
-              </a:cxn>
-              <a:cxn ang="0">
-                <a:pos x="connsiteX6" y="connsiteY6"/>
-              </a:cxn>
-            </a:cxnLst>
-            <a:rect l="l" t="t" r="r" b="b"/>
-            <a:pathLst>
-              <a:path w="4405503" h="5066346">
-                <a:moveTo>
-                  <a:pt x="0" y="1273587"/>
-                </a:moveTo>
-                <a:lnTo>
-                  <a:pt x="2156730" y="0"/>
-                </a:lnTo>
-                <a:lnTo>
-                  <a:pt x="4398121" y="1277620"/>
-                </a:lnTo>
-                <a:cubicBezTo>
-                  <a:pt x="4400582" y="2119048"/>
-                  <a:pt x="4403042" y="2960475"/>
-                  <a:pt x="4405503" y="3801903"/>
-                </a:cubicBezTo>
-                <a:lnTo>
-                  <a:pt x="2236581" y="5066346"/>
-                </a:lnTo>
-                <a:lnTo>
-                  <a:pt x="21098" y="3815142"/>
-                </a:lnTo>
-                <a:lnTo>
-                  <a:pt x="0" y="1273587"/>
-                </a:lnTo>
-                <a:close/>
-              </a:path>
-            </a:pathLst>
-          </a:custGeom>
-        </p:spPr>
-        <p:txBody>
-          <a:bodyPr anchor="ctr">
-            <a:noAutofit/>
-          </a:bodyPr>
-          <a:lstStyle>
-            <a:lvl1pPr marL="0" indent="0" algn="ctr">
-              <a:buNone/>
-              <a:defRPr>
-                <a:solidFill>
-                  <a:schemeClr val="bg1"/>
-                </a:solidFill>
-              </a:defRPr>
-            </a:lvl1pPr>
-          </a:lstStyle>
-          <a:p>
-            <a:r>
-              <a:rPr lang="en-US" altLang="zh-CN" noProof="0"/>
-              <a:t>Click icon to add picture</a:t>
-            </a:r>
-            <a:endParaRPr lang="en-US" altLang="zh-CN" noProof="0" dirty="0"/>
-          </a:p>
-        </p:txBody>
-      </p:sp>
-      <p:pic>
-        <p:nvPicPr>
-          <p:cNvPr id="7" name="Shape 33">
-            <a:extLst>
-              <a:ext uri="{FF2B5EF4-FFF2-40B4-BE49-F238E27FC236}">
-                <a16:creationId xmlns:a16="http://schemas.microsoft.com/office/drawing/2014/main" id="{78B6A20E-2402-E586-7E92-A2C0D0B854DB}"/>
-              </a:ext>
-              <a:ext uri="{C183D7F6-B498-43B3-948B-1728B52AA6E4}">
-                <adec:decorative xmlns:adec="http://schemas.microsoft.com/office/drawing/2017/decorative" val="1"/>
-              </a:ext>
-            </a:extLst>
-          </p:cNvPr>
-          <p:cNvPicPr>
-            <a:picLocks noChangeAspect="1"/>
-          </p:cNvPicPr>
-          <p:nvPr userDrawn="1"/>
-        </p:nvPicPr>
-        <p:blipFill>
-          <a:blip r:embed="rId2">
-            <a:extLst>
-              <a:ext uri="{28A0092B-C50C-407E-A947-70E740481C1C}">
-                <a14:useLocalDpi xmlns:a14="http://schemas.microsoft.com/office/drawing/2010/main"/>
-              </a:ext>
-            </a:extLst>
-          </a:blip>
-          <a:srcRect/>
-          <a:stretch>
-            <a:fillRect/>
-          </a:stretch>
-        </p:blipFill>
-        <p:spPr>
-          <a:xfrm>
-            <a:off x="352010" y="4038403"/>
-            <a:ext cx="1438713" cy="1645920"/>
-          </a:xfrm>
-          <a:custGeom>
-            <a:avLst/>
-            <a:gdLst>
-              <a:gd name="connsiteX0" fmla="*/ 0 w 4816475"/>
-              <a:gd name="connsiteY0" fmla="*/ 2407444 h 4814888"/>
-              <a:gd name="connsiteX1" fmla="*/ 1203722 w 4816475"/>
-              <a:gd name="connsiteY1" fmla="*/ 1 h 4814888"/>
-              <a:gd name="connsiteX2" fmla="*/ 3612753 w 4816475"/>
-              <a:gd name="connsiteY2" fmla="*/ 1 h 4814888"/>
-              <a:gd name="connsiteX3" fmla="*/ 4816475 w 4816475"/>
-              <a:gd name="connsiteY3" fmla="*/ 2407444 h 4814888"/>
-              <a:gd name="connsiteX4" fmla="*/ 3612753 w 4816475"/>
-              <a:gd name="connsiteY4" fmla="*/ 4814887 h 4814888"/>
-              <a:gd name="connsiteX5" fmla="*/ 1203722 w 4816475"/>
-              <a:gd name="connsiteY5" fmla="*/ 4814887 h 4814888"/>
-              <a:gd name="connsiteX6" fmla="*/ 0 w 4816475"/>
-              <a:gd name="connsiteY6" fmla="*/ 2407444 h 4814888"/>
-              <a:gd name="connsiteX0" fmla="*/ 0 w 4816475"/>
-              <a:gd name="connsiteY0" fmla="*/ 2407443 h 4814886"/>
-              <a:gd name="connsiteX1" fmla="*/ 2199402 w 4816475"/>
-              <a:gd name="connsiteY1" fmla="*/ 243840 h 4814886"/>
-              <a:gd name="connsiteX2" fmla="*/ 3612753 w 4816475"/>
-              <a:gd name="connsiteY2" fmla="*/ 0 h 4814886"/>
-              <a:gd name="connsiteX3" fmla="*/ 4816475 w 4816475"/>
-              <a:gd name="connsiteY3" fmla="*/ 2407443 h 4814886"/>
-              <a:gd name="connsiteX4" fmla="*/ 3612753 w 4816475"/>
-              <a:gd name="connsiteY4" fmla="*/ 4814886 h 4814886"/>
-              <a:gd name="connsiteX5" fmla="*/ 1203722 w 4816475"/>
-              <a:gd name="connsiteY5" fmla="*/ 4814886 h 4814886"/>
-              <a:gd name="connsiteX6" fmla="*/ 0 w 4816475"/>
-              <a:gd name="connsiteY6" fmla="*/ 2407443 h 4814886"/>
-              <a:gd name="connsiteX0" fmla="*/ 0 w 4816475"/>
-              <a:gd name="connsiteY0" fmla="*/ 2163603 h 4571046"/>
-              <a:gd name="connsiteX1" fmla="*/ 2199402 w 4816475"/>
-              <a:gd name="connsiteY1" fmla="*/ 0 h 4571046"/>
-              <a:gd name="connsiteX2" fmla="*/ 4608433 w 4816475"/>
-              <a:gd name="connsiteY2" fmla="*/ 721360 h 4571046"/>
-              <a:gd name="connsiteX3" fmla="*/ 4816475 w 4816475"/>
-              <a:gd name="connsiteY3" fmla="*/ 2163603 h 4571046"/>
-              <a:gd name="connsiteX4" fmla="*/ 3612753 w 4816475"/>
-              <a:gd name="connsiteY4" fmla="*/ 4571046 h 4571046"/>
-              <a:gd name="connsiteX5" fmla="*/ 1203722 w 4816475"/>
-              <a:gd name="connsiteY5" fmla="*/ 4571046 h 4571046"/>
-              <a:gd name="connsiteX6" fmla="*/ 0 w 4816475"/>
-              <a:gd name="connsiteY6" fmla="*/ 2163603 h 4571046"/>
-              <a:gd name="connsiteX0" fmla="*/ 0 w 4958715"/>
-              <a:gd name="connsiteY0" fmla="*/ 2163603 h 4571046"/>
-              <a:gd name="connsiteX1" fmla="*/ 2199402 w 4958715"/>
-              <a:gd name="connsiteY1" fmla="*/ 0 h 4571046"/>
-              <a:gd name="connsiteX2" fmla="*/ 4608433 w 4958715"/>
-              <a:gd name="connsiteY2" fmla="*/ 721360 h 4571046"/>
-              <a:gd name="connsiteX3" fmla="*/ 4958715 w 4958715"/>
-              <a:gd name="connsiteY3" fmla="*/ 2803683 h 4571046"/>
-              <a:gd name="connsiteX4" fmla="*/ 3612753 w 4958715"/>
-              <a:gd name="connsiteY4" fmla="*/ 4571046 h 4571046"/>
-              <a:gd name="connsiteX5" fmla="*/ 1203722 w 4958715"/>
-              <a:gd name="connsiteY5" fmla="*/ 4571046 h 4571046"/>
-              <a:gd name="connsiteX6" fmla="*/ 0 w 4958715"/>
-              <a:gd name="connsiteY6" fmla="*/ 2163603 h 4571046"/>
-              <a:gd name="connsiteX0" fmla="*/ 0 w 4916043"/>
-              <a:gd name="connsiteY0" fmla="*/ 1273587 h 4571046"/>
-              <a:gd name="connsiteX1" fmla="*/ 2156730 w 4916043"/>
-              <a:gd name="connsiteY1" fmla="*/ 0 h 4571046"/>
-              <a:gd name="connsiteX2" fmla="*/ 4565761 w 4916043"/>
-              <a:gd name="connsiteY2" fmla="*/ 721360 h 4571046"/>
-              <a:gd name="connsiteX3" fmla="*/ 4916043 w 4916043"/>
-              <a:gd name="connsiteY3" fmla="*/ 2803683 h 4571046"/>
-              <a:gd name="connsiteX4" fmla="*/ 3570081 w 4916043"/>
-              <a:gd name="connsiteY4" fmla="*/ 4571046 h 4571046"/>
-              <a:gd name="connsiteX5" fmla="*/ 1161050 w 4916043"/>
-              <a:gd name="connsiteY5" fmla="*/ 4571046 h 4571046"/>
-              <a:gd name="connsiteX6" fmla="*/ 0 w 4916043"/>
-              <a:gd name="connsiteY6" fmla="*/ 1273587 h 4571046"/>
-              <a:gd name="connsiteX0" fmla="*/ 0 w 4916043"/>
-              <a:gd name="connsiteY0" fmla="*/ 1273587 h 4571046"/>
-              <a:gd name="connsiteX1" fmla="*/ 2156730 w 4916043"/>
-              <a:gd name="connsiteY1" fmla="*/ 0 h 4571046"/>
-              <a:gd name="connsiteX2" fmla="*/ 4565761 w 4916043"/>
-              <a:gd name="connsiteY2" fmla="*/ 721360 h 4571046"/>
-              <a:gd name="connsiteX3" fmla="*/ 4916043 w 4916043"/>
-              <a:gd name="connsiteY3" fmla="*/ 2803683 h 4571046"/>
-              <a:gd name="connsiteX4" fmla="*/ 3570081 w 4916043"/>
-              <a:gd name="connsiteY4" fmla="*/ 4571046 h 4571046"/>
-              <a:gd name="connsiteX5" fmla="*/ 21098 w 4916043"/>
-              <a:gd name="connsiteY5" fmla="*/ 3815142 h 4571046"/>
-              <a:gd name="connsiteX6" fmla="*/ 0 w 4916043"/>
-              <a:gd name="connsiteY6" fmla="*/ 1273587 h 4571046"/>
-              <a:gd name="connsiteX0" fmla="*/ 0 w 4916043"/>
-              <a:gd name="connsiteY0" fmla="*/ 1273587 h 5066346"/>
-              <a:gd name="connsiteX1" fmla="*/ 2156730 w 4916043"/>
-              <a:gd name="connsiteY1" fmla="*/ 0 h 5066346"/>
-              <a:gd name="connsiteX2" fmla="*/ 4565761 w 4916043"/>
-              <a:gd name="connsiteY2" fmla="*/ 721360 h 5066346"/>
-              <a:gd name="connsiteX3" fmla="*/ 4916043 w 4916043"/>
-              <a:gd name="connsiteY3" fmla="*/ 2803683 h 5066346"/>
-              <a:gd name="connsiteX4" fmla="*/ 2236581 w 4916043"/>
-              <a:gd name="connsiteY4" fmla="*/ 5066346 h 5066346"/>
-              <a:gd name="connsiteX5" fmla="*/ 21098 w 4916043"/>
-              <a:gd name="connsiteY5" fmla="*/ 3815142 h 5066346"/>
-              <a:gd name="connsiteX6" fmla="*/ 0 w 4916043"/>
-              <a:gd name="connsiteY6" fmla="*/ 1273587 h 5066346"/>
-              <a:gd name="connsiteX0" fmla="*/ 0 w 4565761"/>
-              <a:gd name="connsiteY0" fmla="*/ 1273587 h 5066346"/>
-              <a:gd name="connsiteX1" fmla="*/ 2156730 w 4565761"/>
-              <a:gd name="connsiteY1" fmla="*/ 0 h 5066346"/>
-              <a:gd name="connsiteX2" fmla="*/ 4565761 w 4565761"/>
-              <a:gd name="connsiteY2" fmla="*/ 721360 h 5066346"/>
-              <a:gd name="connsiteX3" fmla="*/ 4405503 w 4565761"/>
-              <a:gd name="connsiteY3" fmla="*/ 3801903 h 5066346"/>
-              <a:gd name="connsiteX4" fmla="*/ 2236581 w 4565761"/>
-              <a:gd name="connsiteY4" fmla="*/ 5066346 h 5066346"/>
-              <a:gd name="connsiteX5" fmla="*/ 21098 w 4565761"/>
-              <a:gd name="connsiteY5" fmla="*/ 3815142 h 5066346"/>
-              <a:gd name="connsiteX6" fmla="*/ 0 w 4565761"/>
-              <a:gd name="connsiteY6" fmla="*/ 1273587 h 5066346"/>
-              <a:gd name="connsiteX0" fmla="*/ 0 w 4405503"/>
-              <a:gd name="connsiteY0" fmla="*/ 1273587 h 5066346"/>
-              <a:gd name="connsiteX1" fmla="*/ 2156730 w 4405503"/>
-              <a:gd name="connsiteY1" fmla="*/ 0 h 5066346"/>
-              <a:gd name="connsiteX2" fmla="*/ 4398121 w 4405503"/>
-              <a:gd name="connsiteY2" fmla="*/ 1277620 h 5066346"/>
-              <a:gd name="connsiteX3" fmla="*/ 4405503 w 4405503"/>
-              <a:gd name="connsiteY3" fmla="*/ 3801903 h 5066346"/>
-              <a:gd name="connsiteX4" fmla="*/ 2236581 w 4405503"/>
-              <a:gd name="connsiteY4" fmla="*/ 5066346 h 5066346"/>
-              <a:gd name="connsiteX5" fmla="*/ 21098 w 4405503"/>
-              <a:gd name="connsiteY5" fmla="*/ 3815142 h 5066346"/>
-              <a:gd name="connsiteX6" fmla="*/ 0 w 4405503"/>
-              <a:gd name="connsiteY6" fmla="*/ 1273587 h 5066346"/>
-            </a:gdLst>
-            <a:ahLst/>
-            <a:cxnLst>
-              <a:cxn ang="0">
-                <a:pos x="connsiteX0" y="connsiteY0"/>
-              </a:cxn>
-              <a:cxn ang="0">
-                <a:pos x="connsiteX1" y="connsiteY1"/>
-              </a:cxn>
-              <a:cxn ang="0">
-                <a:pos x="connsiteX2" y="connsiteY2"/>
-              </a:cxn>
-              <a:cxn ang="0">
-                <a:pos x="connsiteX3" y="connsiteY3"/>
-              </a:cxn>
-              <a:cxn ang="0">
-                <a:pos x="connsiteX4" y="connsiteY4"/>
-              </a:cxn>
-              <a:cxn ang="0">
-                <a:pos x="connsiteX5" y="connsiteY5"/>
-              </a:cxn>
-              <a:cxn ang="0">
-                <a:pos x="connsiteX6" y="connsiteY6"/>
-              </a:cxn>
-            </a:cxnLst>
-            <a:rect l="l" t="t" r="r" b="b"/>
-            <a:pathLst>
-              <a:path w="4405503" h="5066346">
-                <a:moveTo>
-                  <a:pt x="0" y="1273587"/>
-                </a:moveTo>
-                <a:lnTo>
-                  <a:pt x="2156730" y="0"/>
-                </a:lnTo>
-                <a:lnTo>
-                  <a:pt x="4398121" y="1277620"/>
-                </a:lnTo>
-                <a:cubicBezTo>
-                  <a:pt x="4400582" y="2119048"/>
-                  <a:pt x="4403042" y="2960475"/>
-                  <a:pt x="4405503" y="3801903"/>
-                </a:cubicBezTo>
-                <a:lnTo>
-                  <a:pt x="2236581" y="5066346"/>
-                </a:lnTo>
-                <a:lnTo>
-                  <a:pt x="21098" y="3815142"/>
-                </a:lnTo>
-                <a:lnTo>
-                  <a:pt x="0" y="1273587"/>
-                </a:lnTo>
-                <a:close/>
-              </a:path>
-            </a:pathLst>
-          </a:custGeom>
-        </p:spPr>
-      </p:pic>
-      <p:sp>
-        <p:nvSpPr>
-          <p:cNvPr id="3" name="Freeform: Shape 11">
-            <a:extLst>
-              <a:ext uri="{FF2B5EF4-FFF2-40B4-BE49-F238E27FC236}">
-                <a16:creationId xmlns:a16="http://schemas.microsoft.com/office/drawing/2014/main" id="{20E24AA2-A4D8-FFB3-C801-0E57990B8CB6}"/>
-              </a:ext>
-            </a:extLst>
-          </p:cNvPr>
-          <p:cNvSpPr/>
-          <p:nvPr userDrawn="1"/>
-        </p:nvSpPr>
-        <p:spPr>
-          <a:xfrm>
-            <a:off x="1360235" y="5541405"/>
-            <a:ext cx="663381" cy="758922"/>
-          </a:xfrm>
-          <a:custGeom>
-            <a:avLst/>
-            <a:gdLst>
-              <a:gd name="connsiteX0" fmla="*/ 2187388 w 4398682"/>
-              <a:gd name="connsiteY0" fmla="*/ 0 h 5032188"/>
-              <a:gd name="connsiteX1" fmla="*/ 4386729 w 4398682"/>
-              <a:gd name="connsiteY1" fmla="*/ 1261035 h 5032188"/>
-              <a:gd name="connsiteX2" fmla="*/ 4398682 w 4398682"/>
-              <a:gd name="connsiteY2" fmla="*/ 3789083 h 5032188"/>
-              <a:gd name="connsiteX3" fmla="*/ 2193365 w 4398682"/>
-              <a:gd name="connsiteY3" fmla="*/ 5032188 h 5032188"/>
-              <a:gd name="connsiteX4" fmla="*/ 0 w 4398682"/>
-              <a:gd name="connsiteY4" fmla="*/ 3783106 h 5032188"/>
-              <a:gd name="connsiteX5" fmla="*/ 0 w 4398682"/>
-              <a:gd name="connsiteY5" fmla="*/ 1267012 h 5032188"/>
-              <a:gd name="connsiteX6" fmla="*/ 2187388 w 4398682"/>
-              <a:gd name="connsiteY6" fmla="*/ 0 h 5032188"/>
-            </a:gdLst>
-            <a:ahLst/>
-            <a:cxnLst>
-              <a:cxn ang="0">
-                <a:pos x="connsiteX0" y="connsiteY0"/>
-              </a:cxn>
-              <a:cxn ang="0">
-                <a:pos x="connsiteX1" y="connsiteY1"/>
-              </a:cxn>
-              <a:cxn ang="0">
-                <a:pos x="connsiteX2" y="connsiteY2"/>
-              </a:cxn>
-              <a:cxn ang="0">
-                <a:pos x="connsiteX3" y="connsiteY3"/>
-              </a:cxn>
-              <a:cxn ang="0">
-                <a:pos x="connsiteX4" y="connsiteY4"/>
-              </a:cxn>
-              <a:cxn ang="0">
-                <a:pos x="connsiteX5" y="connsiteY5"/>
-              </a:cxn>
-              <a:cxn ang="0">
-                <a:pos x="connsiteX6" y="connsiteY6"/>
-              </a:cxn>
-            </a:cxnLst>
-            <a:rect l="l" t="t" r="r" b="b"/>
-            <a:pathLst>
-              <a:path w="4398682" h="5032188">
-                <a:moveTo>
-                  <a:pt x="2187388" y="0"/>
-                </a:moveTo>
-                <a:lnTo>
-                  <a:pt x="4386729" y="1261035"/>
-                </a:lnTo>
-                <a:cubicBezTo>
-                  <a:pt x="4390713" y="2103718"/>
-                  <a:pt x="4394698" y="2946400"/>
-                  <a:pt x="4398682" y="3789083"/>
-                </a:cubicBezTo>
-                <a:lnTo>
-                  <a:pt x="2193365" y="5032188"/>
-                </a:lnTo>
-                <a:lnTo>
-                  <a:pt x="0" y="3783106"/>
-                </a:lnTo>
-                <a:lnTo>
-                  <a:pt x="0" y="1267012"/>
-                </a:lnTo>
-                <a:lnTo>
-                  <a:pt x="2187388" y="0"/>
-                </a:lnTo>
-                <a:close/>
-              </a:path>
-            </a:pathLst>
-          </a:custGeom>
-          <a:solidFill>
-            <a:schemeClr val="accent1">
-              <a:lumMod val="60000"/>
-              <a:lumOff val="40000"/>
-            </a:schemeClr>
-          </a:solidFill>
-          <a:ln w="12700" cap="flat" cmpd="sng" algn="ctr">
-            <a:noFill/>
-            <a:prstDash val="solid"/>
-            <a:miter lim="800000"/>
-          </a:ln>
-          <a:effectLst/>
-        </p:spPr>
-        <p:txBody>
-          <a:bodyPr rtlCol="0" anchor="ctr">
-            <a:noAutofit/>
-          </a:bodyPr>
-          <a:lstStyle/>
-          <a:p>
-            <a:pPr marL="0" marR="0" lvl="0" indent="0" algn="ctr" defTabSz="914400" eaLnBrk="1" fontAlgn="auto" latinLnBrk="0" hangingPunct="1">
-              <a:lnSpc>
-                <a:spcPct val="100000"/>
-              </a:lnSpc>
-              <a:spcBef>
-                <a:spcPts val="0"/>
-              </a:spcBef>
-              <a:spcAft>
-                <a:spcPts val="0"/>
-              </a:spcAft>
-              <a:buClrTx/>
-              <a:buSzTx/>
-              <a:buFontTx/>
-              <a:buNone/>
-              <a:tabLst/>
-              <a:defRPr/>
-            </a:pPr>
-            <a:endParaRPr kumimoji="0" lang="en-US" sz="1800" b="0" i="0" u="none" strike="noStrike" kern="0" cap="none" spc="0" normalizeH="0" baseline="0" noProof="0" dirty="0">
-              <a:ln>
-                <a:noFill/>
-              </a:ln>
-              <a:solidFill>
-                <a:prstClr val="white"/>
-              </a:solidFill>
-              <a:effectLst/>
-              <a:uLnTx/>
-              <a:uFillTx/>
-              <a:latin typeface="Posterama Text SemiBold"/>
-              <a:ea typeface="+mn-ea"/>
-              <a:cs typeface="+mn-cs"/>
-            </a:endParaRPr>
-          </a:p>
-        </p:txBody>
-      </p:sp>
-      <p:sp>
-        <p:nvSpPr>
-          <p:cNvPr id="9" name="Freeform: Shape 5">
-            <a:extLst>
-              <a:ext uri="{FF2B5EF4-FFF2-40B4-BE49-F238E27FC236}">
-                <a16:creationId xmlns:a16="http://schemas.microsoft.com/office/drawing/2014/main" id="{1FEC53F3-5030-5BCF-54CA-ABB14457C073}"/>
-              </a:ext>
-            </a:extLst>
-          </p:cNvPr>
-          <p:cNvSpPr/>
-          <p:nvPr userDrawn="1"/>
-        </p:nvSpPr>
-        <p:spPr>
-          <a:xfrm>
-            <a:off x="5429027" y="393334"/>
-            <a:ext cx="1244907" cy="1405252"/>
-          </a:xfrm>
-          <a:custGeom>
-            <a:avLst/>
-            <a:gdLst>
-              <a:gd name="connsiteX0" fmla="*/ 2187388 w 4398682"/>
-              <a:gd name="connsiteY0" fmla="*/ 0 h 5032188"/>
-              <a:gd name="connsiteX1" fmla="*/ 4386729 w 4398682"/>
-              <a:gd name="connsiteY1" fmla="*/ 1261035 h 5032188"/>
-              <a:gd name="connsiteX2" fmla="*/ 4398682 w 4398682"/>
-              <a:gd name="connsiteY2" fmla="*/ 3789083 h 5032188"/>
-              <a:gd name="connsiteX3" fmla="*/ 2193365 w 4398682"/>
-              <a:gd name="connsiteY3" fmla="*/ 5032188 h 5032188"/>
-              <a:gd name="connsiteX4" fmla="*/ 0 w 4398682"/>
-              <a:gd name="connsiteY4" fmla="*/ 3783106 h 5032188"/>
-              <a:gd name="connsiteX5" fmla="*/ 0 w 4398682"/>
-              <a:gd name="connsiteY5" fmla="*/ 1267012 h 5032188"/>
-              <a:gd name="connsiteX6" fmla="*/ 2187388 w 4398682"/>
-              <a:gd name="connsiteY6" fmla="*/ 0 h 5032188"/>
-              <a:gd name="connsiteX0" fmla="*/ 2187388 w 4387647"/>
-              <a:gd name="connsiteY0" fmla="*/ 0 h 5032188"/>
-              <a:gd name="connsiteX1" fmla="*/ 4386729 w 4387647"/>
-              <a:gd name="connsiteY1" fmla="*/ 1261035 h 5032188"/>
-              <a:gd name="connsiteX2" fmla="*/ 4384192 w 4387647"/>
-              <a:gd name="connsiteY2" fmla="*/ 3783287 h 5032188"/>
-              <a:gd name="connsiteX3" fmla="*/ 2193365 w 4387647"/>
-              <a:gd name="connsiteY3" fmla="*/ 5032188 h 5032188"/>
-              <a:gd name="connsiteX4" fmla="*/ 0 w 4387647"/>
-              <a:gd name="connsiteY4" fmla="*/ 3783106 h 5032188"/>
-              <a:gd name="connsiteX5" fmla="*/ 0 w 4387647"/>
-              <a:gd name="connsiteY5" fmla="*/ 1267012 h 5032188"/>
-              <a:gd name="connsiteX6" fmla="*/ 2187388 w 4387647"/>
-              <a:gd name="connsiteY6" fmla="*/ 0 h 5032188"/>
-            </a:gdLst>
-            <a:ahLst/>
-            <a:cxnLst>
-              <a:cxn ang="0">
-                <a:pos x="connsiteX0" y="connsiteY0"/>
-              </a:cxn>
-              <a:cxn ang="0">
-                <a:pos x="connsiteX1" y="connsiteY1"/>
-              </a:cxn>
-              <a:cxn ang="0">
-                <a:pos x="connsiteX2" y="connsiteY2"/>
-              </a:cxn>
-              <a:cxn ang="0">
-                <a:pos x="connsiteX3" y="connsiteY3"/>
-              </a:cxn>
-              <a:cxn ang="0">
-                <a:pos x="connsiteX4" y="connsiteY4"/>
-              </a:cxn>
-              <a:cxn ang="0">
-                <a:pos x="connsiteX5" y="connsiteY5"/>
-              </a:cxn>
-              <a:cxn ang="0">
-                <a:pos x="connsiteX6" y="connsiteY6"/>
-              </a:cxn>
-            </a:cxnLst>
-            <a:rect l="l" t="t" r="r" b="b"/>
-            <a:pathLst>
-              <a:path w="4387647" h="5032188">
-                <a:moveTo>
-                  <a:pt x="2187388" y="0"/>
-                </a:moveTo>
-                <a:lnTo>
-                  <a:pt x="4386729" y="1261035"/>
-                </a:lnTo>
-                <a:cubicBezTo>
-                  <a:pt x="4390713" y="2103718"/>
-                  <a:pt x="4380208" y="2940604"/>
-                  <a:pt x="4384192" y="3783287"/>
-                </a:cubicBezTo>
-                <a:lnTo>
-                  <a:pt x="2193365" y="5032188"/>
-                </a:lnTo>
-                <a:lnTo>
-                  <a:pt x="0" y="3783106"/>
-                </a:lnTo>
-                <a:lnTo>
-                  <a:pt x="0" y="1267012"/>
-                </a:lnTo>
-                <a:lnTo>
-                  <a:pt x="2187388" y="0"/>
-                </a:lnTo>
-                <a:close/>
-              </a:path>
-            </a:pathLst>
-          </a:custGeom>
-          <a:solidFill>
-            <a:schemeClr val="accent2"/>
-          </a:solidFill>
-          <a:ln>
-            <a:noFill/>
-          </a:ln>
-        </p:spPr>
-        <p:style>
-          <a:lnRef idx="2">
-            <a:schemeClr val="accent1">
-              <a:shade val="50000"/>
-            </a:schemeClr>
-          </a:lnRef>
-          <a:fillRef idx="1">
-            <a:schemeClr val="accent1"/>
-          </a:fillRef>
-          <a:effectRef idx="0">
-            <a:schemeClr val="accent1"/>
-          </a:effectRef>
-          <a:fontRef idx="minor">
-            <a:schemeClr val="lt1"/>
-          </a:fontRef>
-        </p:style>
-        <p:txBody>
-          <a:bodyPr rtlCol="0" anchor="ctr">
-            <a:noAutofit/>
-          </a:bodyPr>
-          <a:lstStyle/>
-          <a:p>
-            <a:pPr algn="ctr"/>
-            <a:endParaRPr lang="en-US" noProof="0" dirty="0"/>
-          </a:p>
-        </p:txBody>
-      </p:sp>
-    </p:spTree>
-    <p:extLst>
-      <p:ext uri="{BB962C8B-B14F-4D97-AF65-F5344CB8AC3E}">
-        <p14:creationId xmlns:p14="http://schemas.microsoft.com/office/powerpoint/2010/main" val="3407711345"/>
-      </p:ext>
-    </p:extLst>
-  </p:cSld>
-  <p:clrMapOvr>
-    <a:masterClrMapping/>
-  </p:clrMapOvr>
-</p:sldLayout>
-</file>
-
-<file path=ppt/slideLayouts/slideLayout12.xml><?xml version="1.0" encoding="utf-8"?>
 <p:sldLayout xmlns:a="http://schemas.openxmlformats.org/drawingml/2006/main" xmlns:r="http://schemas.openxmlformats.org/officeDocument/2006/relationships" xmlns:p="http://schemas.openxmlformats.org/presentationml/2006/main" preserve="1" userDrawn="1">
   <p:cSld name="Three Content">
     <p:spTree>
@@ -5325,7 +3090,7 @@
 </p:sldLayout>
 </file>
 
-<file path=ppt/slideLayouts/slideLayout13.xml><?xml version="1.0" encoding="utf-8"?>
+<file path=ppt/slideLayouts/slideLayout11.xml><?xml version="1.0" encoding="utf-8"?>
 <p:sldLayout xmlns:a="http://schemas.openxmlformats.org/drawingml/2006/main" xmlns:r="http://schemas.openxmlformats.org/officeDocument/2006/relationships" xmlns:p="http://schemas.openxmlformats.org/presentationml/2006/main" preserve="1" userDrawn="1">
   <p:cSld name="Two content 04">
     <p:spTree>
@@ -13145,8 +10910,8 @@
 </file>
 
 <file path=ppt/slideLayouts/slideLayout9.xml><?xml version="1.0" encoding="utf-8"?>
-<p:sldLayout xmlns:a="http://schemas.openxmlformats.org/drawingml/2006/main" xmlns:r="http://schemas.openxmlformats.org/officeDocument/2006/relationships" xmlns:p="http://schemas.openxmlformats.org/presentationml/2006/main" userDrawn="1">
-  <p:cSld name="Two content 03">
+<p:sldLayout xmlns:a="http://schemas.openxmlformats.org/drawingml/2006/main" xmlns:r="http://schemas.openxmlformats.org/officeDocument/2006/relationships" xmlns:p="http://schemas.openxmlformats.org/presentationml/2006/main" preserve="1" userDrawn="1">
+  <p:cSld name="Title and image">
     <p:spTree>
       <p:nvGrpSpPr>
         <p:cNvPr id="1" name=""/>
@@ -13163,10 +10928,10 @@
       </p:grpSpPr>
       <p:sp>
         <p:nvSpPr>
-          <p:cNvPr id="2" name="Title 1">
+          <p:cNvPr id="8" name="Title Placeholder 4">
             <a:extLst>
               <a:ext uri="{FF2B5EF4-FFF2-40B4-BE49-F238E27FC236}">
-                <a16:creationId xmlns:a16="http://schemas.microsoft.com/office/drawing/2014/main" id="{0C40C44A-93E6-6C58-5E88-AFDC594EC27A}"/>
+                <a16:creationId xmlns:a16="http://schemas.microsoft.com/office/drawing/2014/main" id="{F73BF8E3-2426-5D65-6582-D4B03C765A5D}"/>
               </a:ext>
             </a:extLst>
           </p:cNvPr>
@@ -13179,257 +10944,177 @@
         </p:nvSpPr>
         <p:spPr>
           <a:xfrm>
-            <a:off x="914400" y="731520"/>
-            <a:ext cx="4389120" cy="2103120"/>
+            <a:off x="6710510" y="2016579"/>
+            <a:ext cx="4441188" cy="2775857"/>
           </a:xfrm>
+          <a:prstGeom prst="rect">
+            <a:avLst/>
+          </a:prstGeom>
         </p:spPr>
         <p:txBody>
-          <a:bodyPr anchor="b" anchorCtr="0">
+          <a:bodyPr vert="horz" lIns="91440" tIns="45720" rIns="91440" bIns="45720" rtlCol="0" anchor="ctr">
             <a:normAutofit/>
           </a:bodyPr>
-          <a:lstStyle>
-            <a:lvl1pPr>
-              <a:defRPr sz="3600"/>
-            </a:lvl1pPr>
-          </a:lstStyle>
+          <a:lstStyle/>
           <a:p>
             <a:r>
               <a:rPr lang="en-US"/>
               <a:t>Click to edit Master title style</a:t>
             </a:r>
+            <a:endParaRPr lang="en-US" dirty="0"/>
           </a:p>
         </p:txBody>
       </p:sp>
       <p:sp>
         <p:nvSpPr>
-          <p:cNvPr id="4" name="Content Placeholder 2">
+          <p:cNvPr id="2" name="Content placeholder 47">
             <a:extLst>
               <a:ext uri="{FF2B5EF4-FFF2-40B4-BE49-F238E27FC236}">
-                <a16:creationId xmlns:a16="http://schemas.microsoft.com/office/drawing/2014/main" id="{C403123E-E3E0-5E2A-E1FB-EC28A2C68EEB}"/>
+                <a16:creationId xmlns:a16="http://schemas.microsoft.com/office/drawing/2014/main" id="{117BCD91-6BBA-AACD-3424-C3A4E5C1AB1D}"/>
               </a:ext>
             </a:extLst>
           </p:cNvPr>
           <p:cNvSpPr>
-            <a:spLocks noGrp="1"/>
+            <a:spLocks noGrp="1" noChangeAspect="1"/>
           </p:cNvSpPr>
           <p:nvPr>
-            <p:ph idx="14"/>
+            <p:ph type="pic" sz="quarter" idx="48"/>
           </p:nvPr>
         </p:nvSpPr>
         <p:spPr>
           <a:xfrm>
-            <a:off x="914400" y="3108960"/>
-            <a:ext cx="4389120" cy="1920240"/>
-          </a:xfrm>
-        </p:spPr>
-        <p:txBody>
-          <a:bodyPr/>
-          <a:lstStyle>
-            <a:lvl1pPr>
-              <a:defRPr sz="1800"/>
-            </a:lvl1pPr>
-            <a:lvl2pPr>
-              <a:defRPr sz="1800"/>
-            </a:lvl2pPr>
-            <a:lvl3pPr>
-              <a:defRPr sz="1800"/>
-            </a:lvl3pPr>
-            <a:lvl4pPr>
-              <a:defRPr sz="1800"/>
-            </a:lvl4pPr>
-            <a:lvl5pPr>
-              <a:defRPr sz="1800"/>
-            </a:lvl5pPr>
-          </a:lstStyle>
-          <a:p>
-            <a:pPr lvl="0"/>
-            <a:r>
-              <a:rPr lang="en-US"/>
-              <a:t>Click to edit Master text styles</a:t>
-            </a:r>
-          </a:p>
-          <a:p>
-            <a:pPr lvl="1"/>
-            <a:r>
-              <a:rPr lang="en-US"/>
-              <a:t>Second level</a:t>
-            </a:r>
-          </a:p>
-          <a:p>
-            <a:pPr lvl="2"/>
-            <a:r>
-              <a:rPr lang="en-US"/>
-              <a:t>Third level</a:t>
-            </a:r>
-          </a:p>
-          <a:p>
-            <a:pPr lvl="3"/>
-            <a:r>
-              <a:rPr lang="en-US"/>
-              <a:t>Fourth level</a:t>
-            </a:r>
-          </a:p>
-        </p:txBody>
-      </p:sp>
-      <p:sp>
-        <p:nvSpPr>
-          <p:cNvPr id="6" name="Footer Placeholder 5">
-            <a:extLst>
-              <a:ext uri="{FF2B5EF4-FFF2-40B4-BE49-F238E27FC236}">
-                <a16:creationId xmlns:a16="http://schemas.microsoft.com/office/drawing/2014/main" id="{5D077A4D-E7C0-912D-293F-D93F0CB5CA49}"/>
-              </a:ext>
-            </a:extLst>
-          </p:cNvPr>
-          <p:cNvSpPr>
-            <a:spLocks noGrp="1"/>
-          </p:cNvSpPr>
-          <p:nvPr>
-            <p:ph type="ftr" sz="quarter" idx="11"/>
-          </p:nvPr>
-        </p:nvSpPr>
-        <p:spPr/>
-        <p:txBody>
-          <a:bodyPr/>
-          <a:lstStyle/>
-          <a:p>
-            <a:endParaRPr lang="en-US" dirty="0"/>
-          </a:p>
-        </p:txBody>
-      </p:sp>
-      <p:sp>
-        <p:nvSpPr>
-          <p:cNvPr id="9" name="Content Placeholder 2">
-            <a:extLst>
-              <a:ext uri="{FF2B5EF4-FFF2-40B4-BE49-F238E27FC236}">
-                <a16:creationId xmlns:a16="http://schemas.microsoft.com/office/drawing/2014/main" id="{5B0A6B95-C59B-C125-7957-8C41B37891E1}"/>
-              </a:ext>
-            </a:extLst>
-          </p:cNvPr>
-          <p:cNvSpPr>
-            <a:spLocks noGrp="1"/>
-          </p:cNvSpPr>
-          <p:nvPr>
-            <p:ph idx="1"/>
-          </p:nvPr>
-        </p:nvSpPr>
-        <p:spPr>
-          <a:xfrm>
-            <a:off x="5852160" y="731520"/>
-            <a:ext cx="5367528" cy="5212080"/>
-          </a:xfrm>
-        </p:spPr>
-        <p:txBody>
-          <a:bodyPr/>
-          <a:lstStyle>
-            <a:lvl1pPr>
-              <a:defRPr sz="1800"/>
-            </a:lvl1pPr>
-            <a:lvl2pPr>
-              <a:defRPr sz="1800"/>
-            </a:lvl2pPr>
-            <a:lvl3pPr>
-              <a:defRPr sz="1800"/>
-            </a:lvl3pPr>
-            <a:lvl4pPr>
-              <a:defRPr sz="1800"/>
-            </a:lvl4pPr>
-            <a:lvl5pPr>
-              <a:defRPr sz="1800"/>
-            </a:lvl5pPr>
-          </a:lstStyle>
-          <a:p>
-            <a:pPr lvl="0"/>
-            <a:r>
-              <a:rPr lang="en-US"/>
-              <a:t>Click to edit Master text styles</a:t>
-            </a:r>
-          </a:p>
-          <a:p>
-            <a:pPr lvl="1"/>
-            <a:r>
-              <a:rPr lang="en-US"/>
-              <a:t>Second level</a:t>
-            </a:r>
-          </a:p>
-          <a:p>
-            <a:pPr lvl="2"/>
-            <a:r>
-              <a:rPr lang="en-US"/>
-              <a:t>Third level</a:t>
-            </a:r>
-          </a:p>
-          <a:p>
-            <a:pPr lvl="3"/>
-            <a:r>
-              <a:rPr lang="en-US"/>
-              <a:t>Fourth level</a:t>
-            </a:r>
-          </a:p>
-        </p:txBody>
-      </p:sp>
-      <p:sp>
-        <p:nvSpPr>
-          <p:cNvPr id="7" name="Slide Number Placeholder 6">
-            <a:extLst>
-              <a:ext uri="{FF2B5EF4-FFF2-40B4-BE49-F238E27FC236}">
-                <a16:creationId xmlns:a16="http://schemas.microsoft.com/office/drawing/2014/main" id="{CA6AA9E1-334B-5F8F-8A92-67DD095F7838}"/>
-              </a:ext>
-            </a:extLst>
-          </p:cNvPr>
-          <p:cNvSpPr>
-            <a:spLocks noGrp="1"/>
-          </p:cNvSpPr>
-          <p:nvPr>
-            <p:ph type="sldNum" sz="quarter" idx="12"/>
-          </p:nvPr>
-        </p:nvSpPr>
-        <p:spPr/>
-        <p:txBody>
-          <a:bodyPr/>
-          <a:lstStyle/>
-          <a:p>
-            <a:fld id="{CBD12358-51D2-46B3-9BDE-DF29528B9454}" type="slidenum">
-              <a:rPr lang="en-US" smtClean="0"/>
-              <a:t>‹#›</a:t>
-            </a:fld>
-            <a:endParaRPr lang="en-US" dirty="0"/>
-          </a:p>
-        </p:txBody>
-      </p:sp>
-      <p:sp>
-        <p:nvSpPr>
-          <p:cNvPr id="12" name="Freeform 11">
-            <a:extLst>
-              <a:ext uri="{FF2B5EF4-FFF2-40B4-BE49-F238E27FC236}">
-                <a16:creationId xmlns:a16="http://schemas.microsoft.com/office/drawing/2014/main" id="{18CD2E87-8426-FC12-6665-A6E2F64FEA93}"/>
-              </a:ext>
-            </a:extLst>
-          </p:cNvPr>
-          <p:cNvSpPr>
-            <a:spLocks noChangeAspect="1"/>
-          </p:cNvSpPr>
-          <p:nvPr userDrawn="1"/>
-        </p:nvSpPr>
-        <p:spPr>
-          <a:xfrm flipH="1">
-            <a:off x="-9525" y="5039331"/>
-            <a:ext cx="986377" cy="1280160"/>
+            <a:off x="914400" y="539496"/>
+            <a:ext cx="5025207" cy="5779008"/>
           </a:xfrm>
           <a:custGeom>
             <a:avLst/>
             <a:gdLst>
-              <a:gd name="connsiteX0" fmla="*/ 638572 w 1157948"/>
-              <a:gd name="connsiteY0" fmla="*/ 0 h 1502830"/>
-              <a:gd name="connsiteX1" fmla="*/ 0 w 1157948"/>
-              <a:gd name="connsiteY1" fmla="*/ 378385 h 1502830"/>
-              <a:gd name="connsiteX2" fmla="*/ 0 w 1157948"/>
-              <a:gd name="connsiteY2" fmla="*/ 1129800 h 1502830"/>
-              <a:gd name="connsiteX3" fmla="*/ 640317 w 1157948"/>
-              <a:gd name="connsiteY3" fmla="*/ 1502830 h 1502830"/>
-              <a:gd name="connsiteX4" fmla="*/ 1157948 w 1157948"/>
-              <a:gd name="connsiteY4" fmla="*/ 1200968 h 1502830"/>
-              <a:gd name="connsiteX5" fmla="*/ 1157948 w 1157948"/>
-              <a:gd name="connsiteY5" fmla="*/ 304639 h 1502830"/>
+              <a:gd name="connsiteX0" fmla="*/ 0 w 4816475"/>
+              <a:gd name="connsiteY0" fmla="*/ 2407444 h 4814888"/>
+              <a:gd name="connsiteX1" fmla="*/ 1203722 w 4816475"/>
+              <a:gd name="connsiteY1" fmla="*/ 1 h 4814888"/>
+              <a:gd name="connsiteX2" fmla="*/ 3612753 w 4816475"/>
+              <a:gd name="connsiteY2" fmla="*/ 1 h 4814888"/>
+              <a:gd name="connsiteX3" fmla="*/ 4816475 w 4816475"/>
+              <a:gd name="connsiteY3" fmla="*/ 2407444 h 4814888"/>
+              <a:gd name="connsiteX4" fmla="*/ 3612753 w 4816475"/>
+              <a:gd name="connsiteY4" fmla="*/ 4814887 h 4814888"/>
+              <a:gd name="connsiteX5" fmla="*/ 1203722 w 4816475"/>
+              <a:gd name="connsiteY5" fmla="*/ 4814887 h 4814888"/>
+              <a:gd name="connsiteX6" fmla="*/ 0 w 4816475"/>
+              <a:gd name="connsiteY6" fmla="*/ 2407444 h 4814888"/>
+              <a:gd name="connsiteX0" fmla="*/ 0 w 4816475"/>
+              <a:gd name="connsiteY0" fmla="*/ 2407443 h 4814886"/>
+              <a:gd name="connsiteX1" fmla="*/ 2199402 w 4816475"/>
+              <a:gd name="connsiteY1" fmla="*/ 243840 h 4814886"/>
+              <a:gd name="connsiteX2" fmla="*/ 3612753 w 4816475"/>
+              <a:gd name="connsiteY2" fmla="*/ 0 h 4814886"/>
+              <a:gd name="connsiteX3" fmla="*/ 4816475 w 4816475"/>
+              <a:gd name="connsiteY3" fmla="*/ 2407443 h 4814886"/>
+              <a:gd name="connsiteX4" fmla="*/ 3612753 w 4816475"/>
+              <a:gd name="connsiteY4" fmla="*/ 4814886 h 4814886"/>
+              <a:gd name="connsiteX5" fmla="*/ 1203722 w 4816475"/>
+              <a:gd name="connsiteY5" fmla="*/ 4814886 h 4814886"/>
+              <a:gd name="connsiteX6" fmla="*/ 0 w 4816475"/>
+              <a:gd name="connsiteY6" fmla="*/ 2407443 h 4814886"/>
+              <a:gd name="connsiteX0" fmla="*/ 0 w 4816475"/>
+              <a:gd name="connsiteY0" fmla="*/ 2163603 h 4571046"/>
+              <a:gd name="connsiteX1" fmla="*/ 2199402 w 4816475"/>
+              <a:gd name="connsiteY1" fmla="*/ 0 h 4571046"/>
+              <a:gd name="connsiteX2" fmla="*/ 4608433 w 4816475"/>
+              <a:gd name="connsiteY2" fmla="*/ 721360 h 4571046"/>
+              <a:gd name="connsiteX3" fmla="*/ 4816475 w 4816475"/>
+              <a:gd name="connsiteY3" fmla="*/ 2163603 h 4571046"/>
+              <a:gd name="connsiteX4" fmla="*/ 3612753 w 4816475"/>
+              <a:gd name="connsiteY4" fmla="*/ 4571046 h 4571046"/>
+              <a:gd name="connsiteX5" fmla="*/ 1203722 w 4816475"/>
+              <a:gd name="connsiteY5" fmla="*/ 4571046 h 4571046"/>
+              <a:gd name="connsiteX6" fmla="*/ 0 w 4816475"/>
+              <a:gd name="connsiteY6" fmla="*/ 2163603 h 4571046"/>
+              <a:gd name="connsiteX0" fmla="*/ 0 w 4958715"/>
+              <a:gd name="connsiteY0" fmla="*/ 2163603 h 4571046"/>
+              <a:gd name="connsiteX1" fmla="*/ 2199402 w 4958715"/>
+              <a:gd name="connsiteY1" fmla="*/ 0 h 4571046"/>
+              <a:gd name="connsiteX2" fmla="*/ 4608433 w 4958715"/>
+              <a:gd name="connsiteY2" fmla="*/ 721360 h 4571046"/>
+              <a:gd name="connsiteX3" fmla="*/ 4958715 w 4958715"/>
+              <a:gd name="connsiteY3" fmla="*/ 2803683 h 4571046"/>
+              <a:gd name="connsiteX4" fmla="*/ 3612753 w 4958715"/>
+              <a:gd name="connsiteY4" fmla="*/ 4571046 h 4571046"/>
+              <a:gd name="connsiteX5" fmla="*/ 1203722 w 4958715"/>
+              <a:gd name="connsiteY5" fmla="*/ 4571046 h 4571046"/>
+              <a:gd name="connsiteX6" fmla="*/ 0 w 4958715"/>
+              <a:gd name="connsiteY6" fmla="*/ 2163603 h 4571046"/>
+              <a:gd name="connsiteX0" fmla="*/ 0 w 4916043"/>
+              <a:gd name="connsiteY0" fmla="*/ 1273587 h 4571046"/>
+              <a:gd name="connsiteX1" fmla="*/ 2156730 w 4916043"/>
+              <a:gd name="connsiteY1" fmla="*/ 0 h 4571046"/>
+              <a:gd name="connsiteX2" fmla="*/ 4565761 w 4916043"/>
+              <a:gd name="connsiteY2" fmla="*/ 721360 h 4571046"/>
+              <a:gd name="connsiteX3" fmla="*/ 4916043 w 4916043"/>
+              <a:gd name="connsiteY3" fmla="*/ 2803683 h 4571046"/>
+              <a:gd name="connsiteX4" fmla="*/ 3570081 w 4916043"/>
+              <a:gd name="connsiteY4" fmla="*/ 4571046 h 4571046"/>
+              <a:gd name="connsiteX5" fmla="*/ 1161050 w 4916043"/>
+              <a:gd name="connsiteY5" fmla="*/ 4571046 h 4571046"/>
+              <a:gd name="connsiteX6" fmla="*/ 0 w 4916043"/>
+              <a:gd name="connsiteY6" fmla="*/ 1273587 h 4571046"/>
+              <a:gd name="connsiteX0" fmla="*/ 0 w 4916043"/>
+              <a:gd name="connsiteY0" fmla="*/ 1273587 h 4571046"/>
+              <a:gd name="connsiteX1" fmla="*/ 2156730 w 4916043"/>
+              <a:gd name="connsiteY1" fmla="*/ 0 h 4571046"/>
+              <a:gd name="connsiteX2" fmla="*/ 4565761 w 4916043"/>
+              <a:gd name="connsiteY2" fmla="*/ 721360 h 4571046"/>
+              <a:gd name="connsiteX3" fmla="*/ 4916043 w 4916043"/>
+              <a:gd name="connsiteY3" fmla="*/ 2803683 h 4571046"/>
+              <a:gd name="connsiteX4" fmla="*/ 3570081 w 4916043"/>
+              <a:gd name="connsiteY4" fmla="*/ 4571046 h 4571046"/>
+              <a:gd name="connsiteX5" fmla="*/ 21098 w 4916043"/>
+              <a:gd name="connsiteY5" fmla="*/ 3815142 h 4571046"/>
+              <a:gd name="connsiteX6" fmla="*/ 0 w 4916043"/>
+              <a:gd name="connsiteY6" fmla="*/ 1273587 h 4571046"/>
+              <a:gd name="connsiteX0" fmla="*/ 0 w 4916043"/>
+              <a:gd name="connsiteY0" fmla="*/ 1273587 h 5066346"/>
+              <a:gd name="connsiteX1" fmla="*/ 2156730 w 4916043"/>
+              <a:gd name="connsiteY1" fmla="*/ 0 h 5066346"/>
+              <a:gd name="connsiteX2" fmla="*/ 4565761 w 4916043"/>
+              <a:gd name="connsiteY2" fmla="*/ 721360 h 5066346"/>
+              <a:gd name="connsiteX3" fmla="*/ 4916043 w 4916043"/>
+              <a:gd name="connsiteY3" fmla="*/ 2803683 h 5066346"/>
+              <a:gd name="connsiteX4" fmla="*/ 2236581 w 4916043"/>
+              <a:gd name="connsiteY4" fmla="*/ 5066346 h 5066346"/>
+              <a:gd name="connsiteX5" fmla="*/ 21098 w 4916043"/>
+              <a:gd name="connsiteY5" fmla="*/ 3815142 h 5066346"/>
+              <a:gd name="connsiteX6" fmla="*/ 0 w 4916043"/>
+              <a:gd name="connsiteY6" fmla="*/ 1273587 h 5066346"/>
+              <a:gd name="connsiteX0" fmla="*/ 0 w 4565761"/>
+              <a:gd name="connsiteY0" fmla="*/ 1273587 h 5066346"/>
+              <a:gd name="connsiteX1" fmla="*/ 2156730 w 4565761"/>
+              <a:gd name="connsiteY1" fmla="*/ 0 h 5066346"/>
+              <a:gd name="connsiteX2" fmla="*/ 4565761 w 4565761"/>
+              <a:gd name="connsiteY2" fmla="*/ 721360 h 5066346"/>
+              <a:gd name="connsiteX3" fmla="*/ 4405503 w 4565761"/>
+              <a:gd name="connsiteY3" fmla="*/ 3801903 h 5066346"/>
+              <a:gd name="connsiteX4" fmla="*/ 2236581 w 4565761"/>
+              <a:gd name="connsiteY4" fmla="*/ 5066346 h 5066346"/>
+              <a:gd name="connsiteX5" fmla="*/ 21098 w 4565761"/>
+              <a:gd name="connsiteY5" fmla="*/ 3815142 h 5066346"/>
+              <a:gd name="connsiteX6" fmla="*/ 0 w 4565761"/>
+              <a:gd name="connsiteY6" fmla="*/ 1273587 h 5066346"/>
+              <a:gd name="connsiteX0" fmla="*/ 0 w 4405503"/>
+              <a:gd name="connsiteY0" fmla="*/ 1273587 h 5066346"/>
+              <a:gd name="connsiteX1" fmla="*/ 2156730 w 4405503"/>
+              <a:gd name="connsiteY1" fmla="*/ 0 h 5066346"/>
+              <a:gd name="connsiteX2" fmla="*/ 4398121 w 4405503"/>
+              <a:gd name="connsiteY2" fmla="*/ 1277620 h 5066346"/>
+              <a:gd name="connsiteX3" fmla="*/ 4405503 w 4405503"/>
+              <a:gd name="connsiteY3" fmla="*/ 3801903 h 5066346"/>
+              <a:gd name="connsiteX4" fmla="*/ 2236581 w 4405503"/>
+              <a:gd name="connsiteY4" fmla="*/ 5066346 h 5066346"/>
+              <a:gd name="connsiteX5" fmla="*/ 21098 w 4405503"/>
+              <a:gd name="connsiteY5" fmla="*/ 3815142 h 5066346"/>
+              <a:gd name="connsiteX6" fmla="*/ 0 w 4405503"/>
+              <a:gd name="connsiteY6" fmla="*/ 1273587 h 5066346"/>
             </a:gdLst>
             <a:ahLst/>
             <a:cxnLst>
@@ -13451,72 +11136,291 @@
               <a:cxn ang="0">
                 <a:pos x="connsiteX5" y="connsiteY5"/>
               </a:cxn>
+              <a:cxn ang="0">
+                <a:pos x="connsiteX6" y="connsiteY6"/>
+              </a:cxn>
             </a:cxnLst>
             <a:rect l="l" t="t" r="r" b="b"/>
             <a:pathLst>
-              <a:path w="1157948" h="1502830">
+              <a:path w="4405503" h="5066346">
                 <a:moveTo>
-                  <a:pt x="638572" y="0"/>
+                  <a:pt x="0" y="1273587"/>
                 </a:moveTo>
                 <a:lnTo>
-                  <a:pt x="0" y="378385"/>
-                </a:lnTo>
-                <a:lnTo>
-                  <a:pt x="0" y="1129800"/>
-                </a:lnTo>
-                <a:lnTo>
-                  <a:pt x="640317" y="1502830"/>
-                </a:lnTo>
-                <a:lnTo>
-                  <a:pt x="1157948" y="1200968"/>
-                </a:lnTo>
-                <a:lnTo>
-                  <a:pt x="1157948" y="304639"/>
+                  <a:pt x="2156730" y="0"/>
+                </a:lnTo>
+                <a:lnTo>
+                  <a:pt x="4398121" y="1277620"/>
+                </a:lnTo>
+                <a:cubicBezTo>
+                  <a:pt x="4400582" y="2119048"/>
+                  <a:pt x="4403042" y="2960475"/>
+                  <a:pt x="4405503" y="3801903"/>
+                </a:cubicBezTo>
+                <a:lnTo>
+                  <a:pt x="2236581" y="5066346"/>
+                </a:lnTo>
+                <a:lnTo>
+                  <a:pt x="21098" y="3815142"/>
+                </a:lnTo>
+                <a:lnTo>
+                  <a:pt x="0" y="1273587"/>
                 </a:lnTo>
                 <a:close/>
               </a:path>
             </a:pathLst>
           </a:custGeom>
-          <a:noFill/>
-          <a:ln w="19050">
-            <a:solidFill>
-              <a:schemeClr val="accent2"/>
-            </a:solidFill>
-          </a:ln>
         </p:spPr>
-        <p:style>
-          <a:lnRef idx="2">
-            <a:schemeClr val="accent1">
-              <a:shade val="50000"/>
-            </a:schemeClr>
-          </a:lnRef>
-          <a:fillRef idx="1">
-            <a:schemeClr val="accent1"/>
-          </a:fillRef>
-          <a:effectRef idx="0">
-            <a:schemeClr val="accent1"/>
-          </a:effectRef>
-          <a:fontRef idx="minor">
-            <a:schemeClr val="lt1"/>
-          </a:fontRef>
-        </p:style>
         <p:txBody>
-          <a:bodyPr wrap="square" rtlCol="0" anchor="ctr">
+          <a:bodyPr anchor="ctr">
             <a:noAutofit/>
           </a:bodyPr>
-          <a:lstStyle/>
-          <a:p>
-            <a:pPr algn="ctr"/>
-            <a:endParaRPr lang="en-US" noProof="0" dirty="0"/>
+          <a:lstStyle>
+            <a:lvl1pPr marL="0" indent="0" algn="ctr">
+              <a:buNone/>
+              <a:defRPr>
+                <a:solidFill>
+                  <a:schemeClr val="bg1"/>
+                </a:solidFill>
+              </a:defRPr>
+            </a:lvl1pPr>
+          </a:lstStyle>
+          <a:p>
+            <a:r>
+              <a:rPr lang="en-US" altLang="zh-CN" noProof="0"/>
+              <a:t>Click icon to add picture</a:t>
+            </a:r>
+            <a:endParaRPr lang="en-US" altLang="zh-CN" noProof="0" dirty="0"/>
           </a:p>
         </p:txBody>
       </p:sp>
+      <p:pic>
+        <p:nvPicPr>
+          <p:cNvPr id="7" name="Shape 33">
+            <a:extLst>
+              <a:ext uri="{FF2B5EF4-FFF2-40B4-BE49-F238E27FC236}">
+                <a16:creationId xmlns:a16="http://schemas.microsoft.com/office/drawing/2014/main" id="{78B6A20E-2402-E586-7E92-A2C0D0B854DB}"/>
+              </a:ext>
+              <a:ext uri="{C183D7F6-B498-43B3-948B-1728B52AA6E4}">
+                <adec:decorative xmlns:adec="http://schemas.microsoft.com/office/drawing/2017/decorative" val="1"/>
+              </a:ext>
+            </a:extLst>
+          </p:cNvPr>
+          <p:cNvPicPr>
+            <a:picLocks noChangeAspect="1"/>
+          </p:cNvPicPr>
+          <p:nvPr userDrawn="1"/>
+        </p:nvPicPr>
+        <p:blipFill>
+          <a:blip r:embed="rId2">
+            <a:extLst>
+              <a:ext uri="{28A0092B-C50C-407E-A947-70E740481C1C}">
+                <a14:useLocalDpi xmlns:a14="http://schemas.microsoft.com/office/drawing/2010/main"/>
+              </a:ext>
+            </a:extLst>
+          </a:blip>
+          <a:srcRect/>
+          <a:stretch>
+            <a:fillRect/>
+          </a:stretch>
+        </p:blipFill>
+        <p:spPr>
+          <a:xfrm>
+            <a:off x="352010" y="4038403"/>
+            <a:ext cx="1438713" cy="1645920"/>
+          </a:xfrm>
+          <a:custGeom>
+            <a:avLst/>
+            <a:gdLst>
+              <a:gd name="connsiteX0" fmla="*/ 0 w 4816475"/>
+              <a:gd name="connsiteY0" fmla="*/ 2407444 h 4814888"/>
+              <a:gd name="connsiteX1" fmla="*/ 1203722 w 4816475"/>
+              <a:gd name="connsiteY1" fmla="*/ 1 h 4814888"/>
+              <a:gd name="connsiteX2" fmla="*/ 3612753 w 4816475"/>
+              <a:gd name="connsiteY2" fmla="*/ 1 h 4814888"/>
+              <a:gd name="connsiteX3" fmla="*/ 4816475 w 4816475"/>
+              <a:gd name="connsiteY3" fmla="*/ 2407444 h 4814888"/>
+              <a:gd name="connsiteX4" fmla="*/ 3612753 w 4816475"/>
+              <a:gd name="connsiteY4" fmla="*/ 4814887 h 4814888"/>
+              <a:gd name="connsiteX5" fmla="*/ 1203722 w 4816475"/>
+              <a:gd name="connsiteY5" fmla="*/ 4814887 h 4814888"/>
+              <a:gd name="connsiteX6" fmla="*/ 0 w 4816475"/>
+              <a:gd name="connsiteY6" fmla="*/ 2407444 h 4814888"/>
+              <a:gd name="connsiteX0" fmla="*/ 0 w 4816475"/>
+              <a:gd name="connsiteY0" fmla="*/ 2407443 h 4814886"/>
+              <a:gd name="connsiteX1" fmla="*/ 2199402 w 4816475"/>
+              <a:gd name="connsiteY1" fmla="*/ 243840 h 4814886"/>
+              <a:gd name="connsiteX2" fmla="*/ 3612753 w 4816475"/>
+              <a:gd name="connsiteY2" fmla="*/ 0 h 4814886"/>
+              <a:gd name="connsiteX3" fmla="*/ 4816475 w 4816475"/>
+              <a:gd name="connsiteY3" fmla="*/ 2407443 h 4814886"/>
+              <a:gd name="connsiteX4" fmla="*/ 3612753 w 4816475"/>
+              <a:gd name="connsiteY4" fmla="*/ 4814886 h 4814886"/>
+              <a:gd name="connsiteX5" fmla="*/ 1203722 w 4816475"/>
+              <a:gd name="connsiteY5" fmla="*/ 4814886 h 4814886"/>
+              <a:gd name="connsiteX6" fmla="*/ 0 w 4816475"/>
+              <a:gd name="connsiteY6" fmla="*/ 2407443 h 4814886"/>
+              <a:gd name="connsiteX0" fmla="*/ 0 w 4816475"/>
+              <a:gd name="connsiteY0" fmla="*/ 2163603 h 4571046"/>
+              <a:gd name="connsiteX1" fmla="*/ 2199402 w 4816475"/>
+              <a:gd name="connsiteY1" fmla="*/ 0 h 4571046"/>
+              <a:gd name="connsiteX2" fmla="*/ 4608433 w 4816475"/>
+              <a:gd name="connsiteY2" fmla="*/ 721360 h 4571046"/>
+              <a:gd name="connsiteX3" fmla="*/ 4816475 w 4816475"/>
+              <a:gd name="connsiteY3" fmla="*/ 2163603 h 4571046"/>
+              <a:gd name="connsiteX4" fmla="*/ 3612753 w 4816475"/>
+              <a:gd name="connsiteY4" fmla="*/ 4571046 h 4571046"/>
+              <a:gd name="connsiteX5" fmla="*/ 1203722 w 4816475"/>
+              <a:gd name="connsiteY5" fmla="*/ 4571046 h 4571046"/>
+              <a:gd name="connsiteX6" fmla="*/ 0 w 4816475"/>
+              <a:gd name="connsiteY6" fmla="*/ 2163603 h 4571046"/>
+              <a:gd name="connsiteX0" fmla="*/ 0 w 4958715"/>
+              <a:gd name="connsiteY0" fmla="*/ 2163603 h 4571046"/>
+              <a:gd name="connsiteX1" fmla="*/ 2199402 w 4958715"/>
+              <a:gd name="connsiteY1" fmla="*/ 0 h 4571046"/>
+              <a:gd name="connsiteX2" fmla="*/ 4608433 w 4958715"/>
+              <a:gd name="connsiteY2" fmla="*/ 721360 h 4571046"/>
+              <a:gd name="connsiteX3" fmla="*/ 4958715 w 4958715"/>
+              <a:gd name="connsiteY3" fmla="*/ 2803683 h 4571046"/>
+              <a:gd name="connsiteX4" fmla="*/ 3612753 w 4958715"/>
+              <a:gd name="connsiteY4" fmla="*/ 4571046 h 4571046"/>
+              <a:gd name="connsiteX5" fmla="*/ 1203722 w 4958715"/>
+              <a:gd name="connsiteY5" fmla="*/ 4571046 h 4571046"/>
+              <a:gd name="connsiteX6" fmla="*/ 0 w 4958715"/>
+              <a:gd name="connsiteY6" fmla="*/ 2163603 h 4571046"/>
+              <a:gd name="connsiteX0" fmla="*/ 0 w 4916043"/>
+              <a:gd name="connsiteY0" fmla="*/ 1273587 h 4571046"/>
+              <a:gd name="connsiteX1" fmla="*/ 2156730 w 4916043"/>
+              <a:gd name="connsiteY1" fmla="*/ 0 h 4571046"/>
+              <a:gd name="connsiteX2" fmla="*/ 4565761 w 4916043"/>
+              <a:gd name="connsiteY2" fmla="*/ 721360 h 4571046"/>
+              <a:gd name="connsiteX3" fmla="*/ 4916043 w 4916043"/>
+              <a:gd name="connsiteY3" fmla="*/ 2803683 h 4571046"/>
+              <a:gd name="connsiteX4" fmla="*/ 3570081 w 4916043"/>
+              <a:gd name="connsiteY4" fmla="*/ 4571046 h 4571046"/>
+              <a:gd name="connsiteX5" fmla="*/ 1161050 w 4916043"/>
+              <a:gd name="connsiteY5" fmla="*/ 4571046 h 4571046"/>
+              <a:gd name="connsiteX6" fmla="*/ 0 w 4916043"/>
+              <a:gd name="connsiteY6" fmla="*/ 1273587 h 4571046"/>
+              <a:gd name="connsiteX0" fmla="*/ 0 w 4916043"/>
+              <a:gd name="connsiteY0" fmla="*/ 1273587 h 4571046"/>
+              <a:gd name="connsiteX1" fmla="*/ 2156730 w 4916043"/>
+              <a:gd name="connsiteY1" fmla="*/ 0 h 4571046"/>
+              <a:gd name="connsiteX2" fmla="*/ 4565761 w 4916043"/>
+              <a:gd name="connsiteY2" fmla="*/ 721360 h 4571046"/>
+              <a:gd name="connsiteX3" fmla="*/ 4916043 w 4916043"/>
+              <a:gd name="connsiteY3" fmla="*/ 2803683 h 4571046"/>
+              <a:gd name="connsiteX4" fmla="*/ 3570081 w 4916043"/>
+              <a:gd name="connsiteY4" fmla="*/ 4571046 h 4571046"/>
+              <a:gd name="connsiteX5" fmla="*/ 21098 w 4916043"/>
+              <a:gd name="connsiteY5" fmla="*/ 3815142 h 4571046"/>
+              <a:gd name="connsiteX6" fmla="*/ 0 w 4916043"/>
+              <a:gd name="connsiteY6" fmla="*/ 1273587 h 4571046"/>
+              <a:gd name="connsiteX0" fmla="*/ 0 w 4916043"/>
+              <a:gd name="connsiteY0" fmla="*/ 1273587 h 5066346"/>
+              <a:gd name="connsiteX1" fmla="*/ 2156730 w 4916043"/>
+              <a:gd name="connsiteY1" fmla="*/ 0 h 5066346"/>
+              <a:gd name="connsiteX2" fmla="*/ 4565761 w 4916043"/>
+              <a:gd name="connsiteY2" fmla="*/ 721360 h 5066346"/>
+              <a:gd name="connsiteX3" fmla="*/ 4916043 w 4916043"/>
+              <a:gd name="connsiteY3" fmla="*/ 2803683 h 5066346"/>
+              <a:gd name="connsiteX4" fmla="*/ 2236581 w 4916043"/>
+              <a:gd name="connsiteY4" fmla="*/ 5066346 h 5066346"/>
+              <a:gd name="connsiteX5" fmla="*/ 21098 w 4916043"/>
+              <a:gd name="connsiteY5" fmla="*/ 3815142 h 5066346"/>
+              <a:gd name="connsiteX6" fmla="*/ 0 w 4916043"/>
+              <a:gd name="connsiteY6" fmla="*/ 1273587 h 5066346"/>
+              <a:gd name="connsiteX0" fmla="*/ 0 w 4565761"/>
+              <a:gd name="connsiteY0" fmla="*/ 1273587 h 5066346"/>
+              <a:gd name="connsiteX1" fmla="*/ 2156730 w 4565761"/>
+              <a:gd name="connsiteY1" fmla="*/ 0 h 5066346"/>
+              <a:gd name="connsiteX2" fmla="*/ 4565761 w 4565761"/>
+              <a:gd name="connsiteY2" fmla="*/ 721360 h 5066346"/>
+              <a:gd name="connsiteX3" fmla="*/ 4405503 w 4565761"/>
+              <a:gd name="connsiteY3" fmla="*/ 3801903 h 5066346"/>
+              <a:gd name="connsiteX4" fmla="*/ 2236581 w 4565761"/>
+              <a:gd name="connsiteY4" fmla="*/ 5066346 h 5066346"/>
+              <a:gd name="connsiteX5" fmla="*/ 21098 w 4565761"/>
+              <a:gd name="connsiteY5" fmla="*/ 3815142 h 5066346"/>
+              <a:gd name="connsiteX6" fmla="*/ 0 w 4565761"/>
+              <a:gd name="connsiteY6" fmla="*/ 1273587 h 5066346"/>
+              <a:gd name="connsiteX0" fmla="*/ 0 w 4405503"/>
+              <a:gd name="connsiteY0" fmla="*/ 1273587 h 5066346"/>
+              <a:gd name="connsiteX1" fmla="*/ 2156730 w 4405503"/>
+              <a:gd name="connsiteY1" fmla="*/ 0 h 5066346"/>
+              <a:gd name="connsiteX2" fmla="*/ 4398121 w 4405503"/>
+              <a:gd name="connsiteY2" fmla="*/ 1277620 h 5066346"/>
+              <a:gd name="connsiteX3" fmla="*/ 4405503 w 4405503"/>
+              <a:gd name="connsiteY3" fmla="*/ 3801903 h 5066346"/>
+              <a:gd name="connsiteX4" fmla="*/ 2236581 w 4405503"/>
+              <a:gd name="connsiteY4" fmla="*/ 5066346 h 5066346"/>
+              <a:gd name="connsiteX5" fmla="*/ 21098 w 4405503"/>
+              <a:gd name="connsiteY5" fmla="*/ 3815142 h 5066346"/>
+              <a:gd name="connsiteX6" fmla="*/ 0 w 4405503"/>
+              <a:gd name="connsiteY6" fmla="*/ 1273587 h 5066346"/>
+            </a:gdLst>
+            <a:ahLst/>
+            <a:cxnLst>
+              <a:cxn ang="0">
+                <a:pos x="connsiteX0" y="connsiteY0"/>
+              </a:cxn>
+              <a:cxn ang="0">
+                <a:pos x="connsiteX1" y="connsiteY1"/>
+              </a:cxn>
+              <a:cxn ang="0">
+                <a:pos x="connsiteX2" y="connsiteY2"/>
+              </a:cxn>
+              <a:cxn ang="0">
+                <a:pos x="connsiteX3" y="connsiteY3"/>
+              </a:cxn>
+              <a:cxn ang="0">
+                <a:pos x="connsiteX4" y="connsiteY4"/>
+              </a:cxn>
+              <a:cxn ang="0">
+                <a:pos x="connsiteX5" y="connsiteY5"/>
+              </a:cxn>
+              <a:cxn ang="0">
+                <a:pos x="connsiteX6" y="connsiteY6"/>
+              </a:cxn>
+            </a:cxnLst>
+            <a:rect l="l" t="t" r="r" b="b"/>
+            <a:pathLst>
+              <a:path w="4405503" h="5066346">
+                <a:moveTo>
+                  <a:pt x="0" y="1273587"/>
+                </a:moveTo>
+                <a:lnTo>
+                  <a:pt x="2156730" y="0"/>
+                </a:lnTo>
+                <a:lnTo>
+                  <a:pt x="4398121" y="1277620"/>
+                </a:lnTo>
+                <a:cubicBezTo>
+                  <a:pt x="4400582" y="2119048"/>
+                  <a:pt x="4403042" y="2960475"/>
+                  <a:pt x="4405503" y="3801903"/>
+                </a:cubicBezTo>
+                <a:lnTo>
+                  <a:pt x="2236581" y="5066346"/>
+                </a:lnTo>
+                <a:lnTo>
+                  <a:pt x="21098" y="3815142"/>
+                </a:lnTo>
+                <a:lnTo>
+                  <a:pt x="0" y="1273587"/>
+                </a:lnTo>
+                <a:close/>
+              </a:path>
+            </a:pathLst>
+          </a:custGeom>
+        </p:spPr>
+      </p:pic>
       <p:sp>
         <p:nvSpPr>
-          <p:cNvPr id="13" name="Freeform: Shape 11">
+          <p:cNvPr id="3" name="Freeform: Shape 11">
             <a:extLst>
               <a:ext uri="{FF2B5EF4-FFF2-40B4-BE49-F238E27FC236}">
-                <a16:creationId xmlns:a16="http://schemas.microsoft.com/office/drawing/2014/main" id="{D35CF771-1335-6C94-6AA8-AF68EADDDF00}"/>
+                <a16:creationId xmlns:a16="http://schemas.microsoft.com/office/drawing/2014/main" id="{20E24AA2-A4D8-FFB3-C801-0E57990B8CB6}"/>
               </a:ext>
             </a:extLst>
           </p:cNvPr>
@@ -13525,7 +11429,7 @@
         </p:nvSpPr>
         <p:spPr>
           <a:xfrm>
-            <a:off x="1140014" y="5142797"/>
+            <a:off x="1360235" y="5541405"/>
             <a:ext cx="663381" cy="758922"/>
           </a:xfrm>
           <a:custGeom>
@@ -13600,13 +11504,14 @@
               </a:path>
             </a:pathLst>
           </a:custGeom>
-          <a:noFill/>
-          <a:ln w="19050" cap="flat" cmpd="sng" algn="ctr">
-            <a:solidFill>
-              <a:schemeClr val="bg2">
-                <a:lumMod val="75000"/>
-              </a:schemeClr>
-            </a:solidFill>
+          <a:solidFill>
+            <a:schemeClr val="accent1">
+              <a:lumMod val="60000"/>
+              <a:lumOff val="40000"/>
+            </a:schemeClr>
+          </a:solidFill>
+          <a:ln w="12700" cap="flat" cmpd="sng" algn="ctr">
+            <a:noFill/>
             <a:prstDash val="solid"/>
             <a:miter lim="800000"/>
           </a:ln>
@@ -13652,10 +11557,147 @@
           </a:p>
         </p:txBody>
       </p:sp>
+      <p:sp>
+        <p:nvSpPr>
+          <p:cNvPr id="9" name="Freeform: Shape 5">
+            <a:extLst>
+              <a:ext uri="{FF2B5EF4-FFF2-40B4-BE49-F238E27FC236}">
+                <a16:creationId xmlns:a16="http://schemas.microsoft.com/office/drawing/2014/main" id="{1FEC53F3-5030-5BCF-54CA-ABB14457C073}"/>
+              </a:ext>
+            </a:extLst>
+          </p:cNvPr>
+          <p:cNvSpPr/>
+          <p:nvPr userDrawn="1"/>
+        </p:nvSpPr>
+        <p:spPr>
+          <a:xfrm>
+            <a:off x="5429027" y="393334"/>
+            <a:ext cx="1244907" cy="1405252"/>
+          </a:xfrm>
+          <a:custGeom>
+            <a:avLst/>
+            <a:gdLst>
+              <a:gd name="connsiteX0" fmla="*/ 2187388 w 4398682"/>
+              <a:gd name="connsiteY0" fmla="*/ 0 h 5032188"/>
+              <a:gd name="connsiteX1" fmla="*/ 4386729 w 4398682"/>
+              <a:gd name="connsiteY1" fmla="*/ 1261035 h 5032188"/>
+              <a:gd name="connsiteX2" fmla="*/ 4398682 w 4398682"/>
+              <a:gd name="connsiteY2" fmla="*/ 3789083 h 5032188"/>
+              <a:gd name="connsiteX3" fmla="*/ 2193365 w 4398682"/>
+              <a:gd name="connsiteY3" fmla="*/ 5032188 h 5032188"/>
+              <a:gd name="connsiteX4" fmla="*/ 0 w 4398682"/>
+              <a:gd name="connsiteY4" fmla="*/ 3783106 h 5032188"/>
+              <a:gd name="connsiteX5" fmla="*/ 0 w 4398682"/>
+              <a:gd name="connsiteY5" fmla="*/ 1267012 h 5032188"/>
+              <a:gd name="connsiteX6" fmla="*/ 2187388 w 4398682"/>
+              <a:gd name="connsiteY6" fmla="*/ 0 h 5032188"/>
+              <a:gd name="connsiteX0" fmla="*/ 2187388 w 4387647"/>
+              <a:gd name="connsiteY0" fmla="*/ 0 h 5032188"/>
+              <a:gd name="connsiteX1" fmla="*/ 4386729 w 4387647"/>
+              <a:gd name="connsiteY1" fmla="*/ 1261035 h 5032188"/>
+              <a:gd name="connsiteX2" fmla="*/ 4384192 w 4387647"/>
+              <a:gd name="connsiteY2" fmla="*/ 3783287 h 5032188"/>
+              <a:gd name="connsiteX3" fmla="*/ 2193365 w 4387647"/>
+              <a:gd name="connsiteY3" fmla="*/ 5032188 h 5032188"/>
+              <a:gd name="connsiteX4" fmla="*/ 0 w 4387647"/>
+              <a:gd name="connsiteY4" fmla="*/ 3783106 h 5032188"/>
+              <a:gd name="connsiteX5" fmla="*/ 0 w 4387647"/>
+              <a:gd name="connsiteY5" fmla="*/ 1267012 h 5032188"/>
+              <a:gd name="connsiteX6" fmla="*/ 2187388 w 4387647"/>
+              <a:gd name="connsiteY6" fmla="*/ 0 h 5032188"/>
+            </a:gdLst>
+            <a:ahLst/>
+            <a:cxnLst>
+              <a:cxn ang="0">
+                <a:pos x="connsiteX0" y="connsiteY0"/>
+              </a:cxn>
+              <a:cxn ang="0">
+                <a:pos x="connsiteX1" y="connsiteY1"/>
+              </a:cxn>
+              <a:cxn ang="0">
+                <a:pos x="connsiteX2" y="connsiteY2"/>
+              </a:cxn>
+              <a:cxn ang="0">
+                <a:pos x="connsiteX3" y="connsiteY3"/>
+              </a:cxn>
+              <a:cxn ang="0">
+                <a:pos x="connsiteX4" y="connsiteY4"/>
+              </a:cxn>
+              <a:cxn ang="0">
+                <a:pos x="connsiteX5" y="connsiteY5"/>
+              </a:cxn>
+              <a:cxn ang="0">
+                <a:pos x="connsiteX6" y="connsiteY6"/>
+              </a:cxn>
+            </a:cxnLst>
+            <a:rect l="l" t="t" r="r" b="b"/>
+            <a:pathLst>
+              <a:path w="4387647" h="5032188">
+                <a:moveTo>
+                  <a:pt x="2187388" y="0"/>
+                </a:moveTo>
+                <a:lnTo>
+                  <a:pt x="4386729" y="1261035"/>
+                </a:lnTo>
+                <a:cubicBezTo>
+                  <a:pt x="4390713" y="2103718"/>
+                  <a:pt x="4380208" y="2940604"/>
+                  <a:pt x="4384192" y="3783287"/>
+                </a:cubicBezTo>
+                <a:lnTo>
+                  <a:pt x="2193365" y="5032188"/>
+                </a:lnTo>
+                <a:lnTo>
+                  <a:pt x="0" y="3783106"/>
+                </a:lnTo>
+                <a:lnTo>
+                  <a:pt x="0" y="1267012"/>
+                </a:lnTo>
+                <a:lnTo>
+                  <a:pt x="2187388" y="0"/>
+                </a:lnTo>
+                <a:close/>
+              </a:path>
+            </a:pathLst>
+          </a:custGeom>
+          <a:solidFill>
+            <a:schemeClr val="accent2"/>
+          </a:solidFill>
+          <a:ln>
+            <a:noFill/>
+          </a:ln>
+        </p:spPr>
+        <p:style>
+          <a:lnRef idx="2">
+            <a:schemeClr val="accent1">
+              <a:shade val="50000"/>
+            </a:schemeClr>
+          </a:lnRef>
+          <a:fillRef idx="1">
+            <a:schemeClr val="accent1"/>
+          </a:fillRef>
+          <a:effectRef idx="0">
+            <a:schemeClr val="accent1"/>
+          </a:effectRef>
+          <a:fontRef idx="minor">
+            <a:schemeClr val="lt1"/>
+          </a:fontRef>
+        </p:style>
+        <p:txBody>
+          <a:bodyPr rtlCol="0" anchor="ctr">
+            <a:noAutofit/>
+          </a:bodyPr>
+          <a:lstStyle/>
+          <a:p>
+            <a:pPr algn="ctr"/>
+            <a:endParaRPr lang="en-US" noProof="0" dirty="0"/>
+          </a:p>
+        </p:txBody>
+      </p:sp>
     </p:spTree>
     <p:extLst>
       <p:ext uri="{BB962C8B-B14F-4D97-AF65-F5344CB8AC3E}">
-        <p14:creationId xmlns:p14="http://schemas.microsoft.com/office/powerpoint/2010/main" val="924390820"/>
+        <p14:creationId xmlns:p14="http://schemas.microsoft.com/office/powerpoint/2010/main" val="3407711345"/>
       </p:ext>
     </p:extLst>
   </p:cSld>
@@ -13906,11 +11948,9 @@
     <p:sldLayoutId id="2147483655" r:id="rId6"/>
     <p:sldLayoutId id="2147483651" r:id="rId7"/>
     <p:sldLayoutId id="2147483662" r:id="rId8"/>
-    <p:sldLayoutId id="2147483672" r:id="rId9"/>
-    <p:sldLayoutId id="2147483673" r:id="rId10"/>
-    <p:sldLayoutId id="2147483653" r:id="rId11"/>
-    <p:sldLayoutId id="2147483663" r:id="rId12"/>
-    <p:sldLayoutId id="2147483665" r:id="rId13"/>
+    <p:sldLayoutId id="2147483653" r:id="rId9"/>
+    <p:sldLayoutId id="2147483663" r:id="rId10"/>
+    <p:sldLayoutId id="2147483665" r:id="rId11"/>
   </p:sldLayoutIdLst>
   <p:hf hdr="0" ftr="0" dt="0"/>
   <p:txStyles>
@@ -16096,1940 +14136,6 @@
 </p:sld>
 </file>
 
-<file path=ppt/slides/slide15.xml><?xml version="1.0" encoding="utf-8"?>
-<p:sld xmlns:a="http://schemas.openxmlformats.org/drawingml/2006/main" xmlns:r="http://schemas.openxmlformats.org/officeDocument/2006/relationships" xmlns:p="http://schemas.openxmlformats.org/presentationml/2006/main">
-  <p:cSld>
-    <p:spTree>
-      <p:nvGrpSpPr>
-        <p:cNvPr id="1" name=""/>
-        <p:cNvGrpSpPr/>
-        <p:nvPr/>
-      </p:nvGrpSpPr>
-      <p:grpSpPr>
-        <a:xfrm>
-          <a:off x="0" y="0"/>
-          <a:ext cx="0" cy="0"/>
-          <a:chOff x="0" y="0"/>
-          <a:chExt cx="0" cy="0"/>
-        </a:xfrm>
-      </p:grpSpPr>
-      <p:sp>
-        <p:nvSpPr>
-          <p:cNvPr id="60" name="Title 59">
-            <a:extLst>
-              <a:ext uri="{FF2B5EF4-FFF2-40B4-BE49-F238E27FC236}">
-                <a16:creationId xmlns:a16="http://schemas.microsoft.com/office/drawing/2014/main" id="{0031CE36-F77D-3964-C169-771DBA49D28A}"/>
-              </a:ext>
-            </a:extLst>
-          </p:cNvPr>
-          <p:cNvSpPr>
-            <a:spLocks noGrp="1"/>
-          </p:cNvSpPr>
-          <p:nvPr>
-            <p:ph type="title"/>
-          </p:nvPr>
-        </p:nvSpPr>
-        <p:spPr>
-          <a:xfrm>
-            <a:off x="914400" y="1060704"/>
-            <a:ext cx="7132320" cy="1773936"/>
-          </a:xfrm>
-        </p:spPr>
-        <p:txBody>
-          <a:bodyPr/>
-          <a:lstStyle/>
-          <a:p>
-            <a:r>
-              <a:rPr lang="en-US" dirty="0"/>
-              <a:t>Financial overview</a:t>
-            </a:r>
-          </a:p>
-        </p:txBody>
-      </p:sp>
-      <p:sp>
-        <p:nvSpPr>
-          <p:cNvPr id="43" name="Text Placeholder 42">
-            <a:extLst>
-              <a:ext uri="{FF2B5EF4-FFF2-40B4-BE49-F238E27FC236}">
-                <a16:creationId xmlns:a16="http://schemas.microsoft.com/office/drawing/2014/main" id="{520E98B6-7B33-8FD4-A662-31DD4B85E22E}"/>
-              </a:ext>
-            </a:extLst>
-          </p:cNvPr>
-          <p:cNvSpPr>
-            <a:spLocks noGrp="1"/>
-          </p:cNvSpPr>
-          <p:nvPr>
-            <p:ph idx="1"/>
-          </p:nvPr>
-        </p:nvSpPr>
-        <p:spPr>
-          <a:xfrm>
-            <a:off x="914400" y="3108960"/>
-            <a:ext cx="3291840" cy="2651760"/>
-          </a:xfrm>
-        </p:spPr>
-        <p:txBody>
-          <a:bodyPr/>
-          <a:lstStyle/>
-          <a:p>
-            <a:r>
-              <a:rPr lang="en-US" dirty="0"/>
-              <a:t>Our financial overview reflects a robust and resilient fiscal performance.</a:t>
-            </a:r>
-          </a:p>
-          <a:p>
-            <a:r>
-              <a:rPr lang="en-US" dirty="0"/>
-              <a:t>Key indicators show consistent revenue growth over the past quarter, attributed to strategic cost management and successful marketing.</a:t>
-            </a:r>
-          </a:p>
-        </p:txBody>
-      </p:sp>
-      <p:sp>
-        <p:nvSpPr>
-          <p:cNvPr id="44" name="Text Placeholder 43">
-            <a:extLst>
-              <a:ext uri="{FF2B5EF4-FFF2-40B4-BE49-F238E27FC236}">
-                <a16:creationId xmlns:a16="http://schemas.microsoft.com/office/drawing/2014/main" id="{78466807-A2DA-EC5D-ACDE-B83D6F7169EA}"/>
-              </a:ext>
-            </a:extLst>
-          </p:cNvPr>
-          <p:cNvSpPr>
-            <a:spLocks noGrp="1"/>
-          </p:cNvSpPr>
-          <p:nvPr>
-            <p:ph idx="56"/>
-          </p:nvPr>
-        </p:nvSpPr>
-        <p:spPr>
-          <a:xfrm>
-            <a:off x="4754880" y="3108960"/>
-            <a:ext cx="3291840" cy="2651760"/>
-          </a:xfrm>
-        </p:spPr>
-        <p:txBody>
-          <a:bodyPr/>
-          <a:lstStyle/>
-          <a:p>
-            <a:r>
-              <a:rPr lang="en-US" dirty="0"/>
-              <a:t>Operating margins have improved, signaling operational efficiency, while strengthening our reserves.</a:t>
-            </a:r>
-          </a:p>
-          <a:p>
-            <a:r>
-              <a:rPr lang="en-US" dirty="0"/>
-              <a:t>This underscores our commitment to financial stability, positioning us for sustained growth. </a:t>
-            </a:r>
-          </a:p>
-        </p:txBody>
-      </p:sp>
-      <p:sp>
-        <p:nvSpPr>
-          <p:cNvPr id="11" name="Slide Number Placeholder 13">
-            <a:extLst>
-              <a:ext uri="{FF2B5EF4-FFF2-40B4-BE49-F238E27FC236}">
-                <a16:creationId xmlns:a16="http://schemas.microsoft.com/office/drawing/2014/main" id="{930FF33C-2E3C-37EC-75C2-1BE4513D9B62}"/>
-              </a:ext>
-            </a:extLst>
-          </p:cNvPr>
-          <p:cNvSpPr txBox="1">
-            <a:spLocks/>
-          </p:cNvSpPr>
-          <p:nvPr/>
-        </p:nvSpPr>
-        <p:spPr>
-          <a:xfrm>
-            <a:off x="11194169" y="6215665"/>
-            <a:ext cx="458592" cy="365125"/>
-          </a:xfrm>
-          <a:prstGeom prst="rect">
-            <a:avLst/>
-          </a:prstGeom>
-        </p:spPr>
-        <p:txBody>
-          <a:bodyPr anchor="ctr"/>
-          <a:lstStyle>
-            <a:defPPr>
-              <a:defRPr lang="zh-CN"/>
-            </a:defPPr>
-            <a:lvl1pPr marL="0" algn="ctr" defTabSz="914400" rtl="0" eaLnBrk="1" latinLnBrk="0" hangingPunct="1">
-              <a:defRPr sz="1200" b="0" i="0" kern="1200">
-                <a:solidFill>
-                  <a:schemeClr val="tx1"/>
-                </a:solidFill>
-                <a:latin typeface="Abadi" panose="020B0604020104020204" pitchFamily="34" charset="0"/>
-                <a:ea typeface="+mn-ea"/>
-                <a:cs typeface="+mn-cs"/>
-              </a:defRPr>
-            </a:lvl1pPr>
-            <a:lvl2pPr marL="457200" algn="l" defTabSz="914400" rtl="0" eaLnBrk="1" latinLnBrk="0" hangingPunct="1">
-              <a:defRPr sz="1800" kern="1200">
-                <a:solidFill>
-                  <a:schemeClr val="tx1"/>
-                </a:solidFill>
-                <a:latin typeface="+mn-lt"/>
-                <a:ea typeface="+mn-ea"/>
-                <a:cs typeface="+mn-cs"/>
-              </a:defRPr>
-            </a:lvl2pPr>
-            <a:lvl3pPr marL="914400" algn="l" defTabSz="914400" rtl="0" eaLnBrk="1" latinLnBrk="0" hangingPunct="1">
-              <a:defRPr sz="1800" kern="1200">
-                <a:solidFill>
-                  <a:schemeClr val="tx1"/>
-                </a:solidFill>
-                <a:latin typeface="+mn-lt"/>
-                <a:ea typeface="+mn-ea"/>
-                <a:cs typeface="+mn-cs"/>
-              </a:defRPr>
-            </a:lvl3pPr>
-            <a:lvl4pPr marL="1371600" algn="l" defTabSz="914400" rtl="0" eaLnBrk="1" latinLnBrk="0" hangingPunct="1">
-              <a:defRPr sz="1800" kern="1200">
-                <a:solidFill>
-                  <a:schemeClr val="tx1"/>
-                </a:solidFill>
-                <a:latin typeface="+mn-lt"/>
-                <a:ea typeface="+mn-ea"/>
-                <a:cs typeface="+mn-cs"/>
-              </a:defRPr>
-            </a:lvl4pPr>
-            <a:lvl5pPr marL="1828800" algn="l" defTabSz="914400" rtl="0" eaLnBrk="1" latinLnBrk="0" hangingPunct="1">
-              <a:defRPr sz="1800" kern="1200">
-                <a:solidFill>
-                  <a:schemeClr val="tx1"/>
-                </a:solidFill>
-                <a:latin typeface="+mn-lt"/>
-                <a:ea typeface="+mn-ea"/>
-                <a:cs typeface="+mn-cs"/>
-              </a:defRPr>
-            </a:lvl5pPr>
-            <a:lvl6pPr marL="2286000" algn="l" defTabSz="914400" rtl="0" eaLnBrk="1" latinLnBrk="0" hangingPunct="1">
-              <a:defRPr sz="1800" kern="1200">
-                <a:solidFill>
-                  <a:schemeClr val="tx1"/>
-                </a:solidFill>
-                <a:latin typeface="+mn-lt"/>
-                <a:ea typeface="+mn-ea"/>
-                <a:cs typeface="+mn-cs"/>
-              </a:defRPr>
-            </a:lvl6pPr>
-            <a:lvl7pPr marL="2743200" algn="l" defTabSz="914400" rtl="0" eaLnBrk="1" latinLnBrk="0" hangingPunct="1">
-              <a:defRPr sz="1800" kern="1200">
-                <a:solidFill>
-                  <a:schemeClr val="tx1"/>
-                </a:solidFill>
-                <a:latin typeface="+mn-lt"/>
-                <a:ea typeface="+mn-ea"/>
-                <a:cs typeface="+mn-cs"/>
-              </a:defRPr>
-            </a:lvl7pPr>
-            <a:lvl8pPr marL="3200400" algn="l" defTabSz="914400" rtl="0" eaLnBrk="1" latinLnBrk="0" hangingPunct="1">
-              <a:defRPr sz="1800" kern="1200">
-                <a:solidFill>
-                  <a:schemeClr val="tx1"/>
-                </a:solidFill>
-                <a:latin typeface="+mn-lt"/>
-                <a:ea typeface="+mn-ea"/>
-                <a:cs typeface="+mn-cs"/>
-              </a:defRPr>
-            </a:lvl8pPr>
-            <a:lvl9pPr marL="3657600" algn="l" defTabSz="914400" rtl="0" eaLnBrk="1" latinLnBrk="0" hangingPunct="1">
-              <a:defRPr sz="1800" kern="1200">
-                <a:solidFill>
-                  <a:schemeClr val="tx1"/>
-                </a:solidFill>
-                <a:latin typeface="+mn-lt"/>
-                <a:ea typeface="+mn-ea"/>
-                <a:cs typeface="+mn-cs"/>
-              </a:defRPr>
-            </a:lvl9pPr>
-          </a:lstStyle>
-          <a:p>
-            <a:pPr marL="0" marR="0" lvl="0" indent="0" algn="ctr" defTabSz="914400" rtl="0" eaLnBrk="1" fontAlgn="auto" latinLnBrk="0" hangingPunct="1">
-              <a:lnSpc>
-                <a:spcPct val="100000"/>
-              </a:lnSpc>
-              <a:spcBef>
-                <a:spcPts val="0"/>
-              </a:spcBef>
-              <a:spcAft>
-                <a:spcPts val="0"/>
-              </a:spcAft>
-              <a:buClrTx/>
-              <a:buSzTx/>
-              <a:buFontTx/>
-              <a:buNone/>
-              <a:tabLst/>
-              <a:defRPr/>
-            </a:pPr>
-            <a:fld id="{47FEACEE-25B4-4A2D-B147-27296E36371D}" type="slidenum">
-              <a:rPr kumimoji="0" lang="en-US" altLang="zh-CN" sz="1200" u="none" strike="noStrike" kern="1200" cap="none" spc="0" normalizeH="0" baseline="0" smtClean="0">
-                <a:ln>
-                  <a:noFill/>
-                </a:ln>
-                <a:solidFill>
-                  <a:schemeClr val="bg1"/>
-                </a:solidFill>
-                <a:effectLst/>
-                <a:uLnTx/>
-                <a:uFillTx/>
-              </a:rPr>
-              <a:pPr marL="0" marR="0" lvl="0" indent="0" algn="ctr" defTabSz="914400" rtl="0" eaLnBrk="1" fontAlgn="auto" latinLnBrk="0" hangingPunct="1">
-                <a:lnSpc>
-                  <a:spcPct val="100000"/>
-                </a:lnSpc>
-                <a:spcBef>
-                  <a:spcPts val="0"/>
-                </a:spcBef>
-                <a:spcAft>
-                  <a:spcPts val="0"/>
-                </a:spcAft>
-                <a:buClrTx/>
-                <a:buSzTx/>
-                <a:buFontTx/>
-                <a:buNone/>
-                <a:tabLst/>
-                <a:defRPr/>
-              </a:pPr>
-              <a:t>15</a:t>
-            </a:fld>
-            <a:endParaRPr kumimoji="0" lang="en-US" altLang="zh-CN" sz="1200" u="none" strike="noStrike" kern="1200" cap="none" spc="0" normalizeH="0" baseline="0" dirty="0">
-              <a:ln>
-                <a:noFill/>
-              </a:ln>
-              <a:solidFill>
-                <a:schemeClr val="bg1"/>
-              </a:solidFill>
-              <a:effectLst/>
-              <a:uLnTx/>
-              <a:uFillTx/>
-            </a:endParaRPr>
-          </a:p>
-        </p:txBody>
-      </p:sp>
-      <p:sp>
-        <p:nvSpPr>
-          <p:cNvPr id="2" name="Slide Number Placeholder 1">
-            <a:extLst>
-              <a:ext uri="{FF2B5EF4-FFF2-40B4-BE49-F238E27FC236}">
-                <a16:creationId xmlns:a16="http://schemas.microsoft.com/office/drawing/2014/main" id="{2222DE72-77CB-CB24-A4D1-2FAC47307AC9}"/>
-              </a:ext>
-            </a:extLst>
-          </p:cNvPr>
-          <p:cNvSpPr>
-            <a:spLocks noGrp="1"/>
-          </p:cNvSpPr>
-          <p:nvPr>
-            <p:ph type="sldNum" sz="quarter" idx="55"/>
-          </p:nvPr>
-        </p:nvSpPr>
-        <p:spPr/>
-        <p:txBody>
-          <a:bodyPr/>
-          <a:lstStyle/>
-          <a:p>
-            <a:fld id="{47FEACEE-25B4-4A2D-B147-27296E36371D}" type="slidenum">
-              <a:rPr lang="en-US" altLang="zh-CN" noProof="0" smtClean="0"/>
-              <a:pPr/>
-              <a:t>15</a:t>
-            </a:fld>
-            <a:endParaRPr lang="en-US" altLang="zh-CN" noProof="0" dirty="0"/>
-          </a:p>
-        </p:txBody>
-      </p:sp>
-    </p:spTree>
-    <p:extLst>
-      <p:ext uri="{BB962C8B-B14F-4D97-AF65-F5344CB8AC3E}">
-        <p14:creationId xmlns:p14="http://schemas.microsoft.com/office/powerpoint/2010/main" val="4182148033"/>
-      </p:ext>
-    </p:extLst>
-  </p:cSld>
-  <p:clrMapOvr>
-    <a:masterClrMapping/>
-  </p:clrMapOvr>
-</p:sld>
-</file>
-
-<file path=ppt/slides/slide16.xml><?xml version="1.0" encoding="utf-8"?>
-<p:sld xmlns:a="http://schemas.openxmlformats.org/drawingml/2006/main" xmlns:r="http://schemas.openxmlformats.org/officeDocument/2006/relationships" xmlns:p="http://schemas.openxmlformats.org/presentationml/2006/main">
-  <p:cSld>
-    <p:spTree>
-      <p:nvGrpSpPr>
-        <p:cNvPr id="1" name=""/>
-        <p:cNvGrpSpPr/>
-        <p:nvPr/>
-      </p:nvGrpSpPr>
-      <p:grpSpPr>
-        <a:xfrm>
-          <a:off x="0" y="0"/>
-          <a:ext cx="0" cy="0"/>
-          <a:chOff x="0" y="0"/>
-          <a:chExt cx="0" cy="0"/>
-        </a:xfrm>
-      </p:grpSpPr>
-      <p:sp>
-        <p:nvSpPr>
-          <p:cNvPr id="2" name="Title 1">
-            <a:extLst>
-              <a:ext uri="{FF2B5EF4-FFF2-40B4-BE49-F238E27FC236}">
-                <a16:creationId xmlns:a16="http://schemas.microsoft.com/office/drawing/2014/main" id="{B7545968-70F7-0180-6448-3547E442EF4A}"/>
-              </a:ext>
-            </a:extLst>
-          </p:cNvPr>
-          <p:cNvSpPr>
-            <a:spLocks noGrp="1"/>
-          </p:cNvSpPr>
-          <p:nvPr>
-            <p:ph type="title"/>
-          </p:nvPr>
-        </p:nvSpPr>
-        <p:spPr>
-          <a:xfrm>
-            <a:off x="914400" y="731520"/>
-            <a:ext cx="4389120" cy="2103120"/>
-          </a:xfrm>
-          <a:noFill/>
-        </p:spPr>
-        <p:txBody>
-          <a:bodyPr anchor="b" anchorCtr="0">
-            <a:noAutofit/>
-          </a:bodyPr>
-          <a:lstStyle/>
-          <a:p>
-            <a:r>
-              <a:rPr lang="en-US" dirty="0"/>
-              <a:t>Quarterly targets</a:t>
-            </a:r>
-          </a:p>
-        </p:txBody>
-      </p:sp>
-      <p:sp>
-        <p:nvSpPr>
-          <p:cNvPr id="10" name="Content Placeholder 9">
-            <a:extLst>
-              <a:ext uri="{FF2B5EF4-FFF2-40B4-BE49-F238E27FC236}">
-                <a16:creationId xmlns:a16="http://schemas.microsoft.com/office/drawing/2014/main" id="{19DA784D-F56F-1224-707E-9F882C4EB8A1}"/>
-              </a:ext>
-            </a:extLst>
-          </p:cNvPr>
-          <p:cNvSpPr>
-            <a:spLocks noGrp="1"/>
-          </p:cNvSpPr>
-          <p:nvPr>
-            <p:ph idx="14"/>
-          </p:nvPr>
-        </p:nvSpPr>
-        <p:spPr>
-          <a:xfrm>
-            <a:off x="914400" y="3108960"/>
-            <a:ext cx="4389120" cy="1920240"/>
-          </a:xfrm>
-        </p:spPr>
-        <p:txBody>
-          <a:bodyPr/>
-          <a:lstStyle/>
-          <a:p>
-            <a:r>
-              <a:rPr lang="en-US" dirty="0"/>
-              <a:t>Market expansion</a:t>
-            </a:r>
-          </a:p>
-          <a:p>
-            <a:r>
-              <a:rPr lang="en-US" dirty="0"/>
-              <a:t>Product innovation</a:t>
-            </a:r>
-          </a:p>
-          <a:p>
-            <a:r>
-              <a:rPr lang="en-US" dirty="0"/>
-              <a:t>Customer retention</a:t>
-            </a:r>
-          </a:p>
-          <a:p>
-            <a:r>
-              <a:rPr lang="en-US" dirty="0"/>
-              <a:t>Operational efficiency</a:t>
-            </a:r>
-          </a:p>
-        </p:txBody>
-      </p:sp>
-      <p:graphicFrame>
-        <p:nvGraphicFramePr>
-          <p:cNvPr id="14" name="Table Placeholder 2">
-            <a:extLst>
-              <a:ext uri="{FF2B5EF4-FFF2-40B4-BE49-F238E27FC236}">
-                <a16:creationId xmlns:a16="http://schemas.microsoft.com/office/drawing/2014/main" id="{1469BF76-5E71-DF2A-4804-7A26E9D95C80}"/>
-              </a:ext>
-            </a:extLst>
-          </p:cNvPr>
-          <p:cNvGraphicFramePr>
-            <a:graphicFrameLocks noGrp="1"/>
-          </p:cNvGraphicFramePr>
-          <p:nvPr>
-            <p:ph idx="1"/>
-            <p:extLst>
-              <p:ext uri="{D42A27DB-BD31-4B8C-83A1-F6EECF244321}">
-                <p14:modId xmlns:p14="http://schemas.microsoft.com/office/powerpoint/2010/main" val="1903745288"/>
-              </p:ext>
-            </p:extLst>
-          </p:nvPr>
-        </p:nvGraphicFramePr>
-        <p:xfrm>
-          <a:off x="5851525" y="731838"/>
-          <a:ext cx="5367528" cy="5116287"/>
-        </p:xfrm>
-        <a:graphic>
-          <a:graphicData uri="http://schemas.openxmlformats.org/drawingml/2006/table">
-            <a:tbl>
-              <a:tblPr firstRow="1" bandRow="1">
-                <a:tableStyleId>{9DCAF9ED-07DC-4A11-8D7F-57B35C25682E}</a:tableStyleId>
-              </a:tblPr>
-              <a:tblGrid>
-                <a:gridCol w="1097791">
-                  <a:extLst>
-                    <a:ext uri="{9D8B030D-6E8A-4147-A177-3AD203B41FA5}">
-                      <a16:colId xmlns:a16="http://schemas.microsoft.com/office/drawing/2014/main" val="30750867"/>
-                    </a:ext>
-                  </a:extLst>
-                </a:gridCol>
-                <a:gridCol w="1342294">
-                  <a:extLst>
-                    <a:ext uri="{9D8B030D-6E8A-4147-A177-3AD203B41FA5}">
-                      <a16:colId xmlns:a16="http://schemas.microsoft.com/office/drawing/2014/main" val="1038941322"/>
-                    </a:ext>
-                  </a:extLst>
-                </a:gridCol>
-                <a:gridCol w="1555204">
-                  <a:extLst>
-                    <a:ext uri="{9D8B030D-6E8A-4147-A177-3AD203B41FA5}">
-                      <a16:colId xmlns:a16="http://schemas.microsoft.com/office/drawing/2014/main" val="529645500"/>
-                    </a:ext>
-                  </a:extLst>
-                </a:gridCol>
-                <a:gridCol w="1372239">
-                  <a:extLst>
-                    <a:ext uri="{9D8B030D-6E8A-4147-A177-3AD203B41FA5}">
-                      <a16:colId xmlns:a16="http://schemas.microsoft.com/office/drawing/2014/main" val="3469610457"/>
-                    </a:ext>
-                  </a:extLst>
-                </a:gridCol>
-              </a:tblGrid>
-              <a:tr h="1051519">
-                <a:tc>
-                  <a:txBody>
-                    <a:bodyPr/>
-                    <a:lstStyle/>
-                    <a:p>
-                      <a:pPr algn="ctr"/>
-                      <a:r>
-                        <a:rPr lang="en-US" cap="none" baseline="0" dirty="0"/>
-                        <a:t>Quarter</a:t>
-                      </a:r>
-                    </a:p>
-                  </a:txBody>
-                  <a:tcPr anchor="ctr"/>
-                </a:tc>
-                <a:tc>
-                  <a:txBody>
-                    <a:bodyPr/>
-                    <a:lstStyle/>
-                    <a:p>
-                      <a:pPr algn="ctr"/>
-                      <a:r>
-                        <a:rPr lang="en-US" cap="none" baseline="0" dirty="0"/>
-                        <a:t>Revenue growth (%)</a:t>
-                      </a:r>
-                    </a:p>
-                  </a:txBody>
-                  <a:tcPr anchor="ctr"/>
-                </a:tc>
-                <a:tc>
-                  <a:txBody>
-                    <a:bodyPr/>
-                    <a:lstStyle/>
-                    <a:p>
-                      <a:pPr algn="ctr"/>
-                      <a:r>
-                        <a:rPr lang="en-US" cap="none" baseline="0" dirty="0"/>
-                        <a:t>Market share increase (%)</a:t>
-                      </a:r>
-                    </a:p>
-                  </a:txBody>
-                  <a:tcPr anchor="ctr"/>
-                </a:tc>
-                <a:tc>
-                  <a:txBody>
-                    <a:bodyPr/>
-                    <a:lstStyle/>
-                    <a:p>
-                      <a:pPr algn="ctr"/>
-                      <a:r>
-                        <a:rPr lang="en-US" cap="none" baseline="0" dirty="0"/>
-                        <a:t>Customer acquisition</a:t>
-                      </a:r>
-                    </a:p>
-                  </a:txBody>
-                  <a:tcPr anchor="ctr"/>
-                </a:tc>
-                <a:extLst>
-                  <a:ext uri="{0D108BD9-81ED-4DB2-BD59-A6C34878D82A}">
-                    <a16:rowId xmlns:a16="http://schemas.microsoft.com/office/drawing/2014/main" val="4251432886"/>
-                  </a:ext>
-                </a:extLst>
-              </a:tr>
-              <a:tr h="1016192">
-                <a:tc>
-                  <a:txBody>
-                    <a:bodyPr/>
-                    <a:lstStyle/>
-                    <a:p>
-                      <a:pPr algn="ctr"/>
-                      <a:r>
-                        <a:rPr lang="en-US" dirty="0"/>
-                        <a:t>Q1</a:t>
-                      </a:r>
-                    </a:p>
-                  </a:txBody>
-                  <a:tcPr anchor="ctr"/>
-                </a:tc>
-                <a:tc>
-                  <a:txBody>
-                    <a:bodyPr/>
-                    <a:lstStyle/>
-                    <a:p>
-                      <a:pPr algn="ctr"/>
-                      <a:r>
-                        <a:rPr lang="en-US" dirty="0"/>
-                        <a:t>12</a:t>
-                      </a:r>
-                    </a:p>
-                  </a:txBody>
-                  <a:tcPr anchor="ctr"/>
-                </a:tc>
-                <a:tc>
-                  <a:txBody>
-                    <a:bodyPr/>
-                    <a:lstStyle/>
-                    <a:p>
-                      <a:pPr algn="ctr"/>
-                      <a:r>
-                        <a:rPr lang="en-US" dirty="0"/>
-                        <a:t>2</a:t>
-                      </a:r>
-                    </a:p>
-                  </a:txBody>
-                  <a:tcPr anchor="ctr"/>
-                </a:tc>
-                <a:tc>
-                  <a:txBody>
-                    <a:bodyPr/>
-                    <a:lstStyle/>
-                    <a:p>
-                      <a:pPr algn="ctr"/>
-                      <a:r>
-                        <a:rPr lang="en-US" dirty="0"/>
-                        <a:t>500</a:t>
-                      </a:r>
-                    </a:p>
-                  </a:txBody>
-                  <a:tcPr anchor="ctr"/>
-                </a:tc>
-                <a:extLst>
-                  <a:ext uri="{0D108BD9-81ED-4DB2-BD59-A6C34878D82A}">
-                    <a16:rowId xmlns:a16="http://schemas.microsoft.com/office/drawing/2014/main" val="360240625"/>
-                  </a:ext>
-                </a:extLst>
-              </a:tr>
-              <a:tr h="1016192">
-                <a:tc>
-                  <a:txBody>
-                    <a:bodyPr/>
-                    <a:lstStyle/>
-                    <a:p>
-                      <a:pPr algn="ctr"/>
-                      <a:r>
-                        <a:rPr lang="en-US" dirty="0"/>
-                        <a:t>Q2</a:t>
-                      </a:r>
-                    </a:p>
-                  </a:txBody>
-                  <a:tcPr anchor="ctr"/>
-                </a:tc>
-                <a:tc>
-                  <a:txBody>
-                    <a:bodyPr/>
-                    <a:lstStyle/>
-                    <a:p>
-                      <a:pPr algn="ctr"/>
-                      <a:r>
-                        <a:rPr lang="en-US" dirty="0"/>
-                        <a:t>15</a:t>
-                      </a:r>
-                    </a:p>
-                  </a:txBody>
-                  <a:tcPr anchor="ctr"/>
-                </a:tc>
-                <a:tc>
-                  <a:txBody>
-                    <a:bodyPr/>
-                    <a:lstStyle/>
-                    <a:p>
-                      <a:pPr algn="ctr"/>
-                      <a:r>
-                        <a:rPr lang="en-US" dirty="0"/>
-                        <a:t>3</a:t>
-                      </a:r>
-                    </a:p>
-                  </a:txBody>
-                  <a:tcPr anchor="ctr"/>
-                </a:tc>
-                <a:tc>
-                  <a:txBody>
-                    <a:bodyPr/>
-                    <a:lstStyle/>
-                    <a:p>
-                      <a:pPr algn="ctr"/>
-                      <a:r>
-                        <a:rPr lang="en-US" dirty="0"/>
-                        <a:t>600</a:t>
-                      </a:r>
-                    </a:p>
-                  </a:txBody>
-                  <a:tcPr anchor="ctr"/>
-                </a:tc>
-                <a:extLst>
-                  <a:ext uri="{0D108BD9-81ED-4DB2-BD59-A6C34878D82A}">
-                    <a16:rowId xmlns:a16="http://schemas.microsoft.com/office/drawing/2014/main" val="2762393470"/>
-                  </a:ext>
-                </a:extLst>
-              </a:tr>
-              <a:tr h="1016192">
-                <a:tc>
-                  <a:txBody>
-                    <a:bodyPr/>
-                    <a:lstStyle/>
-                    <a:p>
-                      <a:pPr algn="ctr"/>
-                      <a:r>
-                        <a:rPr lang="en-US" dirty="0"/>
-                        <a:t>Q3</a:t>
-                      </a:r>
-                    </a:p>
-                  </a:txBody>
-                  <a:tcPr anchor="ctr"/>
-                </a:tc>
-                <a:tc>
-                  <a:txBody>
-                    <a:bodyPr/>
-                    <a:lstStyle/>
-                    <a:p>
-                      <a:pPr algn="ctr"/>
-                      <a:r>
-                        <a:rPr lang="en-US" dirty="0"/>
-                        <a:t>18</a:t>
-                      </a:r>
-                    </a:p>
-                  </a:txBody>
-                  <a:tcPr anchor="ctr"/>
-                </a:tc>
-                <a:tc>
-                  <a:txBody>
-                    <a:bodyPr/>
-                    <a:lstStyle/>
-                    <a:p>
-                      <a:pPr algn="ctr"/>
-                      <a:r>
-                        <a:rPr lang="en-US" dirty="0"/>
-                        <a:t>4</a:t>
-                      </a:r>
-                    </a:p>
-                  </a:txBody>
-                  <a:tcPr anchor="ctr"/>
-                </a:tc>
-                <a:tc>
-                  <a:txBody>
-                    <a:bodyPr/>
-                    <a:lstStyle/>
-                    <a:p>
-                      <a:pPr algn="ctr"/>
-                      <a:r>
-                        <a:rPr lang="en-US" dirty="0"/>
-                        <a:t>700</a:t>
-                      </a:r>
-                    </a:p>
-                  </a:txBody>
-                  <a:tcPr anchor="ctr"/>
-                </a:tc>
-                <a:extLst>
-                  <a:ext uri="{0D108BD9-81ED-4DB2-BD59-A6C34878D82A}">
-                    <a16:rowId xmlns:a16="http://schemas.microsoft.com/office/drawing/2014/main" val="1311364400"/>
-                  </a:ext>
-                </a:extLst>
-              </a:tr>
-              <a:tr h="1016192">
-                <a:tc>
-                  <a:txBody>
-                    <a:bodyPr/>
-                    <a:lstStyle/>
-                    <a:p>
-                      <a:pPr algn="ctr"/>
-                      <a:r>
-                        <a:rPr lang="en-US" dirty="0"/>
-                        <a:t>Q4</a:t>
-                      </a:r>
-                    </a:p>
-                  </a:txBody>
-                  <a:tcPr anchor="ctr"/>
-                </a:tc>
-                <a:tc>
-                  <a:txBody>
-                    <a:bodyPr/>
-                    <a:lstStyle/>
-                    <a:p>
-                      <a:pPr algn="ctr"/>
-                      <a:r>
-                        <a:rPr lang="en-US" dirty="0"/>
-                        <a:t>20</a:t>
-                      </a:r>
-                    </a:p>
-                  </a:txBody>
-                  <a:tcPr anchor="ctr"/>
-                </a:tc>
-                <a:tc>
-                  <a:txBody>
-                    <a:bodyPr/>
-                    <a:lstStyle/>
-                    <a:p>
-                      <a:pPr algn="ctr"/>
-                      <a:r>
-                        <a:rPr lang="en-US" dirty="0"/>
-                        <a:t>5</a:t>
-                      </a:r>
-                    </a:p>
-                  </a:txBody>
-                  <a:tcPr anchor="ctr"/>
-                </a:tc>
-                <a:tc>
-                  <a:txBody>
-                    <a:bodyPr/>
-                    <a:lstStyle/>
-                    <a:p>
-                      <a:pPr algn="ctr"/>
-                      <a:r>
-                        <a:rPr lang="en-US" dirty="0"/>
-                        <a:t>800</a:t>
-                      </a:r>
-                    </a:p>
-                  </a:txBody>
-                  <a:tcPr anchor="ctr"/>
-                </a:tc>
-                <a:extLst>
-                  <a:ext uri="{0D108BD9-81ED-4DB2-BD59-A6C34878D82A}">
-                    <a16:rowId xmlns:a16="http://schemas.microsoft.com/office/drawing/2014/main" val="2526263980"/>
-                  </a:ext>
-                </a:extLst>
-              </a:tr>
-            </a:tbl>
-          </a:graphicData>
-        </a:graphic>
-      </p:graphicFrame>
-      <p:sp>
-        <p:nvSpPr>
-          <p:cNvPr id="3" name="Slide Number Placeholder 2">
-            <a:extLst>
-              <a:ext uri="{FF2B5EF4-FFF2-40B4-BE49-F238E27FC236}">
-                <a16:creationId xmlns:a16="http://schemas.microsoft.com/office/drawing/2014/main" id="{ADDFE8A8-4537-F7A1-3BF9-834AEFE3EA1A}"/>
-              </a:ext>
-            </a:extLst>
-          </p:cNvPr>
-          <p:cNvSpPr>
-            <a:spLocks noGrp="1"/>
-          </p:cNvSpPr>
-          <p:nvPr>
-            <p:ph type="sldNum" sz="quarter" idx="12"/>
-          </p:nvPr>
-        </p:nvSpPr>
-        <p:spPr/>
-        <p:txBody>
-          <a:bodyPr/>
-          <a:lstStyle/>
-          <a:p>
-            <a:fld id="{CBD12358-51D2-46B3-9BDE-DF29528B9454}" type="slidenum">
-              <a:rPr lang="en-US" smtClean="0"/>
-              <a:t>16</a:t>
-            </a:fld>
-            <a:endParaRPr lang="en-US" dirty="0"/>
-          </a:p>
-        </p:txBody>
-      </p:sp>
-    </p:spTree>
-    <p:extLst>
-      <p:ext uri="{BB962C8B-B14F-4D97-AF65-F5344CB8AC3E}">
-        <p14:creationId xmlns:p14="http://schemas.microsoft.com/office/powerpoint/2010/main" val="4259977132"/>
-      </p:ext>
-    </p:extLst>
-  </p:cSld>
-  <p:clrMapOvr>
-    <a:masterClrMapping/>
-  </p:clrMapOvr>
-</p:sld>
-</file>
-
-<file path=ppt/slides/slide17.xml><?xml version="1.0" encoding="utf-8"?>
-<p:sld xmlns:a="http://schemas.openxmlformats.org/drawingml/2006/main" xmlns:r="http://schemas.openxmlformats.org/officeDocument/2006/relationships" xmlns:p="http://schemas.openxmlformats.org/presentationml/2006/main">
-  <p:cSld>
-    <p:spTree>
-      <p:nvGrpSpPr>
-        <p:cNvPr id="1" name=""/>
-        <p:cNvGrpSpPr/>
-        <p:nvPr/>
-      </p:nvGrpSpPr>
-      <p:grpSpPr>
-        <a:xfrm>
-          <a:off x="0" y="0"/>
-          <a:ext cx="0" cy="0"/>
-          <a:chOff x="0" y="0"/>
-          <a:chExt cx="0" cy="0"/>
-        </a:xfrm>
-      </p:grpSpPr>
-      <p:sp>
-        <p:nvSpPr>
-          <p:cNvPr id="2" name="Title 1">
-            <a:extLst>
-              <a:ext uri="{FF2B5EF4-FFF2-40B4-BE49-F238E27FC236}">
-                <a16:creationId xmlns:a16="http://schemas.microsoft.com/office/drawing/2014/main" id="{D1FC59F6-9B22-C211-4B4C-A2FD4B914C46}"/>
-              </a:ext>
-            </a:extLst>
-          </p:cNvPr>
-          <p:cNvSpPr>
-            <a:spLocks noGrp="1"/>
-          </p:cNvSpPr>
-          <p:nvPr>
-            <p:ph type="title"/>
-          </p:nvPr>
-        </p:nvSpPr>
-        <p:spPr>
-          <a:xfrm>
-            <a:off x="914400" y="731520"/>
-            <a:ext cx="7671816" cy="2103120"/>
-          </a:xfrm>
-          <a:noFill/>
-        </p:spPr>
-        <p:txBody>
-          <a:bodyPr anchor="b" anchorCtr="0">
-            <a:noAutofit/>
-          </a:bodyPr>
-          <a:lstStyle/>
-          <a:p>
-            <a:r>
-              <a:rPr lang="en-US" dirty="0"/>
-              <a:t>Financial snapshot</a:t>
-            </a:r>
-          </a:p>
-        </p:txBody>
-      </p:sp>
-      <p:graphicFrame>
-        <p:nvGraphicFramePr>
-          <p:cNvPr id="16" name="Table Placeholder 3">
-            <a:extLst>
-              <a:ext uri="{FF2B5EF4-FFF2-40B4-BE49-F238E27FC236}">
-                <a16:creationId xmlns:a16="http://schemas.microsoft.com/office/drawing/2014/main" id="{6CB67956-A6C3-FCDF-EC78-F79D90449E96}"/>
-              </a:ext>
-            </a:extLst>
-          </p:cNvPr>
-          <p:cNvGraphicFramePr>
-            <a:graphicFrameLocks noGrp="1"/>
-          </p:cNvGraphicFramePr>
-          <p:nvPr>
-            <p:ph idx="14"/>
-            <p:extLst>
-              <p:ext uri="{D42A27DB-BD31-4B8C-83A1-F6EECF244321}">
-                <p14:modId xmlns:p14="http://schemas.microsoft.com/office/powerpoint/2010/main" val="3728026106"/>
-              </p:ext>
-            </p:extLst>
-          </p:nvPr>
-        </p:nvGraphicFramePr>
-        <p:xfrm>
-          <a:off x="914400" y="3200400"/>
-          <a:ext cx="10149840" cy="2834640"/>
-        </p:xfrm>
-        <a:graphic>
-          <a:graphicData uri="http://schemas.openxmlformats.org/drawingml/2006/table">
-            <a:tbl>
-              <a:tblPr firstRow="1" bandRow="1">
-                <a:tableStyleId>{9DCAF9ED-07DC-4A11-8D7F-57B35C25682E}</a:tableStyleId>
-              </a:tblPr>
-              <a:tblGrid>
-                <a:gridCol w="2537460">
-                  <a:extLst>
-                    <a:ext uri="{9D8B030D-6E8A-4147-A177-3AD203B41FA5}">
-                      <a16:colId xmlns:a16="http://schemas.microsoft.com/office/drawing/2014/main" val="130956065"/>
-                    </a:ext>
-                  </a:extLst>
-                </a:gridCol>
-                <a:gridCol w="2537460">
-                  <a:extLst>
-                    <a:ext uri="{9D8B030D-6E8A-4147-A177-3AD203B41FA5}">
-                      <a16:colId xmlns:a16="http://schemas.microsoft.com/office/drawing/2014/main" val="2749965458"/>
-                    </a:ext>
-                  </a:extLst>
-                </a:gridCol>
-                <a:gridCol w="2537460">
-                  <a:extLst>
-                    <a:ext uri="{9D8B030D-6E8A-4147-A177-3AD203B41FA5}">
-                      <a16:colId xmlns:a16="http://schemas.microsoft.com/office/drawing/2014/main" val="2116711163"/>
-                    </a:ext>
-                  </a:extLst>
-                </a:gridCol>
-                <a:gridCol w="2537460">
-                  <a:extLst>
-                    <a:ext uri="{9D8B030D-6E8A-4147-A177-3AD203B41FA5}">
-                      <a16:colId xmlns:a16="http://schemas.microsoft.com/office/drawing/2014/main" val="1186885001"/>
-                    </a:ext>
-                  </a:extLst>
-                </a:gridCol>
-              </a:tblGrid>
-              <a:tr h="472440">
-                <a:tc>
-                  <a:txBody>
-                    <a:bodyPr/>
-                    <a:lstStyle/>
-                    <a:p>
-                      <a:pPr algn="ctr"/>
-                      <a:r>
-                        <a:rPr lang="en-US" dirty="0">
-                          <a:latin typeface="+mn-lt"/>
-                        </a:rPr>
-                        <a:t>Metric</a:t>
-                      </a:r>
-                    </a:p>
-                  </a:txBody>
-                  <a:tcPr anchor="ctr"/>
-                </a:tc>
-                <a:tc>
-                  <a:txBody>
-                    <a:bodyPr/>
-                    <a:lstStyle/>
-                    <a:p>
-                      <a:pPr algn="ctr"/>
-                      <a:r>
-                        <a:rPr lang="en-US" dirty="0">
-                          <a:latin typeface="+mn-lt"/>
-                        </a:rPr>
-                        <a:t>Current value</a:t>
-                      </a:r>
-                    </a:p>
-                  </a:txBody>
-                  <a:tcPr anchor="ctr"/>
-                </a:tc>
-                <a:tc>
-                  <a:txBody>
-                    <a:bodyPr/>
-                    <a:lstStyle/>
-                    <a:p>
-                      <a:pPr algn="ctr"/>
-                      <a:r>
-                        <a:rPr lang="en-US" dirty="0">
-                          <a:latin typeface="+mn-lt"/>
-                        </a:rPr>
-                        <a:t>Previous quarter</a:t>
-                      </a:r>
-                    </a:p>
-                  </a:txBody>
-                  <a:tcPr anchor="ctr"/>
-                </a:tc>
-                <a:tc>
-                  <a:txBody>
-                    <a:bodyPr/>
-                    <a:lstStyle/>
-                    <a:p>
-                      <a:pPr algn="ctr"/>
-                      <a:r>
-                        <a:rPr lang="en-US" dirty="0">
-                          <a:latin typeface="+mn-lt"/>
-                        </a:rPr>
-                        <a:t>Change (%)</a:t>
-                      </a:r>
-                    </a:p>
-                  </a:txBody>
-                  <a:tcPr anchor="ctr"/>
-                </a:tc>
-                <a:extLst>
-                  <a:ext uri="{0D108BD9-81ED-4DB2-BD59-A6C34878D82A}">
-                    <a16:rowId xmlns:a16="http://schemas.microsoft.com/office/drawing/2014/main" val="3741017008"/>
-                  </a:ext>
-                </a:extLst>
-              </a:tr>
-              <a:tr h="472440">
-                <a:tc>
-                  <a:txBody>
-                    <a:bodyPr/>
-                    <a:lstStyle/>
-                    <a:p>
-                      <a:pPr algn="ctr"/>
-                      <a:r>
-                        <a:rPr lang="en-US" dirty="0">
-                          <a:latin typeface="+mn-lt"/>
-                        </a:rPr>
-                        <a:t>Revenue</a:t>
-                      </a:r>
-                    </a:p>
-                  </a:txBody>
-                  <a:tcPr anchor="ctr"/>
-                </a:tc>
-                <a:tc>
-                  <a:txBody>
-                    <a:bodyPr/>
-                    <a:lstStyle/>
-                    <a:p>
-                      <a:pPr algn="ctr"/>
-                      <a:r>
-                        <a:rPr lang="en-US" dirty="0">
-                          <a:latin typeface="+mn-lt"/>
-                        </a:rPr>
-                        <a:t>$2,500,000</a:t>
-                      </a:r>
-                    </a:p>
-                  </a:txBody>
-                  <a:tcPr anchor="ctr"/>
-                </a:tc>
-                <a:tc>
-                  <a:txBody>
-                    <a:bodyPr/>
-                    <a:lstStyle/>
-                    <a:p>
-                      <a:pPr algn="ctr"/>
-                      <a:r>
-                        <a:rPr lang="en-US" dirty="0">
-                          <a:latin typeface="+mn-lt"/>
-                        </a:rPr>
-                        <a:t>$2,200,000</a:t>
-                      </a:r>
-                    </a:p>
-                  </a:txBody>
-                  <a:tcPr anchor="ctr"/>
-                </a:tc>
-                <a:tc>
-                  <a:txBody>
-                    <a:bodyPr/>
-                    <a:lstStyle/>
-                    <a:p>
-                      <a:pPr algn="ctr"/>
-                      <a:r>
-                        <a:rPr lang="en-US" dirty="0">
-                          <a:latin typeface="+mn-lt"/>
-                        </a:rPr>
-                        <a:t>+14%</a:t>
-                      </a:r>
-                    </a:p>
-                  </a:txBody>
-                  <a:tcPr anchor="ctr"/>
-                </a:tc>
-                <a:extLst>
-                  <a:ext uri="{0D108BD9-81ED-4DB2-BD59-A6C34878D82A}">
-                    <a16:rowId xmlns:a16="http://schemas.microsoft.com/office/drawing/2014/main" val="511888340"/>
-                  </a:ext>
-                </a:extLst>
-              </a:tr>
-              <a:tr h="472440">
-                <a:tc>
-                  <a:txBody>
-                    <a:bodyPr/>
-                    <a:lstStyle/>
-                    <a:p>
-                      <a:pPr algn="ctr"/>
-                      <a:r>
-                        <a:rPr lang="en-US" dirty="0">
-                          <a:latin typeface="+mn-lt"/>
-                        </a:rPr>
-                        <a:t>Operating expenses</a:t>
-                      </a:r>
-                    </a:p>
-                  </a:txBody>
-                  <a:tcPr anchor="ctr"/>
-                </a:tc>
-                <a:tc>
-                  <a:txBody>
-                    <a:bodyPr/>
-                    <a:lstStyle/>
-                    <a:p>
-                      <a:pPr algn="ctr"/>
-                      <a:r>
-                        <a:rPr lang="en-US" dirty="0">
-                          <a:latin typeface="+mn-lt"/>
-                        </a:rPr>
-                        <a:t>$1,200,000</a:t>
-                      </a:r>
-                    </a:p>
-                  </a:txBody>
-                  <a:tcPr anchor="ctr"/>
-                </a:tc>
-                <a:tc>
-                  <a:txBody>
-                    <a:bodyPr/>
-                    <a:lstStyle/>
-                    <a:p>
-                      <a:pPr algn="ctr"/>
-                      <a:r>
-                        <a:rPr lang="en-US" dirty="0">
-                          <a:latin typeface="+mn-lt"/>
-                        </a:rPr>
-                        <a:t>$1,400,000</a:t>
-                      </a:r>
-                    </a:p>
-                  </a:txBody>
-                  <a:tcPr anchor="ctr"/>
-                </a:tc>
-                <a:tc>
-                  <a:txBody>
-                    <a:bodyPr/>
-                    <a:lstStyle/>
-                    <a:p>
-                      <a:pPr algn="ctr"/>
-                      <a:r>
-                        <a:rPr lang="en-US" dirty="0">
-                          <a:latin typeface="+mn-lt"/>
-                        </a:rPr>
-                        <a:t>-14%</a:t>
-                      </a:r>
-                    </a:p>
-                  </a:txBody>
-                  <a:tcPr anchor="ctr"/>
-                </a:tc>
-                <a:extLst>
-                  <a:ext uri="{0D108BD9-81ED-4DB2-BD59-A6C34878D82A}">
-                    <a16:rowId xmlns:a16="http://schemas.microsoft.com/office/drawing/2014/main" val="3937089168"/>
-                  </a:ext>
-                </a:extLst>
-              </a:tr>
-              <a:tr h="472440">
-                <a:tc>
-                  <a:txBody>
-                    <a:bodyPr/>
-                    <a:lstStyle/>
-                    <a:p>
-                      <a:pPr algn="ctr"/>
-                      <a:r>
-                        <a:rPr lang="en-US" dirty="0">
-                          <a:latin typeface="+mn-lt"/>
-                        </a:rPr>
-                        <a:t>Net profit</a:t>
-                      </a:r>
-                    </a:p>
-                  </a:txBody>
-                  <a:tcPr anchor="ctr"/>
-                </a:tc>
-                <a:tc>
-                  <a:txBody>
-                    <a:bodyPr/>
-                    <a:lstStyle/>
-                    <a:p>
-                      <a:pPr algn="ctr"/>
-                      <a:r>
-                        <a:rPr lang="en-US" dirty="0">
-                          <a:latin typeface="+mn-lt"/>
-                        </a:rPr>
-                        <a:t>$1,000,000</a:t>
-                      </a:r>
-                    </a:p>
-                  </a:txBody>
-                  <a:tcPr anchor="ctr"/>
-                </a:tc>
-                <a:tc>
-                  <a:txBody>
-                    <a:bodyPr/>
-                    <a:lstStyle/>
-                    <a:p>
-                      <a:pPr algn="ctr"/>
-                      <a:r>
-                        <a:rPr lang="en-US" dirty="0">
-                          <a:latin typeface="+mn-lt"/>
-                        </a:rPr>
-                        <a:t>$800,000</a:t>
-                      </a:r>
-                    </a:p>
-                  </a:txBody>
-                  <a:tcPr anchor="ctr"/>
-                </a:tc>
-                <a:tc>
-                  <a:txBody>
-                    <a:bodyPr/>
-                    <a:lstStyle/>
-                    <a:p>
-                      <a:pPr algn="ctr"/>
-                      <a:r>
-                        <a:rPr lang="en-US" dirty="0">
-                          <a:latin typeface="+mn-lt"/>
-                        </a:rPr>
-                        <a:t>+25%</a:t>
-                      </a:r>
-                    </a:p>
-                  </a:txBody>
-                  <a:tcPr anchor="ctr"/>
-                </a:tc>
-                <a:extLst>
-                  <a:ext uri="{0D108BD9-81ED-4DB2-BD59-A6C34878D82A}">
-                    <a16:rowId xmlns:a16="http://schemas.microsoft.com/office/drawing/2014/main" val="1031597798"/>
-                  </a:ext>
-                </a:extLst>
-              </a:tr>
-              <a:tr h="472440">
-                <a:tc>
-                  <a:txBody>
-                    <a:bodyPr/>
-                    <a:lstStyle/>
-                    <a:p>
-                      <a:pPr algn="ctr"/>
-                      <a:r>
-                        <a:rPr lang="en-US" dirty="0">
-                          <a:latin typeface="+mn-lt"/>
-                        </a:rPr>
-                        <a:t>Operating margin</a:t>
-                      </a:r>
-                    </a:p>
-                  </a:txBody>
-                  <a:tcPr anchor="ctr"/>
-                </a:tc>
-                <a:tc>
-                  <a:txBody>
-                    <a:bodyPr/>
-                    <a:lstStyle/>
-                    <a:p>
-                      <a:pPr algn="ctr"/>
-                      <a:r>
-                        <a:rPr lang="en-US" dirty="0">
-                          <a:latin typeface="+mn-lt"/>
-                        </a:rPr>
-                        <a:t>40%</a:t>
-                      </a:r>
-                    </a:p>
-                  </a:txBody>
-                  <a:tcPr anchor="ctr"/>
-                </a:tc>
-                <a:tc>
-                  <a:txBody>
-                    <a:bodyPr/>
-                    <a:lstStyle/>
-                    <a:p>
-                      <a:pPr algn="ctr"/>
-                      <a:r>
-                        <a:rPr lang="en-US" dirty="0">
-                          <a:latin typeface="+mn-lt"/>
-                        </a:rPr>
-                        <a:t>36%</a:t>
-                      </a:r>
-                    </a:p>
-                  </a:txBody>
-                  <a:tcPr anchor="ctr"/>
-                </a:tc>
-                <a:tc>
-                  <a:txBody>
-                    <a:bodyPr/>
-                    <a:lstStyle/>
-                    <a:p>
-                      <a:pPr algn="ctr"/>
-                      <a:r>
-                        <a:rPr lang="en-US" dirty="0">
-                          <a:latin typeface="+mn-lt"/>
-                        </a:rPr>
-                        <a:t>+4%</a:t>
-                      </a:r>
-                    </a:p>
-                  </a:txBody>
-                  <a:tcPr anchor="ctr"/>
-                </a:tc>
-                <a:extLst>
-                  <a:ext uri="{0D108BD9-81ED-4DB2-BD59-A6C34878D82A}">
-                    <a16:rowId xmlns:a16="http://schemas.microsoft.com/office/drawing/2014/main" val="1194376521"/>
-                  </a:ext>
-                </a:extLst>
-              </a:tr>
-              <a:tr h="472440">
-                <a:tc>
-                  <a:txBody>
-                    <a:bodyPr/>
-                    <a:lstStyle/>
-                    <a:p>
-                      <a:pPr algn="ctr"/>
-                      <a:r>
-                        <a:rPr lang="en-US" dirty="0">
-                          <a:latin typeface="+mn-lt"/>
-                        </a:rPr>
-                        <a:t>Cash reserves</a:t>
-                      </a:r>
-                    </a:p>
-                  </a:txBody>
-                  <a:tcPr anchor="ctr"/>
-                </a:tc>
-                <a:tc>
-                  <a:txBody>
-                    <a:bodyPr/>
-                    <a:lstStyle/>
-                    <a:p>
-                      <a:pPr algn="ctr"/>
-                      <a:r>
-                        <a:rPr lang="en-US" dirty="0">
-                          <a:latin typeface="+mn-lt"/>
-                        </a:rPr>
-                        <a:t>$5,000,000</a:t>
-                      </a:r>
-                    </a:p>
-                  </a:txBody>
-                  <a:tcPr anchor="ctr"/>
-                </a:tc>
-                <a:tc>
-                  <a:txBody>
-                    <a:bodyPr/>
-                    <a:lstStyle/>
-                    <a:p>
-                      <a:pPr algn="ctr"/>
-                      <a:r>
-                        <a:rPr lang="en-US" dirty="0">
-                          <a:latin typeface="+mn-lt"/>
-                        </a:rPr>
-                        <a:t>$4,500,000</a:t>
-                      </a:r>
-                    </a:p>
-                  </a:txBody>
-                  <a:tcPr anchor="ctr"/>
-                </a:tc>
-                <a:tc>
-                  <a:txBody>
-                    <a:bodyPr/>
-                    <a:lstStyle/>
-                    <a:p>
-                      <a:pPr algn="ctr"/>
-                      <a:r>
-                        <a:rPr lang="en-US" dirty="0">
-                          <a:latin typeface="+mn-lt"/>
-                        </a:rPr>
-                        <a:t>+11%</a:t>
-                      </a:r>
-                    </a:p>
-                  </a:txBody>
-                  <a:tcPr anchor="ctr"/>
-                </a:tc>
-                <a:extLst>
-                  <a:ext uri="{0D108BD9-81ED-4DB2-BD59-A6C34878D82A}">
-                    <a16:rowId xmlns:a16="http://schemas.microsoft.com/office/drawing/2014/main" val="1918266800"/>
-                  </a:ext>
-                </a:extLst>
-              </a:tr>
-            </a:tbl>
-          </a:graphicData>
-        </a:graphic>
-      </p:graphicFrame>
-      <p:sp>
-        <p:nvSpPr>
-          <p:cNvPr id="3" name="Slide Number Placeholder 2">
-            <a:extLst>
-              <a:ext uri="{FF2B5EF4-FFF2-40B4-BE49-F238E27FC236}">
-                <a16:creationId xmlns:a16="http://schemas.microsoft.com/office/drawing/2014/main" id="{C5231D8C-5C7D-BFD9-19A4-7628C1400A37}"/>
-              </a:ext>
-            </a:extLst>
-          </p:cNvPr>
-          <p:cNvSpPr>
-            <a:spLocks noGrp="1"/>
-          </p:cNvSpPr>
-          <p:nvPr>
-            <p:ph type="sldNum" sz="quarter" idx="12"/>
-          </p:nvPr>
-        </p:nvSpPr>
-        <p:spPr/>
-        <p:txBody>
-          <a:bodyPr/>
-          <a:lstStyle/>
-          <a:p>
-            <a:fld id="{CBD12358-51D2-46B3-9BDE-DF29528B9454}" type="slidenum">
-              <a:rPr lang="en-US" smtClean="0"/>
-              <a:t>17</a:t>
-            </a:fld>
-            <a:endParaRPr lang="en-US" dirty="0"/>
-          </a:p>
-        </p:txBody>
-      </p:sp>
-    </p:spTree>
-    <p:extLst>
-      <p:ext uri="{BB962C8B-B14F-4D97-AF65-F5344CB8AC3E}">
-        <p14:creationId xmlns:p14="http://schemas.microsoft.com/office/powerpoint/2010/main" val="3604630649"/>
-      </p:ext>
-    </p:extLst>
-  </p:cSld>
-  <p:clrMapOvr>
-    <a:masterClrMapping/>
-  </p:clrMapOvr>
-</p:sld>
-</file>
-
-<file path=ppt/slides/slide18.xml><?xml version="1.0" encoding="utf-8"?>
-<p:sld xmlns:a="http://schemas.openxmlformats.org/drawingml/2006/main" xmlns:r="http://schemas.openxmlformats.org/officeDocument/2006/relationships" xmlns:p="http://schemas.openxmlformats.org/presentationml/2006/main">
-  <p:cSld>
-    <p:spTree>
-      <p:nvGrpSpPr>
-        <p:cNvPr id="1" name=""/>
-        <p:cNvGrpSpPr/>
-        <p:nvPr/>
-      </p:nvGrpSpPr>
-      <p:grpSpPr>
-        <a:xfrm>
-          <a:off x="0" y="0"/>
-          <a:ext cx="0" cy="0"/>
-          <a:chOff x="0" y="0"/>
-          <a:chExt cx="0" cy="0"/>
-        </a:xfrm>
-      </p:grpSpPr>
-      <p:sp>
-        <p:nvSpPr>
-          <p:cNvPr id="2" name="Title 1">
-            <a:extLst>
-              <a:ext uri="{FF2B5EF4-FFF2-40B4-BE49-F238E27FC236}">
-                <a16:creationId xmlns:a16="http://schemas.microsoft.com/office/drawing/2014/main" id="{5E5CEC29-2F05-D7E4-A266-08C74BE4F5F8}"/>
-              </a:ext>
-            </a:extLst>
-          </p:cNvPr>
-          <p:cNvSpPr>
-            <a:spLocks noGrp="1"/>
-          </p:cNvSpPr>
-          <p:nvPr>
-            <p:ph type="title"/>
-          </p:nvPr>
-        </p:nvSpPr>
-        <p:spPr>
-          <a:xfrm>
-            <a:off x="6710510" y="2016579"/>
-            <a:ext cx="4441188" cy="2775857"/>
-          </a:xfrm>
-        </p:spPr>
-        <p:txBody>
-          <a:bodyPr/>
-          <a:lstStyle/>
-          <a:p>
-            <a:r>
-              <a:rPr lang="en-US" dirty="0"/>
-              <a:t>Innovative solutions</a:t>
-            </a:r>
-          </a:p>
-        </p:txBody>
-      </p:sp>
-      <p:pic>
-        <p:nvPicPr>
-          <p:cNvPr id="5" name="Picture Placeholder 4" descr="A person looking at a person who is looking at a computer screen">
-            <a:extLst>
-              <a:ext uri="{FF2B5EF4-FFF2-40B4-BE49-F238E27FC236}">
-                <a16:creationId xmlns:a16="http://schemas.microsoft.com/office/drawing/2014/main" id="{867EED95-1785-2CFF-AB72-C7852C4B1E15}"/>
-              </a:ext>
-            </a:extLst>
-          </p:cNvPr>
-          <p:cNvPicPr>
-            <a:picLocks noGrp="1" noChangeAspect="1"/>
-          </p:cNvPicPr>
-          <p:nvPr>
-            <p:ph type="pic" sz="quarter" idx="48"/>
-          </p:nvPr>
-        </p:nvPicPr>
-        <p:blipFill>
-          <a:blip r:embed="rId2"/>
-          <a:srcRect t="11651" b="11651"/>
-          <a:stretch/>
-        </p:blipFill>
-        <p:spPr>
-          <a:xfrm>
-            <a:off x="914400" y="539496"/>
-            <a:ext cx="5025207" cy="5779008"/>
-          </a:xfrm>
-        </p:spPr>
-      </p:pic>
-    </p:spTree>
-    <p:extLst>
-      <p:ext uri="{BB962C8B-B14F-4D97-AF65-F5344CB8AC3E}">
-        <p14:creationId xmlns:p14="http://schemas.microsoft.com/office/powerpoint/2010/main" val="1148227982"/>
-      </p:ext>
-    </p:extLst>
-  </p:cSld>
-  <p:clrMapOvr>
-    <a:masterClrMapping/>
-  </p:clrMapOvr>
-</p:sld>
-</file>
-
-<file path=ppt/slides/slide19.xml><?xml version="1.0" encoding="utf-8"?>
-<p:sld xmlns:a="http://schemas.openxmlformats.org/drawingml/2006/main" xmlns:r="http://schemas.openxmlformats.org/officeDocument/2006/relationships" xmlns:p="http://schemas.openxmlformats.org/presentationml/2006/main">
-  <p:cSld>
-    <p:spTree>
-      <p:nvGrpSpPr>
-        <p:cNvPr id="1" name=""/>
-        <p:cNvGrpSpPr/>
-        <p:nvPr/>
-      </p:nvGrpSpPr>
-      <p:grpSpPr>
-        <a:xfrm>
-          <a:off x="0" y="0"/>
-          <a:ext cx="0" cy="0"/>
-          <a:chOff x="0" y="0"/>
-          <a:chExt cx="0" cy="0"/>
-        </a:xfrm>
-      </p:grpSpPr>
-      <p:sp>
-        <p:nvSpPr>
-          <p:cNvPr id="8" name="Title 7">
-            <a:extLst>
-              <a:ext uri="{FF2B5EF4-FFF2-40B4-BE49-F238E27FC236}">
-                <a16:creationId xmlns:a16="http://schemas.microsoft.com/office/drawing/2014/main" id="{721E73BA-53B9-C0C1-476A-00736A64AB79}"/>
-              </a:ext>
-            </a:extLst>
-          </p:cNvPr>
-          <p:cNvSpPr>
-            <a:spLocks noGrp="1"/>
-          </p:cNvSpPr>
-          <p:nvPr>
-            <p:ph type="title"/>
-          </p:nvPr>
-        </p:nvSpPr>
-        <p:spPr>
-          <a:xfrm>
-            <a:off x="3465576" y="1499616"/>
-            <a:ext cx="7955280" cy="1335024"/>
-          </a:xfrm>
-        </p:spPr>
-        <p:txBody>
-          <a:bodyPr anchor="b" anchorCtr="0"/>
-          <a:lstStyle/>
-          <a:p>
-            <a:r>
-              <a:rPr lang="en-US" dirty="0"/>
-              <a:t>Future initiatives</a:t>
-            </a:r>
-          </a:p>
-        </p:txBody>
-      </p:sp>
-      <p:sp>
-        <p:nvSpPr>
-          <p:cNvPr id="14" name="Text Placeholder 13">
-            <a:extLst>
-              <a:ext uri="{FF2B5EF4-FFF2-40B4-BE49-F238E27FC236}">
-                <a16:creationId xmlns:a16="http://schemas.microsoft.com/office/drawing/2014/main" id="{C78180D0-1AB6-8416-0EB1-10648E1A6050}"/>
-              </a:ext>
-            </a:extLst>
-          </p:cNvPr>
-          <p:cNvSpPr>
-            <a:spLocks noGrp="1"/>
-          </p:cNvSpPr>
-          <p:nvPr>
-            <p:ph idx="14"/>
-          </p:nvPr>
-        </p:nvSpPr>
-        <p:spPr>
-          <a:xfrm>
-            <a:off x="3465576" y="3108960"/>
-            <a:ext cx="4572000" cy="3108960"/>
-          </a:xfrm>
-        </p:spPr>
-        <p:txBody>
-          <a:bodyPr/>
-          <a:lstStyle/>
-          <a:p>
-            <a:r>
-              <a:rPr lang="en-US" dirty="0"/>
-              <a:t>Product enhancement. Introduce regular updates and features to enhance product offerings.</a:t>
-            </a:r>
-          </a:p>
-          <a:p>
-            <a:r>
-              <a:rPr lang="en-US" dirty="0"/>
-              <a:t>Technology integration. Explore emerging technologies for potential integration into our operations.</a:t>
-            </a:r>
-          </a:p>
-          <a:p>
-            <a:r>
-              <a:rPr lang="en-US" dirty="0"/>
-              <a:t>Collaborative partnerships. Foster collaborations with tech innovators and industry leaders to drive innovation.</a:t>
-            </a:r>
-          </a:p>
-        </p:txBody>
-      </p:sp>
-      <p:sp>
-        <p:nvSpPr>
-          <p:cNvPr id="13" name="Text Placeholder 12">
-            <a:extLst>
-              <a:ext uri="{FF2B5EF4-FFF2-40B4-BE49-F238E27FC236}">
-                <a16:creationId xmlns:a16="http://schemas.microsoft.com/office/drawing/2014/main" id="{DEB5763E-8BC0-F6C3-3814-6649A828C000}"/>
-              </a:ext>
-            </a:extLst>
-          </p:cNvPr>
-          <p:cNvSpPr>
-            <a:spLocks noGrp="1"/>
-          </p:cNvSpPr>
-          <p:nvPr>
-            <p:ph idx="1"/>
-          </p:nvPr>
-        </p:nvSpPr>
-        <p:spPr>
-          <a:xfrm>
-            <a:off x="8229600" y="3108960"/>
-            <a:ext cx="3017520" cy="3108960"/>
-          </a:xfrm>
-        </p:spPr>
-        <p:txBody>
-          <a:bodyPr/>
-          <a:lstStyle/>
-          <a:p>
-            <a:r>
-              <a:rPr lang="en-US" dirty="0"/>
-              <a:t>Green supply chain</a:t>
-            </a:r>
-          </a:p>
-          <a:p>
-            <a:r>
-              <a:rPr lang="en-US" dirty="0"/>
-              <a:t>Reduced carbon footprint</a:t>
-            </a:r>
-          </a:p>
-          <a:p>
-            <a:r>
-              <a:rPr lang="en-US" dirty="0"/>
-              <a:t>Waste reduction</a:t>
-            </a:r>
-          </a:p>
-          <a:p>
-            <a:r>
-              <a:rPr lang="en-US" dirty="0"/>
-              <a:t>Water conservation</a:t>
-            </a:r>
-          </a:p>
-        </p:txBody>
-      </p:sp>
-      <p:sp>
-        <p:nvSpPr>
-          <p:cNvPr id="2" name="Slide Number Placeholder 1">
-            <a:extLst>
-              <a:ext uri="{FF2B5EF4-FFF2-40B4-BE49-F238E27FC236}">
-                <a16:creationId xmlns:a16="http://schemas.microsoft.com/office/drawing/2014/main" id="{B2E4D147-B48C-ADE3-3FEF-627D467699A2}"/>
-              </a:ext>
-            </a:extLst>
-          </p:cNvPr>
-          <p:cNvSpPr>
-            <a:spLocks noGrp="1"/>
-          </p:cNvSpPr>
-          <p:nvPr>
-            <p:ph type="sldNum" sz="quarter" idx="40"/>
-          </p:nvPr>
-        </p:nvSpPr>
-        <p:spPr>
-          <a:xfrm>
-            <a:off x="11194169" y="6217920"/>
-            <a:ext cx="458592" cy="365125"/>
-          </a:xfrm>
-        </p:spPr>
-        <p:txBody>
-          <a:bodyPr/>
-          <a:lstStyle/>
-          <a:p>
-            <a:fld id="{47FEACEE-25B4-4A2D-B147-27296E36371D}" type="slidenum">
-              <a:rPr lang="en-US" altLang="zh-CN" noProof="0" smtClean="0"/>
-              <a:pPr/>
-              <a:t>19</a:t>
-            </a:fld>
-            <a:endParaRPr lang="en-US" altLang="zh-CN" noProof="0" dirty="0"/>
-          </a:p>
-        </p:txBody>
-      </p:sp>
-      <p:sp>
-        <p:nvSpPr>
-          <p:cNvPr id="15" name="Slide Number Placeholder 13">
-            <a:extLst>
-              <a:ext uri="{FF2B5EF4-FFF2-40B4-BE49-F238E27FC236}">
-                <a16:creationId xmlns:a16="http://schemas.microsoft.com/office/drawing/2014/main" id="{55AB7753-4245-72E4-BEDB-33038672BA35}"/>
-              </a:ext>
-            </a:extLst>
-          </p:cNvPr>
-          <p:cNvSpPr txBox="1">
-            <a:spLocks/>
-          </p:cNvSpPr>
-          <p:nvPr/>
-        </p:nvSpPr>
-        <p:spPr>
-          <a:xfrm>
-            <a:off x="11194169" y="6215665"/>
-            <a:ext cx="458592" cy="365125"/>
-          </a:xfrm>
-          <a:prstGeom prst="rect">
-            <a:avLst/>
-          </a:prstGeom>
-        </p:spPr>
-        <p:txBody>
-          <a:bodyPr anchor="ctr"/>
-          <a:lstStyle>
-            <a:defPPr>
-              <a:defRPr lang="zh-CN"/>
-            </a:defPPr>
-            <a:lvl1pPr marL="0" algn="ctr" defTabSz="914400" rtl="0" eaLnBrk="1" latinLnBrk="0" hangingPunct="1">
-              <a:defRPr sz="1200" b="0" i="0" kern="1200">
-                <a:solidFill>
-                  <a:schemeClr val="tx1"/>
-                </a:solidFill>
-                <a:latin typeface="Abadi" panose="020B0604020104020204" pitchFamily="34" charset="0"/>
-                <a:ea typeface="+mn-ea"/>
-                <a:cs typeface="+mn-cs"/>
-              </a:defRPr>
-            </a:lvl1pPr>
-            <a:lvl2pPr marL="457200" algn="l" defTabSz="914400" rtl="0" eaLnBrk="1" latinLnBrk="0" hangingPunct="1">
-              <a:defRPr sz="1800" kern="1200">
-                <a:solidFill>
-                  <a:schemeClr val="tx1"/>
-                </a:solidFill>
-                <a:latin typeface="+mn-lt"/>
-                <a:ea typeface="+mn-ea"/>
-                <a:cs typeface="+mn-cs"/>
-              </a:defRPr>
-            </a:lvl2pPr>
-            <a:lvl3pPr marL="914400" algn="l" defTabSz="914400" rtl="0" eaLnBrk="1" latinLnBrk="0" hangingPunct="1">
-              <a:defRPr sz="1800" kern="1200">
-                <a:solidFill>
-                  <a:schemeClr val="tx1"/>
-                </a:solidFill>
-                <a:latin typeface="+mn-lt"/>
-                <a:ea typeface="+mn-ea"/>
-                <a:cs typeface="+mn-cs"/>
-              </a:defRPr>
-            </a:lvl3pPr>
-            <a:lvl4pPr marL="1371600" algn="l" defTabSz="914400" rtl="0" eaLnBrk="1" latinLnBrk="0" hangingPunct="1">
-              <a:defRPr sz="1800" kern="1200">
-                <a:solidFill>
-                  <a:schemeClr val="tx1"/>
-                </a:solidFill>
-                <a:latin typeface="+mn-lt"/>
-                <a:ea typeface="+mn-ea"/>
-                <a:cs typeface="+mn-cs"/>
-              </a:defRPr>
-            </a:lvl4pPr>
-            <a:lvl5pPr marL="1828800" algn="l" defTabSz="914400" rtl="0" eaLnBrk="1" latinLnBrk="0" hangingPunct="1">
-              <a:defRPr sz="1800" kern="1200">
-                <a:solidFill>
-                  <a:schemeClr val="tx1"/>
-                </a:solidFill>
-                <a:latin typeface="+mn-lt"/>
-                <a:ea typeface="+mn-ea"/>
-                <a:cs typeface="+mn-cs"/>
-              </a:defRPr>
-            </a:lvl5pPr>
-            <a:lvl6pPr marL="2286000" algn="l" defTabSz="914400" rtl="0" eaLnBrk="1" latinLnBrk="0" hangingPunct="1">
-              <a:defRPr sz="1800" kern="1200">
-                <a:solidFill>
-                  <a:schemeClr val="tx1"/>
-                </a:solidFill>
-                <a:latin typeface="+mn-lt"/>
-                <a:ea typeface="+mn-ea"/>
-                <a:cs typeface="+mn-cs"/>
-              </a:defRPr>
-            </a:lvl6pPr>
-            <a:lvl7pPr marL="2743200" algn="l" defTabSz="914400" rtl="0" eaLnBrk="1" latinLnBrk="0" hangingPunct="1">
-              <a:defRPr sz="1800" kern="1200">
-                <a:solidFill>
-                  <a:schemeClr val="tx1"/>
-                </a:solidFill>
-                <a:latin typeface="+mn-lt"/>
-                <a:ea typeface="+mn-ea"/>
-                <a:cs typeface="+mn-cs"/>
-              </a:defRPr>
-            </a:lvl7pPr>
-            <a:lvl8pPr marL="3200400" algn="l" defTabSz="914400" rtl="0" eaLnBrk="1" latinLnBrk="0" hangingPunct="1">
-              <a:defRPr sz="1800" kern="1200">
-                <a:solidFill>
-                  <a:schemeClr val="tx1"/>
-                </a:solidFill>
-                <a:latin typeface="+mn-lt"/>
-                <a:ea typeface="+mn-ea"/>
-                <a:cs typeface="+mn-cs"/>
-              </a:defRPr>
-            </a:lvl8pPr>
-            <a:lvl9pPr marL="3657600" algn="l" defTabSz="914400" rtl="0" eaLnBrk="1" latinLnBrk="0" hangingPunct="1">
-              <a:defRPr sz="1800" kern="1200">
-                <a:solidFill>
-                  <a:schemeClr val="tx1"/>
-                </a:solidFill>
-                <a:latin typeface="+mn-lt"/>
-                <a:ea typeface="+mn-ea"/>
-                <a:cs typeface="+mn-cs"/>
-              </a:defRPr>
-            </a:lvl9pPr>
-          </a:lstStyle>
-          <a:p>
-            <a:pPr marL="0" marR="0" lvl="0" indent="0" algn="ctr" defTabSz="914400" rtl="0" eaLnBrk="1" fontAlgn="auto" latinLnBrk="0" hangingPunct="1">
-              <a:lnSpc>
-                <a:spcPct val="100000"/>
-              </a:lnSpc>
-              <a:spcBef>
-                <a:spcPts val="0"/>
-              </a:spcBef>
-              <a:spcAft>
-                <a:spcPts val="0"/>
-              </a:spcAft>
-              <a:buClrTx/>
-              <a:buSzTx/>
-              <a:buFontTx/>
-              <a:buNone/>
-              <a:tabLst/>
-              <a:defRPr/>
-            </a:pPr>
-            <a:fld id="{47FEACEE-25B4-4A2D-B147-27296E36371D}" type="slidenum">
-              <a:rPr kumimoji="0" lang="en-US" altLang="zh-CN" sz="1200" u="none" strike="noStrike" kern="1200" cap="none" spc="0" normalizeH="0" baseline="0" smtClean="0">
-                <a:ln>
-                  <a:noFill/>
-                </a:ln>
-                <a:solidFill>
-                  <a:schemeClr val="bg1"/>
-                </a:solidFill>
-                <a:effectLst/>
-                <a:uLnTx/>
-                <a:uFillTx/>
-              </a:rPr>
-              <a:pPr marL="0" marR="0" lvl="0" indent="0" algn="ctr" defTabSz="914400" rtl="0" eaLnBrk="1" fontAlgn="auto" latinLnBrk="0" hangingPunct="1">
-                <a:lnSpc>
-                  <a:spcPct val="100000"/>
-                </a:lnSpc>
-                <a:spcBef>
-                  <a:spcPts val="0"/>
-                </a:spcBef>
-                <a:spcAft>
-                  <a:spcPts val="0"/>
-                </a:spcAft>
-                <a:buClrTx/>
-                <a:buSzTx/>
-                <a:buFontTx/>
-                <a:buNone/>
-                <a:tabLst/>
-                <a:defRPr/>
-              </a:pPr>
-              <a:t>19</a:t>
-            </a:fld>
-            <a:endParaRPr kumimoji="0" lang="en-US" altLang="zh-CN" sz="1200" u="none" strike="noStrike" kern="1200" cap="none" spc="0" normalizeH="0" baseline="0" dirty="0">
-              <a:ln>
-                <a:noFill/>
-              </a:ln>
-              <a:solidFill>
-                <a:schemeClr val="bg1"/>
-              </a:solidFill>
-              <a:effectLst/>
-              <a:uLnTx/>
-              <a:uFillTx/>
-            </a:endParaRPr>
-          </a:p>
-        </p:txBody>
-      </p:sp>
-    </p:spTree>
-    <p:extLst>
-      <p:ext uri="{BB962C8B-B14F-4D97-AF65-F5344CB8AC3E}">
-        <p14:creationId xmlns:p14="http://schemas.microsoft.com/office/powerpoint/2010/main" val="2519727083"/>
-      </p:ext>
-    </p:extLst>
-  </p:cSld>
-  <p:clrMapOvr>
-    <a:masterClrMapping/>
-  </p:clrMapOvr>
-</p:sld>
-</file>
-
 <file path=ppt/slides/slide2.xml><?xml version="1.0" encoding="utf-8"?>
 <p:sld xmlns:a="http://schemas.openxmlformats.org/drawingml/2006/main" xmlns:r="http://schemas.openxmlformats.org/officeDocument/2006/relationships" xmlns:p="http://schemas.openxmlformats.org/presentationml/2006/main">
   <p:cSld>
@@ -18153,119 +14259,6 @@
     <p:extLst>
       <p:ext uri="{BB962C8B-B14F-4D97-AF65-F5344CB8AC3E}">
         <p14:creationId xmlns:p14="http://schemas.microsoft.com/office/powerpoint/2010/main" val="1485080791"/>
-      </p:ext>
-    </p:extLst>
-  </p:cSld>
-  <p:clrMapOvr>
-    <a:masterClrMapping/>
-  </p:clrMapOvr>
-</p:sld>
-</file>
-
-<file path=ppt/slides/slide20.xml><?xml version="1.0" encoding="utf-8"?>
-<p:sld xmlns:a="http://schemas.openxmlformats.org/drawingml/2006/main" xmlns:r="http://schemas.openxmlformats.org/officeDocument/2006/relationships" xmlns:p="http://schemas.openxmlformats.org/presentationml/2006/main">
-  <p:cSld>
-    <p:spTree>
-      <p:nvGrpSpPr>
-        <p:cNvPr id="1" name=""/>
-        <p:cNvGrpSpPr/>
-        <p:nvPr/>
-      </p:nvGrpSpPr>
-      <p:grpSpPr>
-        <a:xfrm>
-          <a:off x="0" y="0"/>
-          <a:ext cx="0" cy="0"/>
-          <a:chOff x="0" y="0"/>
-          <a:chExt cx="0" cy="0"/>
-        </a:xfrm>
-      </p:grpSpPr>
-      <p:sp>
-        <p:nvSpPr>
-          <p:cNvPr id="24" name="Title 23">
-            <a:extLst>
-              <a:ext uri="{FF2B5EF4-FFF2-40B4-BE49-F238E27FC236}">
-                <a16:creationId xmlns:a16="http://schemas.microsoft.com/office/drawing/2014/main" id="{AD2C8D04-263D-9589-1CFF-A5968D7C33D7}"/>
-              </a:ext>
-            </a:extLst>
-          </p:cNvPr>
-          <p:cNvSpPr>
-            <a:spLocks noGrp="1"/>
-          </p:cNvSpPr>
-          <p:nvPr>
-            <p:ph type="title"/>
-          </p:nvPr>
-        </p:nvSpPr>
-        <p:spPr>
-          <a:xfrm>
-            <a:off x="6035040" y="731520"/>
-            <a:ext cx="5394960" cy="2103120"/>
-          </a:xfrm>
-        </p:spPr>
-        <p:txBody>
-          <a:bodyPr/>
-          <a:lstStyle/>
-          <a:p>
-            <a:r>
-              <a:rPr lang="en-US" dirty="0"/>
-              <a:t>Thank you</a:t>
-            </a:r>
-          </a:p>
-        </p:txBody>
-      </p:sp>
-      <p:sp>
-        <p:nvSpPr>
-          <p:cNvPr id="25" name="Text Placeholder 24">
-            <a:extLst>
-              <a:ext uri="{FF2B5EF4-FFF2-40B4-BE49-F238E27FC236}">
-                <a16:creationId xmlns:a16="http://schemas.microsoft.com/office/drawing/2014/main" id="{B993E4D5-4AD0-4740-096D-6822944C8FF6}"/>
-              </a:ext>
-            </a:extLst>
-          </p:cNvPr>
-          <p:cNvSpPr>
-            <a:spLocks noGrp="1"/>
-          </p:cNvSpPr>
-          <p:nvPr>
-            <p:ph type="body" sz="quarter" idx="27"/>
-          </p:nvPr>
-        </p:nvSpPr>
-        <p:spPr>
-          <a:xfrm>
-            <a:off x="6035040" y="3108960"/>
-            <a:ext cx="5394960" cy="1879791"/>
-          </a:xfrm>
-        </p:spPr>
-        <p:txBody>
-          <a:bodyPr/>
-          <a:lstStyle/>
-          <a:p>
-            <a:r>
-              <a:rPr lang="en-US" dirty="0"/>
-              <a:t>Mirjam Nilsson</a:t>
-            </a:r>
-          </a:p>
-          <a:p>
-            <a:pPr lvl="0"/>
-            <a:r>
-              <a:rPr lang="en-US" dirty="0"/>
-              <a:t>mirjam@contoso.com</a:t>
-            </a:r>
-          </a:p>
-          <a:p>
-            <a:pPr lvl="0"/>
-            <a:r>
-              <a:rPr lang="en-US" dirty="0"/>
-              <a:t>www.contoso.com</a:t>
-            </a:r>
-          </a:p>
-          <a:p>
-            <a:endParaRPr lang="en-US" dirty="0"/>
-          </a:p>
-        </p:txBody>
-      </p:sp>
-    </p:spTree>
-    <p:extLst>
-      <p:ext uri="{BB962C8B-B14F-4D97-AF65-F5344CB8AC3E}">
-        <p14:creationId xmlns:p14="http://schemas.microsoft.com/office/powerpoint/2010/main" val="529279411"/>
       </p:ext>
     </p:extLst>
   </p:cSld>
